--- a/Handouts/CheatSheet.pptx
+++ b/Handouts/CheatSheet.pptx
@@ -155,7 +155,7 @@
           </a:lstStyle>
           <a:p>
             <a:r>
-              <a:rPr lang="de-DE" smtClean="0"/>
+              <a:rPr lang="de-DE"/>
               <a:t>Titelmasterformat durch Klicken bearbeiten</a:t>
             </a:r>
             <a:endParaRPr lang="en-US" dirty="0"/>
@@ -220,7 +220,7 @@
           </a:lstStyle>
           <a:p>
             <a:r>
-              <a:rPr lang="de-DE" smtClean="0"/>
+              <a:rPr lang="de-DE"/>
               <a:t>Formatvorlage des Untertitelmasters durch Klicken bearbeiten</a:t>
             </a:r>
             <a:endParaRPr lang="en-US" dirty="0"/>
@@ -244,7 +244,7 @@
           <a:p>
             <a:fld id="{31D5E980-3383-4622-8624-CB42A9705A03}" type="datetimeFigureOut">
               <a:rPr lang="de-DE" smtClean="0"/>
-              <a:t>09.01.2019</a:t>
+              <a:t>27.01.2020</a:t>
             </a:fld>
             <a:endParaRPr lang="de-DE"/>
           </a:p>
@@ -338,7 +338,7 @@
           <a:lstStyle/>
           <a:p>
             <a:r>
-              <a:rPr lang="de-DE" smtClean="0"/>
+              <a:rPr lang="de-DE"/>
               <a:t>Titelmasterformat durch Klicken bearbeiten</a:t>
             </a:r>
             <a:endParaRPr lang="en-US" dirty="0"/>
@@ -362,35 +362,35 @@
           <a:p>
             <a:pPr lvl="0"/>
             <a:r>
-              <a:rPr lang="de-DE" smtClean="0"/>
+              <a:rPr lang="de-DE"/>
               <a:t>Formatvorlagen des Textmasters bearbeiten</a:t>
             </a:r>
           </a:p>
           <a:p>
             <a:pPr lvl="1"/>
             <a:r>
-              <a:rPr lang="de-DE" smtClean="0"/>
+              <a:rPr lang="de-DE"/>
               <a:t>Zweite Ebene</a:t>
             </a:r>
           </a:p>
           <a:p>
             <a:pPr lvl="2"/>
             <a:r>
-              <a:rPr lang="de-DE" smtClean="0"/>
+              <a:rPr lang="de-DE"/>
               <a:t>Dritte Ebene</a:t>
             </a:r>
           </a:p>
           <a:p>
             <a:pPr lvl="3"/>
             <a:r>
-              <a:rPr lang="de-DE" smtClean="0"/>
+              <a:rPr lang="de-DE"/>
               <a:t>Vierte Ebene</a:t>
             </a:r>
           </a:p>
           <a:p>
             <a:pPr lvl="4"/>
             <a:r>
-              <a:rPr lang="de-DE" smtClean="0"/>
+              <a:rPr lang="de-DE"/>
               <a:t>Fünfte Ebene</a:t>
             </a:r>
             <a:endParaRPr lang="en-US" dirty="0"/>
@@ -414,7 +414,7 @@
           <a:p>
             <a:fld id="{31D5E980-3383-4622-8624-CB42A9705A03}" type="datetimeFigureOut">
               <a:rPr lang="de-DE" smtClean="0"/>
-              <a:t>09.01.2019</a:t>
+              <a:t>27.01.2020</a:t>
             </a:fld>
             <a:endParaRPr lang="de-DE"/>
           </a:p>
@@ -513,7 +513,7 @@
           <a:lstStyle/>
           <a:p>
             <a:r>
-              <a:rPr lang="de-DE" smtClean="0"/>
+              <a:rPr lang="de-DE"/>
               <a:t>Titelmasterformat durch Klicken bearbeiten</a:t>
             </a:r>
             <a:endParaRPr lang="en-US" dirty="0"/>
@@ -542,35 +542,35 @@
           <a:p>
             <a:pPr lvl="0"/>
             <a:r>
-              <a:rPr lang="de-DE" smtClean="0"/>
+              <a:rPr lang="de-DE"/>
               <a:t>Formatvorlagen des Textmasters bearbeiten</a:t>
             </a:r>
           </a:p>
           <a:p>
             <a:pPr lvl="1"/>
             <a:r>
-              <a:rPr lang="de-DE" smtClean="0"/>
+              <a:rPr lang="de-DE"/>
               <a:t>Zweite Ebene</a:t>
             </a:r>
           </a:p>
           <a:p>
             <a:pPr lvl="2"/>
             <a:r>
-              <a:rPr lang="de-DE" smtClean="0"/>
+              <a:rPr lang="de-DE"/>
               <a:t>Dritte Ebene</a:t>
             </a:r>
           </a:p>
           <a:p>
             <a:pPr lvl="3"/>
             <a:r>
-              <a:rPr lang="de-DE" smtClean="0"/>
+              <a:rPr lang="de-DE"/>
               <a:t>Vierte Ebene</a:t>
             </a:r>
           </a:p>
           <a:p>
             <a:pPr lvl="4"/>
             <a:r>
-              <a:rPr lang="de-DE" smtClean="0"/>
+              <a:rPr lang="de-DE"/>
               <a:t>Fünfte Ebene</a:t>
             </a:r>
             <a:endParaRPr lang="en-US" dirty="0"/>
@@ -594,7 +594,7 @@
           <a:p>
             <a:fld id="{31D5E980-3383-4622-8624-CB42A9705A03}" type="datetimeFigureOut">
               <a:rPr lang="de-DE" smtClean="0"/>
-              <a:t>09.01.2019</a:t>
+              <a:t>27.01.2020</a:t>
             </a:fld>
             <a:endParaRPr lang="de-DE"/>
           </a:p>
@@ -688,7 +688,7 @@
           <a:lstStyle/>
           <a:p>
             <a:r>
-              <a:rPr lang="de-DE" smtClean="0"/>
+              <a:rPr lang="de-DE"/>
               <a:t>Titelmasterformat durch Klicken bearbeiten</a:t>
             </a:r>
             <a:endParaRPr lang="en-US" dirty="0"/>
@@ -712,35 +712,35 @@
           <a:p>
             <a:pPr lvl="0"/>
             <a:r>
-              <a:rPr lang="de-DE" smtClean="0"/>
+              <a:rPr lang="de-DE"/>
               <a:t>Formatvorlagen des Textmasters bearbeiten</a:t>
             </a:r>
           </a:p>
           <a:p>
             <a:pPr lvl="1"/>
             <a:r>
-              <a:rPr lang="de-DE" smtClean="0"/>
+              <a:rPr lang="de-DE"/>
               <a:t>Zweite Ebene</a:t>
             </a:r>
           </a:p>
           <a:p>
             <a:pPr lvl="2"/>
             <a:r>
-              <a:rPr lang="de-DE" smtClean="0"/>
+              <a:rPr lang="de-DE"/>
               <a:t>Dritte Ebene</a:t>
             </a:r>
           </a:p>
           <a:p>
             <a:pPr lvl="3"/>
             <a:r>
-              <a:rPr lang="de-DE" smtClean="0"/>
+              <a:rPr lang="de-DE"/>
               <a:t>Vierte Ebene</a:t>
             </a:r>
           </a:p>
           <a:p>
             <a:pPr lvl="4"/>
             <a:r>
-              <a:rPr lang="de-DE" smtClean="0"/>
+              <a:rPr lang="de-DE"/>
               <a:t>Fünfte Ebene</a:t>
             </a:r>
             <a:endParaRPr lang="en-US" dirty="0"/>
@@ -764,7 +764,7 @@
           <a:p>
             <a:fld id="{31D5E980-3383-4622-8624-CB42A9705A03}" type="datetimeFigureOut">
               <a:rPr lang="de-DE" smtClean="0"/>
-              <a:t>09.01.2019</a:t>
+              <a:t>27.01.2020</a:t>
             </a:fld>
             <a:endParaRPr lang="de-DE"/>
           </a:p>
@@ -867,7 +867,7 @@
           </a:lstStyle>
           <a:p>
             <a:r>
-              <a:rPr lang="de-DE" smtClean="0"/>
+              <a:rPr lang="de-DE"/>
               <a:t>Titelmasterformat durch Klicken bearbeiten</a:t>
             </a:r>
             <a:endParaRPr lang="en-US" dirty="0"/>
@@ -985,7 +985,7 @@
           <a:p>
             <a:pPr lvl="0"/>
             <a:r>
-              <a:rPr lang="de-DE" smtClean="0"/>
+              <a:rPr lang="de-DE"/>
               <a:t>Formatvorlagen des Textmasters bearbeiten</a:t>
             </a:r>
           </a:p>
@@ -1008,7 +1008,7 @@
           <a:p>
             <a:fld id="{31D5E980-3383-4622-8624-CB42A9705A03}" type="datetimeFigureOut">
               <a:rPr lang="de-DE" smtClean="0"/>
-              <a:t>09.01.2019</a:t>
+              <a:t>27.01.2020</a:t>
             </a:fld>
             <a:endParaRPr lang="de-DE"/>
           </a:p>
@@ -1102,7 +1102,7 @@
           <a:lstStyle/>
           <a:p>
             <a:r>
-              <a:rPr lang="de-DE" smtClean="0"/>
+              <a:rPr lang="de-DE"/>
               <a:t>Titelmasterformat durch Klicken bearbeiten</a:t>
             </a:r>
             <a:endParaRPr lang="en-US" dirty="0"/>
@@ -1131,35 +1131,35 @@
           <a:p>
             <a:pPr lvl="0"/>
             <a:r>
-              <a:rPr lang="de-DE" smtClean="0"/>
+              <a:rPr lang="de-DE"/>
               <a:t>Formatvorlagen des Textmasters bearbeiten</a:t>
             </a:r>
           </a:p>
           <a:p>
             <a:pPr lvl="1"/>
             <a:r>
-              <a:rPr lang="de-DE" smtClean="0"/>
+              <a:rPr lang="de-DE"/>
               <a:t>Zweite Ebene</a:t>
             </a:r>
           </a:p>
           <a:p>
             <a:pPr lvl="2"/>
             <a:r>
-              <a:rPr lang="de-DE" smtClean="0"/>
+              <a:rPr lang="de-DE"/>
               <a:t>Dritte Ebene</a:t>
             </a:r>
           </a:p>
           <a:p>
             <a:pPr lvl="3"/>
             <a:r>
-              <a:rPr lang="de-DE" smtClean="0"/>
+              <a:rPr lang="de-DE"/>
               <a:t>Vierte Ebene</a:t>
             </a:r>
           </a:p>
           <a:p>
             <a:pPr lvl="4"/>
             <a:r>
-              <a:rPr lang="de-DE" smtClean="0"/>
+              <a:rPr lang="de-DE"/>
               <a:t>Fünfte Ebene</a:t>
             </a:r>
             <a:endParaRPr lang="en-US" dirty="0"/>
@@ -1188,35 +1188,35 @@
           <a:p>
             <a:pPr lvl="0"/>
             <a:r>
-              <a:rPr lang="de-DE" smtClean="0"/>
+              <a:rPr lang="de-DE"/>
               <a:t>Formatvorlagen des Textmasters bearbeiten</a:t>
             </a:r>
           </a:p>
           <a:p>
             <a:pPr lvl="1"/>
             <a:r>
-              <a:rPr lang="de-DE" smtClean="0"/>
+              <a:rPr lang="de-DE"/>
               <a:t>Zweite Ebene</a:t>
             </a:r>
           </a:p>
           <a:p>
             <a:pPr lvl="2"/>
             <a:r>
-              <a:rPr lang="de-DE" smtClean="0"/>
+              <a:rPr lang="de-DE"/>
               <a:t>Dritte Ebene</a:t>
             </a:r>
           </a:p>
           <a:p>
             <a:pPr lvl="3"/>
             <a:r>
-              <a:rPr lang="de-DE" smtClean="0"/>
+              <a:rPr lang="de-DE"/>
               <a:t>Vierte Ebene</a:t>
             </a:r>
           </a:p>
           <a:p>
             <a:pPr lvl="4"/>
             <a:r>
-              <a:rPr lang="de-DE" smtClean="0"/>
+              <a:rPr lang="de-DE"/>
               <a:t>Fünfte Ebene</a:t>
             </a:r>
             <a:endParaRPr lang="en-US" dirty="0"/>
@@ -1240,7 +1240,7 @@
           <a:p>
             <a:fld id="{31D5E980-3383-4622-8624-CB42A9705A03}" type="datetimeFigureOut">
               <a:rPr lang="de-DE" smtClean="0"/>
-              <a:t>09.01.2019</a:t>
+              <a:t>27.01.2020</a:t>
             </a:fld>
             <a:endParaRPr lang="de-DE"/>
           </a:p>
@@ -1339,7 +1339,7 @@
           <a:lstStyle/>
           <a:p>
             <a:r>
-              <a:rPr lang="de-DE" smtClean="0"/>
+              <a:rPr lang="de-DE"/>
               <a:t>Titelmasterformat durch Klicken bearbeiten</a:t>
             </a:r>
             <a:endParaRPr lang="en-US" dirty="0"/>
@@ -1405,7 +1405,7 @@
           <a:p>
             <a:pPr lvl="0"/>
             <a:r>
-              <a:rPr lang="de-DE" smtClean="0"/>
+              <a:rPr lang="de-DE"/>
               <a:t>Formatvorlagen des Textmasters bearbeiten</a:t>
             </a:r>
           </a:p>
@@ -1433,35 +1433,35 @@
           <a:p>
             <a:pPr lvl="0"/>
             <a:r>
-              <a:rPr lang="de-DE" smtClean="0"/>
+              <a:rPr lang="de-DE"/>
               <a:t>Formatvorlagen des Textmasters bearbeiten</a:t>
             </a:r>
           </a:p>
           <a:p>
             <a:pPr lvl="1"/>
             <a:r>
-              <a:rPr lang="de-DE" smtClean="0"/>
+              <a:rPr lang="de-DE"/>
               <a:t>Zweite Ebene</a:t>
             </a:r>
           </a:p>
           <a:p>
             <a:pPr lvl="2"/>
             <a:r>
-              <a:rPr lang="de-DE" smtClean="0"/>
+              <a:rPr lang="de-DE"/>
               <a:t>Dritte Ebene</a:t>
             </a:r>
           </a:p>
           <a:p>
             <a:pPr lvl="3"/>
             <a:r>
-              <a:rPr lang="de-DE" smtClean="0"/>
+              <a:rPr lang="de-DE"/>
               <a:t>Vierte Ebene</a:t>
             </a:r>
           </a:p>
           <a:p>
             <a:pPr lvl="4"/>
             <a:r>
-              <a:rPr lang="de-DE" smtClean="0"/>
+              <a:rPr lang="de-DE"/>
               <a:t>Fünfte Ebene</a:t>
             </a:r>
             <a:endParaRPr lang="en-US" dirty="0"/>
@@ -1527,7 +1527,7 @@
           <a:p>
             <a:pPr lvl="0"/>
             <a:r>
-              <a:rPr lang="de-DE" smtClean="0"/>
+              <a:rPr lang="de-DE"/>
               <a:t>Formatvorlagen des Textmasters bearbeiten</a:t>
             </a:r>
           </a:p>
@@ -1555,35 +1555,35 @@
           <a:p>
             <a:pPr lvl="0"/>
             <a:r>
-              <a:rPr lang="de-DE" smtClean="0"/>
+              <a:rPr lang="de-DE"/>
               <a:t>Formatvorlagen des Textmasters bearbeiten</a:t>
             </a:r>
           </a:p>
           <a:p>
             <a:pPr lvl="1"/>
             <a:r>
-              <a:rPr lang="de-DE" smtClean="0"/>
+              <a:rPr lang="de-DE"/>
               <a:t>Zweite Ebene</a:t>
             </a:r>
           </a:p>
           <a:p>
             <a:pPr lvl="2"/>
             <a:r>
-              <a:rPr lang="de-DE" smtClean="0"/>
+              <a:rPr lang="de-DE"/>
               <a:t>Dritte Ebene</a:t>
             </a:r>
           </a:p>
           <a:p>
             <a:pPr lvl="3"/>
             <a:r>
-              <a:rPr lang="de-DE" smtClean="0"/>
+              <a:rPr lang="de-DE"/>
               <a:t>Vierte Ebene</a:t>
             </a:r>
           </a:p>
           <a:p>
             <a:pPr lvl="4"/>
             <a:r>
-              <a:rPr lang="de-DE" smtClean="0"/>
+              <a:rPr lang="de-DE"/>
               <a:t>Fünfte Ebene</a:t>
             </a:r>
             <a:endParaRPr lang="en-US" dirty="0"/>
@@ -1607,7 +1607,7 @@
           <a:p>
             <a:fld id="{31D5E980-3383-4622-8624-CB42A9705A03}" type="datetimeFigureOut">
               <a:rPr lang="de-DE" smtClean="0"/>
-              <a:t>09.01.2019</a:t>
+              <a:t>27.01.2020</a:t>
             </a:fld>
             <a:endParaRPr lang="de-DE"/>
           </a:p>
@@ -1701,7 +1701,7 @@
           <a:lstStyle/>
           <a:p>
             <a:r>
-              <a:rPr lang="de-DE" smtClean="0"/>
+              <a:rPr lang="de-DE"/>
               <a:t>Titelmasterformat durch Klicken bearbeiten</a:t>
             </a:r>
             <a:endParaRPr lang="en-US" dirty="0"/>
@@ -1725,7 +1725,7 @@
           <a:p>
             <a:fld id="{31D5E980-3383-4622-8624-CB42A9705A03}" type="datetimeFigureOut">
               <a:rPr lang="de-DE" smtClean="0"/>
-              <a:t>09.01.2019</a:t>
+              <a:t>27.01.2020</a:t>
             </a:fld>
             <a:endParaRPr lang="de-DE"/>
           </a:p>
@@ -1820,7 +1820,7 @@
           <a:p>
             <a:fld id="{31D5E980-3383-4622-8624-CB42A9705A03}" type="datetimeFigureOut">
               <a:rPr lang="de-DE" smtClean="0"/>
-              <a:t>09.01.2019</a:t>
+              <a:t>27.01.2020</a:t>
             </a:fld>
             <a:endParaRPr lang="de-DE"/>
           </a:p>
@@ -1923,7 +1923,7 @@
           </a:lstStyle>
           <a:p>
             <a:r>
-              <a:rPr lang="de-DE" smtClean="0"/>
+              <a:rPr lang="de-DE"/>
               <a:t>Titelmasterformat durch Klicken bearbeiten</a:t>
             </a:r>
             <a:endParaRPr lang="en-US" dirty="0"/>
@@ -1980,35 +1980,35 @@
           <a:p>
             <a:pPr lvl="0"/>
             <a:r>
-              <a:rPr lang="de-DE" smtClean="0"/>
+              <a:rPr lang="de-DE"/>
               <a:t>Formatvorlagen des Textmasters bearbeiten</a:t>
             </a:r>
           </a:p>
           <a:p>
             <a:pPr lvl="1"/>
             <a:r>
-              <a:rPr lang="de-DE" smtClean="0"/>
+              <a:rPr lang="de-DE"/>
               <a:t>Zweite Ebene</a:t>
             </a:r>
           </a:p>
           <a:p>
             <a:pPr lvl="2"/>
             <a:r>
-              <a:rPr lang="de-DE" smtClean="0"/>
+              <a:rPr lang="de-DE"/>
               <a:t>Dritte Ebene</a:t>
             </a:r>
           </a:p>
           <a:p>
             <a:pPr lvl="3"/>
             <a:r>
-              <a:rPr lang="de-DE" smtClean="0"/>
+              <a:rPr lang="de-DE"/>
               <a:t>Vierte Ebene</a:t>
             </a:r>
           </a:p>
           <a:p>
             <a:pPr lvl="4"/>
             <a:r>
-              <a:rPr lang="de-DE" smtClean="0"/>
+              <a:rPr lang="de-DE"/>
               <a:t>Fünfte Ebene</a:t>
             </a:r>
             <a:endParaRPr lang="en-US" dirty="0"/>
@@ -2074,7 +2074,7 @@
           <a:p>
             <a:pPr lvl="0"/>
             <a:r>
-              <a:rPr lang="de-DE" smtClean="0"/>
+              <a:rPr lang="de-DE"/>
               <a:t>Formatvorlagen des Textmasters bearbeiten</a:t>
             </a:r>
           </a:p>
@@ -2097,7 +2097,7 @@
           <a:p>
             <a:fld id="{31D5E980-3383-4622-8624-CB42A9705A03}" type="datetimeFigureOut">
               <a:rPr lang="de-DE" smtClean="0"/>
-              <a:t>09.01.2019</a:t>
+              <a:t>27.01.2020</a:t>
             </a:fld>
             <a:endParaRPr lang="de-DE"/>
           </a:p>
@@ -2200,7 +2200,7 @@
           </a:lstStyle>
           <a:p>
             <a:r>
-              <a:rPr lang="de-DE" smtClean="0"/>
+              <a:rPr lang="de-DE"/>
               <a:t>Titelmasterformat durch Klicken bearbeiten</a:t>
             </a:r>
             <a:endParaRPr lang="en-US" dirty="0"/>
@@ -2265,7 +2265,7 @@
           </a:lstStyle>
           <a:p>
             <a:r>
-              <a:rPr lang="de-DE" smtClean="0"/>
+              <a:rPr lang="de-DE"/>
               <a:t>Bild durch Klicken auf Symbol hinzufügen</a:t>
             </a:r>
             <a:endParaRPr lang="en-US" dirty="0"/>
@@ -2331,7 +2331,7 @@
           <a:p>
             <a:pPr lvl="0"/>
             <a:r>
-              <a:rPr lang="de-DE" smtClean="0"/>
+              <a:rPr lang="de-DE"/>
               <a:t>Formatvorlagen des Textmasters bearbeiten</a:t>
             </a:r>
           </a:p>
@@ -2354,7 +2354,7 @@
           <a:p>
             <a:fld id="{31D5E980-3383-4622-8624-CB42A9705A03}" type="datetimeFigureOut">
               <a:rPr lang="de-DE" smtClean="0"/>
-              <a:t>09.01.2019</a:t>
+              <a:t>27.01.2020</a:t>
             </a:fld>
             <a:endParaRPr lang="de-DE"/>
           </a:p>
@@ -2463,7 +2463,7 @@
           <a:lstStyle/>
           <a:p>
             <a:r>
-              <a:rPr lang="de-DE" smtClean="0"/>
+              <a:rPr lang="de-DE"/>
               <a:t>Titelmasterformat durch Klicken bearbeiten</a:t>
             </a:r>
             <a:endParaRPr lang="en-US" dirty="0"/>
@@ -2497,35 +2497,35 @@
           <a:p>
             <a:pPr lvl="0"/>
             <a:r>
-              <a:rPr lang="de-DE" smtClean="0"/>
+              <a:rPr lang="de-DE"/>
               <a:t>Formatvorlagen des Textmasters bearbeiten</a:t>
             </a:r>
           </a:p>
           <a:p>
             <a:pPr lvl="1"/>
             <a:r>
-              <a:rPr lang="de-DE" smtClean="0"/>
+              <a:rPr lang="de-DE"/>
               <a:t>Zweite Ebene</a:t>
             </a:r>
           </a:p>
           <a:p>
             <a:pPr lvl="2"/>
             <a:r>
-              <a:rPr lang="de-DE" smtClean="0"/>
+              <a:rPr lang="de-DE"/>
               <a:t>Dritte Ebene</a:t>
             </a:r>
           </a:p>
           <a:p>
             <a:pPr lvl="3"/>
             <a:r>
-              <a:rPr lang="de-DE" smtClean="0"/>
+              <a:rPr lang="de-DE"/>
               <a:t>Vierte Ebene</a:t>
             </a:r>
           </a:p>
           <a:p>
             <a:pPr lvl="4"/>
             <a:r>
-              <a:rPr lang="de-DE" smtClean="0"/>
+              <a:rPr lang="de-DE"/>
               <a:t>Fünfte Ebene</a:t>
             </a:r>
             <a:endParaRPr lang="en-US" dirty="0"/>
@@ -2567,7 +2567,7 @@
           <a:p>
             <a:fld id="{31D5E980-3383-4622-8624-CB42A9705A03}" type="datetimeFigureOut">
               <a:rPr lang="de-DE" smtClean="0"/>
-              <a:t>09.01.2019</a:t>
+              <a:t>27.01.2020</a:t>
             </a:fld>
             <a:endParaRPr lang="de-DE"/>
           </a:p>
@@ -2995,7 +2995,7 @@
           <a:lstStyle/>
           <a:p>
             <a:r>
-              <a:rPr lang="de-DE" sz="1200" dirty="0" smtClean="0"/>
+              <a:rPr lang="de-DE" sz="1200" dirty="0"/>
               <a:t>Einmaliges Ausführen</a:t>
             </a:r>
           </a:p>
@@ -3004,16 +3004,16 @@
           </a:p>
           <a:p>
             <a:r>
-              <a:rPr lang="de-DE" sz="1200" dirty="0" smtClean="0"/>
+              <a:rPr lang="de-DE" sz="1200" dirty="0"/>
               <a:t>Dauerhaft wiederholen</a:t>
             </a:r>
           </a:p>
           <a:p>
-            <a:endParaRPr lang="de-DE" sz="1200" dirty="0" smtClean="0"/>
-          </a:p>
-          <a:p>
-            <a:r>
-              <a:rPr lang="de-DE" sz="1200" dirty="0" smtClean="0"/>
+            <a:endParaRPr lang="de-DE" sz="1200" dirty="0"/>
+          </a:p>
+          <a:p>
+            <a:r>
+              <a:rPr lang="de-DE" sz="1200" dirty="0"/>
               <a:t>Pausieren</a:t>
             </a:r>
           </a:p>
@@ -3022,7 +3022,7 @@
           </a:p>
           <a:p>
             <a:r>
-              <a:rPr lang="de-DE" sz="1200" dirty="0" smtClean="0"/>
+              <a:rPr lang="de-DE" sz="1200" dirty="0"/>
               <a:t>RGB-LED Farbe</a:t>
             </a:r>
           </a:p>
@@ -3030,57 +3030,77 @@
             <a:endParaRPr lang="de-DE" sz="1200" dirty="0"/>
           </a:p>
           <a:p>
-            <a:endParaRPr lang="de-DE" sz="1200" dirty="0" smtClean="0"/>
-          </a:p>
-          <a:p>
-            <a:endParaRPr lang="de-DE" sz="1200" dirty="0" smtClean="0"/>
-          </a:p>
-          <a:p>
-            <a:r>
-              <a:rPr lang="de-DE" sz="1200" dirty="0" smtClean="0"/>
+            <a:endParaRPr lang="de-DE" sz="1200" dirty="0"/>
+          </a:p>
+          <a:p>
+            <a:endParaRPr lang="de-DE" sz="1200" dirty="0"/>
+          </a:p>
+          <a:p>
+            <a:r>
+              <a:rPr lang="de-DE" sz="1200" dirty="0"/>
               <a:t>Zeige ein Bild/Symbol</a:t>
             </a:r>
           </a:p>
           <a:p>
-            <a:r>
-              <a:rPr lang="de-DE" sz="1200" dirty="0" smtClean="0"/>
-              <a:t/>
-            </a:r>
             <a:br>
-              <a:rPr lang="de-DE" sz="1200" dirty="0" smtClean="0"/>
+              <a:rPr lang="de-DE" sz="1200" dirty="0"/>
             </a:br>
-            <a:r>
-              <a:rPr lang="de-DE" sz="1200" dirty="0" smtClean="0"/>
-              <a:t/>
-            </a:r>
             <a:br>
-              <a:rPr lang="de-DE" sz="1200" dirty="0" smtClean="0"/>
+              <a:rPr lang="de-DE" sz="1200" dirty="0"/>
             </a:br>
-            <a:r>
-              <a:rPr lang="de-DE" sz="1200" dirty="0" smtClean="0"/>
-              <a:t/>
-            </a:r>
             <a:br>
-              <a:rPr lang="de-DE" sz="1200" dirty="0" smtClean="0"/>
+              <a:rPr lang="de-DE" sz="1200" dirty="0"/>
             </a:br>
             <a:r>
-              <a:rPr lang="de-DE" sz="1200" dirty="0" smtClean="0"/>
+              <a:rPr lang="de-DE" sz="1200" dirty="0"/>
               <a:t>Zeichenketten oder Nummern in Laufschrift ausgeben</a:t>
             </a:r>
-            <a:endParaRPr lang="de-DE" sz="1200" dirty="0"/>
+          </a:p>
+        </p:txBody>
+      </p:sp>
+      <p:sp>
+        <p:nvSpPr>
+          <p:cNvPr id="5" name="Textfeld 4"/>
+          <p:cNvSpPr txBox="1"/>
+          <p:nvPr/>
+        </p:nvSpPr>
+        <p:spPr>
+          <a:xfrm>
+            <a:off x="220718" y="199697"/>
+            <a:ext cx="4340772" cy="954107"/>
+          </a:xfrm>
+          <a:prstGeom prst="rect">
+            <a:avLst/>
+          </a:prstGeom>
+          <a:noFill/>
+        </p:spPr>
+        <p:txBody>
+          <a:bodyPr wrap="square" rtlCol="0">
+            <a:spAutoFit/>
+          </a:bodyPr>
+          <a:lstStyle/>
+          <a:p>
+            <a:r>
+              <a:rPr lang="de-DE" sz="2800" dirty="0" err="1"/>
+              <a:t>Calliope</a:t>
+            </a:r>
+            <a:r>
+              <a:rPr lang="de-DE" sz="2800" dirty="0"/>
+              <a:t> programmieren für Beginner</a:t>
+            </a:r>
           </a:p>
         </p:txBody>
       </p:sp>
       <p:pic>
         <p:nvPicPr>
-          <p:cNvPr id="4" name="Grafik 3"/>
+          <p:cNvPr id="7" name="Grafik 6"/>
           <p:cNvPicPr>
             <a:picLocks noChangeAspect="1"/>
           </p:cNvPicPr>
           <p:nvPr/>
         </p:nvPicPr>
         <p:blipFill>
-          <a:blip r:embed="rId2" cstate="print">
+          <a:blip r:embed="rId2">
             <a:extLst>
               <a:ext uri="{28A0092B-C50C-407E-A947-70E740481C1C}">
                 <a14:useLocalDpi xmlns:a14="http://schemas.microsoft.com/office/drawing/2010/main" val="0"/>
@@ -3093,51 +3113,17 @@
         </p:blipFill>
         <p:spPr>
           <a:xfrm>
-            <a:off x="340359" y="6169162"/>
-            <a:ext cx="4605609" cy="3105225"/>
+            <a:off x="10298799" y="265865"/>
+            <a:ext cx="1727289" cy="273064"/>
           </a:xfrm>
           <a:prstGeom prst="rect">
             <a:avLst/>
           </a:prstGeom>
         </p:spPr>
       </p:pic>
-      <p:sp>
-        <p:nvSpPr>
-          <p:cNvPr id="5" name="Textfeld 4"/>
-          <p:cNvSpPr txBox="1"/>
-          <p:nvPr/>
-        </p:nvSpPr>
-        <p:spPr>
-          <a:xfrm>
-            <a:off x="220718" y="199697"/>
-            <a:ext cx="4340772" cy="954107"/>
-          </a:xfrm>
-          <a:prstGeom prst="rect">
-            <a:avLst/>
-          </a:prstGeom>
-          <a:noFill/>
-        </p:spPr>
-        <p:txBody>
-          <a:bodyPr wrap="square" rtlCol="0">
-            <a:spAutoFit/>
-          </a:bodyPr>
-          <a:lstStyle/>
-          <a:p>
-            <a:r>
-              <a:rPr lang="de-DE" sz="2800" dirty="0" err="1" smtClean="0"/>
-              <a:t>Calliope</a:t>
-            </a:r>
-            <a:r>
-              <a:rPr lang="de-DE" sz="2800" dirty="0" smtClean="0"/>
-              <a:t> programmieren für Beginner</a:t>
-            </a:r>
-            <a:endParaRPr lang="de-DE" sz="2800" dirty="0"/>
-          </a:p>
-        </p:txBody>
-      </p:sp>
       <p:pic>
         <p:nvPicPr>
-          <p:cNvPr id="7" name="Grafik 6"/>
+          <p:cNvPr id="9" name="Grafik 8"/>
           <p:cNvPicPr>
             <a:picLocks noChangeAspect="1"/>
           </p:cNvPicPr>
@@ -3157,7 +3143,7 @@
         </p:blipFill>
         <p:spPr>
           <a:xfrm>
-            <a:off x="10298799" y="265865"/>
+            <a:off x="5725865" y="129333"/>
             <a:ext cx="1727289" cy="273064"/>
           </a:xfrm>
           <a:prstGeom prst="rect">
@@ -3167,7 +3153,7 @@
       </p:pic>
       <p:pic>
         <p:nvPicPr>
-          <p:cNvPr id="9" name="Grafik 8"/>
+          <p:cNvPr id="10" name="Grafik 9"/>
           <p:cNvPicPr>
             <a:picLocks noChangeAspect="1"/>
           </p:cNvPicPr>
@@ -3187,7 +3173,7 @@
         </p:blipFill>
         <p:spPr>
           <a:xfrm>
-            <a:off x="5725865" y="129333"/>
+            <a:off x="5721493" y="7618052"/>
             <a:ext cx="1727289" cy="273064"/>
           </a:xfrm>
           <a:prstGeom prst="rect">
@@ -3197,7 +3183,7 @@
       </p:pic>
       <p:pic>
         <p:nvPicPr>
-          <p:cNvPr id="10" name="Grafik 9"/>
+          <p:cNvPr id="11" name="Grafik 10"/>
           <p:cNvPicPr>
             <a:picLocks noChangeAspect="1"/>
           </p:cNvPicPr>
@@ -3217,7 +3203,7 @@
         </p:blipFill>
         <p:spPr>
           <a:xfrm>
-            <a:off x="5721493" y="7618052"/>
+            <a:off x="10399427" y="6970778"/>
             <a:ext cx="1727289" cy="273064"/>
           </a:xfrm>
           <a:prstGeom prst="rect">
@@ -3227,7 +3213,7 @@
       </p:pic>
       <p:pic>
         <p:nvPicPr>
-          <p:cNvPr id="11" name="Grafik 10"/>
+          <p:cNvPr id="12" name="Grafik 11"/>
           <p:cNvPicPr>
             <a:picLocks noChangeAspect="1"/>
           </p:cNvPicPr>
@@ -3247,7 +3233,7 @@
         </p:blipFill>
         <p:spPr>
           <a:xfrm>
-            <a:off x="10399427" y="6970778"/>
+            <a:off x="5729759" y="3725002"/>
             <a:ext cx="1727289" cy="273064"/>
           </a:xfrm>
           <a:prstGeom prst="rect">
@@ -3257,7 +3243,7 @@
       </p:pic>
       <p:pic>
         <p:nvPicPr>
-          <p:cNvPr id="12" name="Grafik 11"/>
+          <p:cNvPr id="13" name="Grafik 12"/>
           <p:cNvPicPr>
             <a:picLocks noChangeAspect="1"/>
           </p:cNvPicPr>
@@ -3277,7 +3263,7 @@
         </p:blipFill>
         <p:spPr>
           <a:xfrm>
-            <a:off x="5729759" y="3725002"/>
+            <a:off x="5721492" y="6603321"/>
             <a:ext cx="1727289" cy="273064"/>
           </a:xfrm>
           <a:prstGeom prst="rect">
@@ -3287,7 +3273,7 @@
       </p:pic>
       <p:pic>
         <p:nvPicPr>
-          <p:cNvPr id="13" name="Grafik 12"/>
+          <p:cNvPr id="14" name="Grafik 13"/>
           <p:cNvPicPr>
             <a:picLocks noChangeAspect="1"/>
           </p:cNvPicPr>
@@ -3307,7 +3293,7 @@
         </p:blipFill>
         <p:spPr>
           <a:xfrm>
-            <a:off x="5721492" y="6603321"/>
+            <a:off x="5721492" y="5005632"/>
             <a:ext cx="1727289" cy="273064"/>
           </a:xfrm>
           <a:prstGeom prst="rect">
@@ -3317,7 +3303,7 @@
       </p:pic>
       <p:pic>
         <p:nvPicPr>
-          <p:cNvPr id="14" name="Grafik 13"/>
+          <p:cNvPr id="15" name="Grafik 14"/>
           <p:cNvPicPr>
             <a:picLocks noChangeAspect="1"/>
           </p:cNvPicPr>
@@ -3337,36 +3323,6 @@
         </p:blipFill>
         <p:spPr>
           <a:xfrm>
-            <a:off x="5721492" y="5005632"/>
-            <a:ext cx="1727289" cy="273064"/>
-          </a:xfrm>
-          <a:prstGeom prst="rect">
-            <a:avLst/>
-          </a:prstGeom>
-        </p:spPr>
-      </p:pic>
-      <p:pic>
-        <p:nvPicPr>
-          <p:cNvPr id="15" name="Grafik 14"/>
-          <p:cNvPicPr>
-            <a:picLocks noChangeAspect="1"/>
-          </p:cNvPicPr>
-          <p:nvPr/>
-        </p:nvPicPr>
-        <p:blipFill>
-          <a:blip r:embed="rId10">
-            <a:extLst>
-              <a:ext uri="{28A0092B-C50C-407E-A947-70E740481C1C}">
-                <a14:useLocalDpi xmlns:a14="http://schemas.microsoft.com/office/drawing/2010/main" val="0"/>
-              </a:ext>
-            </a:extLst>
-          </a:blip>
-          <a:stretch>
-            <a:fillRect/>
-          </a:stretch>
-        </p:blipFill>
-        <p:spPr>
-          <a:xfrm>
             <a:off x="10298798" y="4395973"/>
             <a:ext cx="1727289" cy="273064"/>
           </a:xfrm>
@@ -3384,7 +3340,7 @@
           <p:nvPr/>
         </p:nvPicPr>
         <p:blipFill>
-          <a:blip r:embed="rId11">
+          <a:blip r:embed="rId10">
             <a:extLst>
               <a:ext uri="{28A0092B-C50C-407E-A947-70E740481C1C}">
                 <a14:useLocalDpi xmlns:a14="http://schemas.microsoft.com/office/drawing/2010/main" val="0"/>
@@ -3592,25 +3548,27 @@
           </a:lstStyle>
           <a:p>
             <a:pPr marL="228600" lvl="0" indent="-228600">
+              <a:spcBef>
+                <a:spcPts val="0"/>
+              </a:spcBef>
               <a:buFont typeface="+mj-lt"/>
               <a:buAutoNum type="arabicPeriod"/>
             </a:pPr>
             <a:r>
               <a:rPr lang="de-DE" dirty="0"/>
-              <a:t>Öffne </a:t>
-            </a:r>
-            <a:r>
-              <a:rPr lang="de-DE" dirty="0" smtClean="0"/>
-              <a:t>im Web-Browser </a:t>
-            </a:r>
-            <a:r>
-              <a:rPr lang="de-DE" b="1" dirty="0" smtClean="0"/>
+              <a:t>Öffne im Web-Browser </a:t>
+            </a:r>
+            <a:r>
+              <a:rPr lang="de-DE" b="1" dirty="0"/>
               <a:t>makecode.calliope.cc</a:t>
             </a:r>
-            <a:endParaRPr lang="de-DE" dirty="0" smtClean="0"/>
+            <a:endParaRPr lang="de-DE" dirty="0"/>
           </a:p>
           <a:p>
             <a:pPr marL="228600" lvl="0" indent="-228600">
+              <a:spcBef>
+                <a:spcPts val="0"/>
+              </a:spcBef>
               <a:buFont typeface="+mj-lt"/>
               <a:buAutoNum type="arabicPeriod"/>
             </a:pPr>
@@ -3618,31 +3576,37 @@
           </a:p>
           <a:p>
             <a:pPr marL="228600" lvl="0" indent="-228600">
+              <a:spcBef>
+                <a:spcPts val="0"/>
+              </a:spcBef>
               <a:buFont typeface="+mj-lt"/>
               <a:buAutoNum type="arabicPeriod"/>
             </a:pPr>
             <a:r>
-              <a:rPr lang="de-DE" dirty="0" smtClean="0"/>
+              <a:rPr lang="de-DE" dirty="0"/>
               <a:t>Die Erstellung des Beispielcodes </a:t>
             </a:r>
             <a:br>
-              <a:rPr lang="de-DE" dirty="0" smtClean="0"/>
+              <a:rPr lang="de-DE" dirty="0"/>
             </a:br>
             <a:r>
-              <a:rPr lang="de-DE" dirty="0" smtClean="0"/>
+              <a:rPr lang="de-DE" dirty="0"/>
               <a:t>„</a:t>
             </a:r>
             <a:r>
-              <a:rPr lang="de-DE" dirty="0" err="1" smtClean="0"/>
+              <a:rPr lang="de-DE" dirty="0" err="1"/>
               <a:t>Hello</a:t>
             </a:r>
             <a:r>
-              <a:rPr lang="de-DE" dirty="0" smtClean="0"/>
+              <a:rPr lang="de-DE" dirty="0"/>
               <a:t> World“</a:t>
             </a:r>
           </a:p>
           <a:p>
             <a:pPr marL="228600" lvl="0" indent="-228600">
+              <a:spcBef>
+                <a:spcPts val="0"/>
+              </a:spcBef>
               <a:buFont typeface="+mj-lt"/>
               <a:buAutoNum type="arabicPeriod"/>
             </a:pPr>
@@ -3650,20 +3614,15 @@
           </a:p>
           <a:p>
             <a:pPr marL="228600" lvl="0" indent="-228600">
+              <a:spcBef>
+                <a:spcPts val="0"/>
+              </a:spcBef>
               <a:buFont typeface="+mj-lt"/>
               <a:buAutoNum type="arabicPeriod"/>
             </a:pPr>
             <a:r>
               <a:rPr lang="de-DE" dirty="0"/>
-              <a:t>Wähle </a:t>
-            </a:r>
-            <a:r>
-              <a:rPr lang="de-DE" dirty="0" smtClean="0"/>
-              <a:t>nun einen </a:t>
-            </a:r>
-            <a:r>
-              <a:rPr lang="de-DE" dirty="0"/>
-              <a:t>Namen für das Programm, z.B. «</a:t>
+              <a:t>Wähle nun einen Namen für das Programm, z.B. «</a:t>
             </a:r>
             <a:r>
               <a:rPr lang="de-DE" dirty="0" err="1"/>
@@ -3676,6 +3635,9 @@
           </a:p>
           <a:p>
             <a:pPr marL="228600" indent="-228600">
+              <a:spcBef>
+                <a:spcPts val="0"/>
+              </a:spcBef>
               <a:buFont typeface="+mj-lt"/>
               <a:buAutoNum type="arabicPeriod"/>
             </a:pPr>
@@ -3683,6 +3645,9 @@
           </a:p>
           <a:p>
             <a:pPr marL="228600" lvl="0" indent="-228600">
+              <a:spcBef>
+                <a:spcPts val="0"/>
+              </a:spcBef>
               <a:buFont typeface="+mj-lt"/>
               <a:buAutoNum type="arabicPeriod"/>
             </a:pPr>
@@ -3695,66 +3660,46 @@
               <a:t>mein_Code.hex</a:t>
             </a:r>
             <a:r>
-              <a:rPr lang="de-DE" dirty="0" smtClean="0"/>
+              <a:rPr lang="de-DE" dirty="0"/>
               <a:t>».</a:t>
             </a:r>
           </a:p>
           <a:p>
             <a:pPr marL="228600" indent="-228600">
-              <a:buFont typeface="+mj-lt"/>
-              <a:buAutoNum type="arabicPeriod"/>
-            </a:pPr>
-            <a:endParaRPr lang="de-DE" sz="1000" dirty="0" smtClean="0"/>
-          </a:p>
-          <a:p>
-            <a:pPr marL="228600" indent="-228600">
-              <a:buFont typeface="+mj-lt"/>
-              <a:buAutoNum type="arabicPeriod"/>
-            </a:pPr>
-            <a:r>
-              <a:rPr lang="de-DE" dirty="0" smtClean="0"/>
-              <a:t>Schließe </a:t>
-            </a:r>
-            <a:r>
-              <a:rPr lang="de-DE" dirty="0"/>
-              <a:t>den </a:t>
-            </a:r>
-            <a:r>
-              <a:rPr lang="de-DE" dirty="0" err="1"/>
-              <a:t>Calliope</a:t>
-            </a:r>
-            <a:r>
-              <a:rPr lang="de-DE" dirty="0"/>
-              <a:t> über das USB-Kabel an. </a:t>
-            </a:r>
-          </a:p>
-          <a:p>
-            <a:pPr marL="228600" indent="-228600">
+              <a:spcBef>
+                <a:spcPts val="0"/>
+              </a:spcBef>
               <a:buFont typeface="+mj-lt"/>
               <a:buAutoNum type="arabicPeriod"/>
             </a:pPr>
             <a:endParaRPr lang="de-DE" sz="1000" dirty="0"/>
           </a:p>
           <a:p>
-            <a:pPr marL="228600" lvl="0" indent="-228600">
+            <a:pPr marL="228600" indent="-228600">
+              <a:spcBef>
+                <a:spcPts val="0"/>
+              </a:spcBef>
               <a:buFont typeface="+mj-lt"/>
               <a:buAutoNum type="arabicPeriod"/>
             </a:pPr>
             <a:r>
               <a:rPr lang="de-DE" dirty="0"/>
-              <a:t>Öffne den Datei-Explorer (</a:t>
+              <a:t>Schließe den </a:t>
             </a:r>
             <a:r>
               <a:rPr lang="de-DE" dirty="0" err="1"/>
-              <a:t>Win</a:t>
+              <a:t>Calliope</a:t>
             </a:r>
             <a:r>
               <a:rPr lang="de-DE" dirty="0"/>
-              <a:t>) oder Finder (Mac) und ziehe die gespeicherte Datei auf das Laufwerk «MINI».</a:t>
+              <a:t> über das USB-Kabel an. </a:t>
             </a:r>
           </a:p>
           <a:p>
             <a:pPr marL="228600" indent="-228600">
+              <a:spcBef>
+                <a:spcPts val="0"/>
+              </a:spcBef>
               <a:buFont typeface="+mj-lt"/>
               <a:buAutoNum type="arabicPeriod"/>
             </a:pPr>
@@ -3762,11 +3707,45 @@
           </a:p>
           <a:p>
             <a:pPr marL="228600" lvl="0" indent="-228600">
+              <a:spcBef>
+                <a:spcPts val="0"/>
+              </a:spcBef>
               <a:buFont typeface="+mj-lt"/>
               <a:buAutoNum type="arabicPeriod"/>
             </a:pPr>
             <a:r>
               <a:rPr lang="de-DE" dirty="0"/>
+              <a:t>Öffne den Datei-Explorer (</a:t>
+            </a:r>
+            <a:r>
+              <a:rPr lang="de-DE" dirty="0" err="1"/>
+              <a:t>Win</a:t>
+            </a:r>
+            <a:r>
+              <a:rPr lang="de-DE" dirty="0"/>
+              <a:t>) oder Finder (Mac) und ziehe die gespeicherte Datei auf das Laufwerk «MINI».</a:t>
+            </a:r>
+          </a:p>
+          <a:p>
+            <a:pPr marL="228600" indent="-228600">
+              <a:spcBef>
+                <a:spcPts val="0"/>
+              </a:spcBef>
+              <a:buFont typeface="+mj-lt"/>
+              <a:buAutoNum type="arabicPeriod"/>
+            </a:pPr>
+            <a:endParaRPr lang="de-DE" sz="1000" dirty="0"/>
+          </a:p>
+          <a:p>
+            <a:pPr marL="228600" lvl="0" indent="-228600">
+              <a:spcBef>
+                <a:spcPts val="0"/>
+              </a:spcBef>
+              <a:buFont typeface="+mj-lt"/>
+              <a:buAutoNum type="arabicPeriod"/>
+            </a:pPr>
+            <a:r>
+              <a:rPr lang="de-DE" dirty="0"/>
               <a:t>Solange das Programm auf den </a:t>
             </a:r>
             <a:r>
@@ -3780,6 +3759,9 @@
           </a:p>
           <a:p>
             <a:pPr marL="228600" indent="-228600">
+              <a:spcBef>
+                <a:spcPts val="0"/>
+              </a:spcBef>
               <a:buFont typeface="+mj-lt"/>
               <a:buAutoNum type="arabicPeriod"/>
             </a:pPr>
@@ -3787,6 +3769,9 @@
           </a:p>
           <a:p>
             <a:pPr marL="228600" lvl="0" indent="-228600">
+              <a:spcBef>
+                <a:spcPts val="0"/>
+              </a:spcBef>
               <a:buFont typeface="+mj-lt"/>
               <a:buAutoNum type="arabicPeriod"/>
             </a:pPr>
@@ -3816,6 +3801,36 @@
         <p:nvPicPr>
           <p:cNvPr id="19" name="Grafik 18"/>
           <p:cNvPicPr/>
+          <p:nvPr/>
+        </p:nvPicPr>
+        <p:blipFill>
+          <a:blip r:embed="rId11" cstate="print">
+            <a:extLst>
+              <a:ext uri="{28A0092B-C50C-407E-A947-70E740481C1C}">
+                <a14:useLocalDpi xmlns:a14="http://schemas.microsoft.com/office/drawing/2010/main" val="0"/>
+              </a:ext>
+            </a:extLst>
+          </a:blip>
+          <a:stretch>
+            <a:fillRect/>
+          </a:stretch>
+        </p:blipFill>
+        <p:spPr>
+          <a:xfrm>
+            <a:off x="3407281" y="2117817"/>
+            <a:ext cx="1097336" cy="190510"/>
+          </a:xfrm>
+          <a:prstGeom prst="rect">
+            <a:avLst/>
+          </a:prstGeom>
+        </p:spPr>
+      </p:pic>
+      <p:pic>
+        <p:nvPicPr>
+          <p:cNvPr id="20" name="Grafik 19"/>
+          <p:cNvPicPr>
+            <a:picLocks noChangeAspect="1"/>
+          </p:cNvPicPr>
           <p:nvPr/>
         </p:nvPicPr>
         <p:blipFill>
@@ -3832,37 +3847,7 @@
         </p:blipFill>
         <p:spPr>
           <a:xfrm>
-            <a:off x="3424201" y="2339138"/>
-            <a:ext cx="1097336" cy="190510"/>
-          </a:xfrm>
-          <a:prstGeom prst="rect">
-            <a:avLst/>
-          </a:prstGeom>
-        </p:spPr>
-      </p:pic>
-      <p:pic>
-        <p:nvPicPr>
-          <p:cNvPr id="20" name="Grafik 19"/>
-          <p:cNvPicPr>
-            <a:picLocks noChangeAspect="1"/>
-          </p:cNvPicPr>
-          <p:nvPr/>
-        </p:nvPicPr>
-        <p:blipFill>
-          <a:blip r:embed="rId13" cstate="print">
-            <a:extLst>
-              <a:ext uri="{28A0092B-C50C-407E-A947-70E740481C1C}">
-                <a14:useLocalDpi xmlns:a14="http://schemas.microsoft.com/office/drawing/2010/main" val="0"/>
-              </a:ext>
-            </a:extLst>
-          </a:blip>
-          <a:stretch>
-            <a:fillRect/>
-          </a:stretch>
-        </p:blipFill>
-        <p:spPr>
-          <a:xfrm>
-            <a:off x="3430142" y="2933384"/>
+            <a:off x="3537203" y="2567531"/>
             <a:ext cx="1074475" cy="259093"/>
           </a:xfrm>
           <a:prstGeom prst="rect">
@@ -3879,7 +3864,7 @@
           <p:nvPr/>
         </p:nvPicPr>
         <p:blipFill rotWithShape="1">
-          <a:blip r:embed="rId14" cstate="print">
+          <a:blip r:embed="rId13" cstate="print">
             <a:extLst>
               <a:ext uri="{28A0092B-C50C-407E-A947-70E740481C1C}">
                 <a14:useLocalDpi xmlns:a14="http://schemas.microsoft.com/office/drawing/2010/main" val="0"/>
@@ -3891,7 +3876,7 @@
         </p:blipFill>
         <p:spPr bwMode="auto">
           <a:xfrm>
-            <a:off x="3333147" y="3953930"/>
+            <a:off x="3344978" y="3064456"/>
             <a:ext cx="1596378" cy="2209914"/>
           </a:xfrm>
           <a:prstGeom prst="rect">
@@ -3915,7 +3900,7 @@
         </p:nvSpPr>
         <p:spPr>
           <a:xfrm>
-            <a:off x="4158306" y="4411281"/>
+            <a:off x="4206297" y="3514269"/>
             <a:ext cx="771304" cy="299452"/>
           </a:xfrm>
           <a:prstGeom prst="ellipse">
@@ -4057,7 +4042,7 @@
         </p:nvSpPr>
         <p:spPr>
           <a:xfrm>
-            <a:off x="3331512" y="5801524"/>
+            <a:off x="3379503" y="4904512"/>
             <a:ext cx="463942" cy="252170"/>
           </a:xfrm>
           <a:prstGeom prst="ellipse">
@@ -4201,7 +4186,7 @@
         </p:nvCxnSpPr>
         <p:spPr>
           <a:xfrm flipH="1">
-            <a:off x="3795454" y="4710733"/>
+            <a:off x="3843445" y="3813721"/>
             <a:ext cx="674639" cy="1216876"/>
           </a:xfrm>
           <a:prstGeom prst="straightConnector1">
@@ -4238,6 +4223,36 @@
           <p:nvPr/>
         </p:nvPicPr>
         <p:blipFill>
+          <a:blip r:embed="rId14">
+            <a:extLst>
+              <a:ext uri="{28A0092B-C50C-407E-A947-70E740481C1C}">
+                <a14:useLocalDpi xmlns:a14="http://schemas.microsoft.com/office/drawing/2010/main" val="0"/>
+              </a:ext>
+            </a:extLst>
+          </a:blip>
+          <a:stretch>
+            <a:fillRect/>
+          </a:stretch>
+        </p:blipFill>
+        <p:spPr>
+          <a:xfrm>
+            <a:off x="2739637" y="1521586"/>
+            <a:ext cx="1991111" cy="436825"/>
+          </a:xfrm>
+          <a:prstGeom prst="rect">
+            <a:avLst/>
+          </a:prstGeom>
+        </p:spPr>
+      </p:pic>
+      <p:pic>
+        <p:nvPicPr>
+          <p:cNvPr id="63" name="Grafik 62"/>
+          <p:cNvPicPr>
+            <a:picLocks noChangeAspect="1"/>
+          </p:cNvPicPr>
+          <p:nvPr/>
+        </p:nvPicPr>
+        <p:blipFill>
           <a:blip r:embed="rId15">
             <a:extLst>
               <a:ext uri="{28A0092B-C50C-407E-A947-70E740481C1C}">
@@ -4251,8 +4266,8 @@
         </p:blipFill>
         <p:spPr>
           <a:xfrm>
-            <a:off x="2937160" y="1667718"/>
-            <a:ext cx="1991111" cy="436825"/>
+            <a:off x="6863737" y="5816432"/>
+            <a:ext cx="2165461" cy="254013"/>
           </a:xfrm>
           <a:prstGeom prst="rect">
             <a:avLst/>
@@ -4261,7 +4276,7 @@
       </p:pic>
       <p:pic>
         <p:nvPicPr>
-          <p:cNvPr id="63" name="Grafik 62"/>
+          <p:cNvPr id="64" name="Grafik 63"/>
           <p:cNvPicPr>
             <a:picLocks noChangeAspect="1"/>
           </p:cNvPicPr>
@@ -4281,8 +4296,8 @@
         </p:blipFill>
         <p:spPr>
           <a:xfrm>
-            <a:off x="6863737" y="5816432"/>
-            <a:ext cx="2165461" cy="254013"/>
+            <a:off x="11136392" y="3690938"/>
+            <a:ext cx="1524078" cy="184159"/>
           </a:xfrm>
           <a:prstGeom prst="rect">
             <a:avLst/>
@@ -4291,7 +4306,7 @@
       </p:pic>
       <p:pic>
         <p:nvPicPr>
-          <p:cNvPr id="64" name="Grafik 63"/>
+          <p:cNvPr id="65" name="Grafik 64"/>
           <p:cNvPicPr>
             <a:picLocks noChangeAspect="1"/>
           </p:cNvPicPr>
@@ -4311,8 +4326,8 @@
         </p:blipFill>
         <p:spPr>
           <a:xfrm>
-            <a:off x="11136392" y="3690938"/>
-            <a:ext cx="1524078" cy="184159"/>
+            <a:off x="11130041" y="3953102"/>
+            <a:ext cx="1530429" cy="254013"/>
           </a:xfrm>
           <a:prstGeom prst="rect">
             <a:avLst/>
@@ -4321,7 +4336,7 @@
       </p:pic>
       <p:pic>
         <p:nvPicPr>
-          <p:cNvPr id="65" name="Grafik 64"/>
+          <p:cNvPr id="66" name="Grafik 65"/>
           <p:cNvPicPr>
             <a:picLocks noChangeAspect="1"/>
           </p:cNvPicPr>
@@ -4341,8 +4356,8 @@
         </p:blipFill>
         <p:spPr>
           <a:xfrm>
-            <a:off x="11130041" y="3953102"/>
-            <a:ext cx="1530429" cy="254013"/>
+            <a:off x="6851355" y="862268"/>
+            <a:ext cx="550928" cy="345795"/>
           </a:xfrm>
           <a:prstGeom prst="rect">
             <a:avLst/>
@@ -4351,7 +4366,7 @@
       </p:pic>
       <p:pic>
         <p:nvPicPr>
-          <p:cNvPr id="66" name="Grafik 65"/>
+          <p:cNvPr id="67" name="Grafik 66"/>
           <p:cNvPicPr>
             <a:picLocks noChangeAspect="1"/>
           </p:cNvPicPr>
@@ -4371,8 +4386,8 @@
         </p:blipFill>
         <p:spPr>
           <a:xfrm>
-            <a:off x="6851355" y="862268"/>
-            <a:ext cx="550928" cy="345795"/>
+            <a:off x="11130042" y="661680"/>
+            <a:ext cx="1441524" cy="165108"/>
           </a:xfrm>
           <a:prstGeom prst="rect">
             <a:avLst/>
@@ -4381,7 +4396,7 @@
       </p:pic>
       <p:pic>
         <p:nvPicPr>
-          <p:cNvPr id="67" name="Grafik 66"/>
+          <p:cNvPr id="68" name="Grafik 67"/>
           <p:cNvPicPr>
             <a:picLocks noChangeAspect="1"/>
           </p:cNvPicPr>
@@ -4401,8 +4416,8 @@
         </p:blipFill>
         <p:spPr>
           <a:xfrm>
-            <a:off x="11130042" y="661680"/>
-            <a:ext cx="1441524" cy="165108"/>
+            <a:off x="6851355" y="491095"/>
+            <a:ext cx="640113" cy="348633"/>
           </a:xfrm>
           <a:prstGeom prst="rect">
             <a:avLst/>
@@ -4411,7 +4426,7 @@
       </p:pic>
       <p:pic>
         <p:nvPicPr>
-          <p:cNvPr id="68" name="Grafik 67"/>
+          <p:cNvPr id="69" name="Grafik 68"/>
           <p:cNvPicPr>
             <a:picLocks noChangeAspect="1"/>
           </p:cNvPicPr>
@@ -4431,8 +4446,8 @@
         </p:blipFill>
         <p:spPr>
           <a:xfrm>
-            <a:off x="6851355" y="491095"/>
-            <a:ext cx="640113" cy="348633"/>
+            <a:off x="11130041" y="5583816"/>
+            <a:ext cx="1441524" cy="476274"/>
           </a:xfrm>
           <a:prstGeom prst="rect">
             <a:avLst/>
@@ -4441,7 +4456,7 @@
       </p:pic>
       <p:pic>
         <p:nvPicPr>
-          <p:cNvPr id="69" name="Grafik 68"/>
+          <p:cNvPr id="71" name="Grafik 70"/>
           <p:cNvPicPr>
             <a:picLocks noChangeAspect="1"/>
           </p:cNvPicPr>
@@ -4461,8 +4476,8 @@
         </p:blipFill>
         <p:spPr>
           <a:xfrm>
-            <a:off x="11130041" y="5583816"/>
-            <a:ext cx="1441524" cy="476274"/>
+            <a:off x="6849840" y="6190246"/>
+            <a:ext cx="1911448" cy="260363"/>
           </a:xfrm>
           <a:prstGeom prst="rect">
             <a:avLst/>
@@ -4471,7 +4486,7 @@
       </p:pic>
       <p:pic>
         <p:nvPicPr>
-          <p:cNvPr id="71" name="Grafik 70"/>
+          <p:cNvPr id="72" name="Grafik 71"/>
           <p:cNvPicPr>
             <a:picLocks noChangeAspect="1"/>
           </p:cNvPicPr>
@@ -4491,8 +4506,8 @@
         </p:blipFill>
         <p:spPr>
           <a:xfrm>
-            <a:off x="6849840" y="6190246"/>
-            <a:ext cx="1911448" cy="260363"/>
+            <a:off x="11130042" y="866985"/>
+            <a:ext cx="1365320" cy="165108"/>
           </a:xfrm>
           <a:prstGeom prst="rect">
             <a:avLst/>
@@ -4501,7 +4516,7 @@
       </p:pic>
       <p:pic>
         <p:nvPicPr>
-          <p:cNvPr id="72" name="Grafik 71"/>
+          <p:cNvPr id="73" name="Grafik 72"/>
           <p:cNvPicPr>
             <a:picLocks noChangeAspect="1"/>
           </p:cNvPicPr>
@@ -4521,8 +4536,8 @@
         </p:blipFill>
         <p:spPr>
           <a:xfrm>
-            <a:off x="11130042" y="866985"/>
-            <a:ext cx="1365320" cy="165108"/>
+            <a:off x="11130042" y="1272785"/>
+            <a:ext cx="857294" cy="165108"/>
           </a:xfrm>
           <a:prstGeom prst="rect">
             <a:avLst/>
@@ -4531,7 +4546,7 @@
       </p:pic>
       <p:pic>
         <p:nvPicPr>
-          <p:cNvPr id="73" name="Grafik 72"/>
+          <p:cNvPr id="74" name="Grafik 73"/>
           <p:cNvPicPr>
             <a:picLocks noChangeAspect="1"/>
           </p:cNvPicPr>
@@ -4551,8 +4566,8 @@
         </p:blipFill>
         <p:spPr>
           <a:xfrm>
-            <a:off x="11130042" y="1272785"/>
-            <a:ext cx="857294" cy="165108"/>
+            <a:off x="6849840" y="4556986"/>
+            <a:ext cx="901746" cy="228612"/>
           </a:xfrm>
           <a:prstGeom prst="rect">
             <a:avLst/>
@@ -4561,7 +4576,7 @@
       </p:pic>
       <p:pic>
         <p:nvPicPr>
-          <p:cNvPr id="74" name="Grafik 73"/>
+          <p:cNvPr id="75" name="Grafik 74"/>
           <p:cNvPicPr>
             <a:picLocks noChangeAspect="1"/>
           </p:cNvPicPr>
@@ -4581,8 +4596,8 @@
         </p:blipFill>
         <p:spPr>
           <a:xfrm>
-            <a:off x="6849840" y="4556986"/>
-            <a:ext cx="901746" cy="228612"/>
+            <a:off x="6842456" y="7105924"/>
+            <a:ext cx="1225613" cy="254013"/>
           </a:xfrm>
           <a:prstGeom prst="rect">
             <a:avLst/>
@@ -4591,7 +4606,7 @@
       </p:pic>
       <p:pic>
         <p:nvPicPr>
-          <p:cNvPr id="75" name="Grafik 74"/>
+          <p:cNvPr id="76" name="Grafik 75"/>
           <p:cNvPicPr>
             <a:picLocks noChangeAspect="1"/>
           </p:cNvPicPr>
@@ -4611,8 +4626,8 @@
         </p:blipFill>
         <p:spPr>
           <a:xfrm>
-            <a:off x="6842456" y="7105924"/>
-            <a:ext cx="1225613" cy="254013"/>
+            <a:off x="6853498" y="1254060"/>
+            <a:ext cx="1154489" cy="228612"/>
           </a:xfrm>
           <a:prstGeom prst="rect">
             <a:avLst/>
@@ -4621,7 +4636,7 @@
       </p:pic>
       <p:pic>
         <p:nvPicPr>
-          <p:cNvPr id="76" name="Grafik 75"/>
+          <p:cNvPr id="77" name="Grafik 76"/>
           <p:cNvPicPr>
             <a:picLocks noChangeAspect="1"/>
           </p:cNvPicPr>
@@ -4641,8 +4656,8 @@
         </p:blipFill>
         <p:spPr>
           <a:xfrm>
-            <a:off x="6853498" y="1254060"/>
-            <a:ext cx="1154489" cy="228612"/>
+            <a:off x="11130042" y="3383208"/>
+            <a:ext cx="793791" cy="158758"/>
           </a:xfrm>
           <a:prstGeom prst="rect">
             <a:avLst/>
@@ -4651,7 +4666,7 @@
       </p:pic>
       <p:pic>
         <p:nvPicPr>
-          <p:cNvPr id="77" name="Grafik 76"/>
+          <p:cNvPr id="78" name="Grafik 77"/>
           <p:cNvPicPr>
             <a:picLocks noChangeAspect="1"/>
           </p:cNvPicPr>
@@ -4671,8 +4686,8 @@
         </p:blipFill>
         <p:spPr>
           <a:xfrm>
-            <a:off x="11130042" y="3383208"/>
-            <a:ext cx="793791" cy="158758"/>
+            <a:off x="6846983" y="8686710"/>
+            <a:ext cx="1525983" cy="228612"/>
           </a:xfrm>
           <a:prstGeom prst="rect">
             <a:avLst/>
@@ -4681,7 +4696,7 @@
       </p:pic>
       <p:pic>
         <p:nvPicPr>
-          <p:cNvPr id="78" name="Grafik 77"/>
+          <p:cNvPr id="79" name="Grafik 78"/>
           <p:cNvPicPr>
             <a:picLocks noChangeAspect="1"/>
           </p:cNvPicPr>
@@ -4701,8 +4716,8 @@
         </p:blipFill>
         <p:spPr>
           <a:xfrm>
-            <a:off x="6846983" y="8686710"/>
-            <a:ext cx="1525983" cy="228612"/>
+            <a:off x="6821151" y="9089348"/>
+            <a:ext cx="1651720" cy="228612"/>
           </a:xfrm>
           <a:prstGeom prst="rect">
             <a:avLst/>
@@ -4711,7 +4726,7 @@
       </p:pic>
       <p:pic>
         <p:nvPicPr>
-          <p:cNvPr id="79" name="Grafik 78"/>
+          <p:cNvPr id="82" name="Grafik 81"/>
           <p:cNvPicPr>
             <a:picLocks noChangeAspect="1"/>
           </p:cNvPicPr>
@@ -4731,8 +4746,8 @@
         </p:blipFill>
         <p:spPr>
           <a:xfrm>
-            <a:off x="6821151" y="9089348"/>
-            <a:ext cx="1651720" cy="228612"/>
+            <a:off x="6851355" y="1604916"/>
+            <a:ext cx="1646005" cy="234327"/>
           </a:xfrm>
           <a:prstGeom prst="rect">
             <a:avLst/>
@@ -4741,7 +4756,7 @@
       </p:pic>
       <p:pic>
         <p:nvPicPr>
-          <p:cNvPr id="82" name="Grafik 81"/>
+          <p:cNvPr id="83" name="Grafik 82"/>
           <p:cNvPicPr>
             <a:picLocks noChangeAspect="1"/>
           </p:cNvPicPr>
@@ -4761,8 +4776,8 @@
         </p:blipFill>
         <p:spPr>
           <a:xfrm>
-            <a:off x="6851355" y="1604916"/>
-            <a:ext cx="1646005" cy="234327"/>
+            <a:off x="6859685" y="5472263"/>
+            <a:ext cx="2492419" cy="236002"/>
           </a:xfrm>
           <a:prstGeom prst="rect">
             <a:avLst/>
@@ -4771,7 +4786,7 @@
       </p:pic>
       <p:pic>
         <p:nvPicPr>
-          <p:cNvPr id="83" name="Grafik 82"/>
+          <p:cNvPr id="84" name="Grafik 83"/>
           <p:cNvPicPr>
             <a:picLocks noChangeAspect="1"/>
           </p:cNvPicPr>
@@ -4791,8 +4806,8 @@
         </p:blipFill>
         <p:spPr>
           <a:xfrm>
-            <a:off x="6859685" y="5472263"/>
-            <a:ext cx="2492419" cy="236002"/>
+            <a:off x="11130042" y="1072290"/>
+            <a:ext cx="1041454" cy="165108"/>
           </a:xfrm>
           <a:prstGeom prst="rect">
             <a:avLst/>
@@ -4801,7 +4816,7 @@
       </p:pic>
       <p:pic>
         <p:nvPicPr>
-          <p:cNvPr id="84" name="Grafik 83"/>
+          <p:cNvPr id="85" name="Grafik 84"/>
           <p:cNvPicPr>
             <a:picLocks noChangeAspect="1"/>
           </p:cNvPicPr>
@@ -4821,8 +4836,8 @@
         </p:blipFill>
         <p:spPr>
           <a:xfrm>
-            <a:off x="11130042" y="1072290"/>
-            <a:ext cx="1041454" cy="165108"/>
+            <a:off x="11415806" y="8070690"/>
+            <a:ext cx="901746" cy="514376"/>
           </a:xfrm>
           <a:prstGeom prst="rect">
             <a:avLst/>
@@ -4831,7 +4846,7 @@
       </p:pic>
       <p:pic>
         <p:nvPicPr>
-          <p:cNvPr id="85" name="Grafik 84"/>
+          <p:cNvPr id="86" name="Grafik 85"/>
           <p:cNvPicPr>
             <a:picLocks noChangeAspect="1"/>
           </p:cNvPicPr>
@@ -4851,8 +4866,8 @@
         </p:blipFill>
         <p:spPr>
           <a:xfrm>
-            <a:off x="11415806" y="8070690"/>
-            <a:ext cx="901746" cy="514376"/>
+            <a:off x="11413312" y="8676295"/>
+            <a:ext cx="857294" cy="501676"/>
           </a:xfrm>
           <a:prstGeom prst="rect">
             <a:avLst/>
@@ -4861,7 +4876,7 @@
       </p:pic>
       <p:pic>
         <p:nvPicPr>
-          <p:cNvPr id="86" name="Grafik 85"/>
+          <p:cNvPr id="87" name="Grafik 86"/>
           <p:cNvPicPr>
             <a:picLocks noChangeAspect="1"/>
           </p:cNvPicPr>
@@ -4881,8 +4896,8 @@
         </p:blipFill>
         <p:spPr>
           <a:xfrm>
-            <a:off x="11413312" y="8676295"/>
-            <a:ext cx="857294" cy="501676"/>
+            <a:off x="11117990" y="6374623"/>
+            <a:ext cx="977950" cy="400071"/>
           </a:xfrm>
           <a:prstGeom prst="rect">
             <a:avLst/>
@@ -4891,7 +4906,7 @@
       </p:pic>
       <p:pic>
         <p:nvPicPr>
-          <p:cNvPr id="87" name="Grafik 86"/>
+          <p:cNvPr id="88" name="Grafik 87"/>
           <p:cNvPicPr>
             <a:picLocks noChangeAspect="1"/>
           </p:cNvPicPr>
@@ -4911,8 +4926,8 @@
         </p:blipFill>
         <p:spPr>
           <a:xfrm>
-            <a:off x="11117990" y="6374623"/>
-            <a:ext cx="977950" cy="400071"/>
+            <a:off x="11117990" y="4774411"/>
+            <a:ext cx="1162110" cy="476274"/>
           </a:xfrm>
           <a:prstGeom prst="rect">
             <a:avLst/>
@@ -4921,7 +4936,7 @@
       </p:pic>
       <p:pic>
         <p:nvPicPr>
-          <p:cNvPr id="88" name="Grafik 87"/>
+          <p:cNvPr id="89" name="Grafik 88"/>
           <p:cNvPicPr>
             <a:picLocks noChangeAspect="1"/>
           </p:cNvPicPr>
@@ -4941,8 +4956,8 @@
         </p:blipFill>
         <p:spPr>
           <a:xfrm>
-            <a:off x="11117990" y="4774411"/>
-            <a:ext cx="1162110" cy="476274"/>
+            <a:off x="11415806" y="7380750"/>
+            <a:ext cx="1155759" cy="622332"/>
           </a:xfrm>
           <a:prstGeom prst="rect">
             <a:avLst/>
@@ -4951,7 +4966,7 @@
       </p:pic>
       <p:pic>
         <p:nvPicPr>
-          <p:cNvPr id="89" name="Grafik 88"/>
+          <p:cNvPr id="92" name="Grafik 91"/>
           <p:cNvPicPr>
             <a:picLocks noChangeAspect="1"/>
           </p:cNvPicPr>
@@ -4971,8 +4986,8 @@
         </p:blipFill>
         <p:spPr>
           <a:xfrm>
-            <a:off x="11415806" y="7380750"/>
-            <a:ext cx="1155759" cy="622332"/>
+            <a:off x="11130042" y="1982006"/>
+            <a:ext cx="1155759" cy="387370"/>
           </a:xfrm>
           <a:prstGeom prst="rect">
             <a:avLst/>
@@ -4981,7 +4996,7 @@
       </p:pic>
       <p:pic>
         <p:nvPicPr>
-          <p:cNvPr id="92" name="Grafik 91"/>
+          <p:cNvPr id="94" name="Grafik 93"/>
           <p:cNvPicPr>
             <a:picLocks noChangeAspect="1"/>
           </p:cNvPicPr>
@@ -5001,8 +5016,8 @@
         </p:blipFill>
         <p:spPr>
           <a:xfrm>
-            <a:off x="11130042" y="1982006"/>
-            <a:ext cx="1155759" cy="387370"/>
+            <a:off x="11136392" y="2405010"/>
+            <a:ext cx="1358970" cy="387370"/>
           </a:xfrm>
           <a:prstGeom prst="rect">
             <a:avLst/>
@@ -5011,7 +5026,7 @@
       </p:pic>
       <p:pic>
         <p:nvPicPr>
-          <p:cNvPr id="94" name="Grafik 93"/>
+          <p:cNvPr id="95" name="Grafik 94"/>
           <p:cNvPicPr>
             <a:picLocks noChangeAspect="1"/>
           </p:cNvPicPr>
@@ -5031,8 +5046,8 @@
         </p:blipFill>
         <p:spPr>
           <a:xfrm>
-            <a:off x="11136392" y="2405010"/>
-            <a:ext cx="1358970" cy="387370"/>
+            <a:off x="6849840" y="8288913"/>
+            <a:ext cx="1274511" cy="228612"/>
           </a:xfrm>
           <a:prstGeom prst="rect">
             <a:avLst/>
@@ -5041,7 +5056,7 @@
       </p:pic>
       <p:pic>
         <p:nvPicPr>
-          <p:cNvPr id="95" name="Grafik 94"/>
+          <p:cNvPr id="96" name="Grafik 95"/>
           <p:cNvPicPr>
             <a:picLocks noChangeAspect="1"/>
           </p:cNvPicPr>
@@ -5061,8 +5076,8 @@
         </p:blipFill>
         <p:spPr>
           <a:xfrm>
-            <a:off x="6849840" y="8288913"/>
-            <a:ext cx="1274511" cy="228612"/>
+            <a:off x="6851355" y="1924741"/>
+            <a:ext cx="1135818" cy="1062120"/>
           </a:xfrm>
           <a:prstGeom prst="rect">
             <a:avLst/>
@@ -5071,7 +5086,7 @@
       </p:pic>
       <p:pic>
         <p:nvPicPr>
-          <p:cNvPr id="96" name="Grafik 95"/>
+          <p:cNvPr id="97" name="Grafik 96"/>
           <p:cNvPicPr>
             <a:picLocks noChangeAspect="1"/>
           </p:cNvPicPr>
@@ -5091,8 +5106,8 @@
         </p:blipFill>
         <p:spPr>
           <a:xfrm>
-            <a:off x="6851355" y="1924741"/>
-            <a:ext cx="1135818" cy="1062120"/>
+            <a:off x="6851355" y="3410368"/>
+            <a:ext cx="1144217" cy="258654"/>
           </a:xfrm>
           <a:prstGeom prst="rect">
             <a:avLst/>
@@ -5101,7 +5116,7 @@
       </p:pic>
       <p:pic>
         <p:nvPicPr>
-          <p:cNvPr id="97" name="Grafik 96"/>
+          <p:cNvPr id="98" name="Grafik 97"/>
           <p:cNvPicPr>
             <a:picLocks noChangeAspect="1"/>
           </p:cNvPicPr>
@@ -5121,8 +5136,8 @@
         </p:blipFill>
         <p:spPr>
           <a:xfrm>
-            <a:off x="6851355" y="3410368"/>
-            <a:ext cx="1144217" cy="258654"/>
+            <a:off x="8007987" y="1911989"/>
+            <a:ext cx="1266997" cy="403135"/>
           </a:xfrm>
           <a:prstGeom prst="rect">
             <a:avLst/>
@@ -5131,7 +5146,7 @@
       </p:pic>
       <p:pic>
         <p:nvPicPr>
-          <p:cNvPr id="98" name="Grafik 97"/>
+          <p:cNvPr id="99" name="Grafik 98"/>
           <p:cNvPicPr>
             <a:picLocks noChangeAspect="1"/>
           </p:cNvPicPr>
@@ -5151,8 +5166,8 @@
         </p:blipFill>
         <p:spPr>
           <a:xfrm>
-            <a:off x="8007987" y="1911989"/>
-            <a:ext cx="1266997" cy="403135"/>
+            <a:off x="6854419" y="3106905"/>
+            <a:ext cx="1949550" cy="254013"/>
           </a:xfrm>
           <a:prstGeom prst="rect">
             <a:avLst/>
@@ -5161,7 +5176,7 @@
       </p:pic>
       <p:pic>
         <p:nvPicPr>
-          <p:cNvPr id="99" name="Grafik 98"/>
+          <p:cNvPr id="100" name="Grafik 99"/>
           <p:cNvPicPr>
             <a:picLocks noChangeAspect="1"/>
           </p:cNvPicPr>
@@ -5181,17 +5196,129 @@
         </p:blipFill>
         <p:spPr>
           <a:xfrm>
-            <a:off x="6854419" y="3106905"/>
-            <a:ext cx="1949550" cy="254013"/>
+            <a:off x="6853498" y="4206015"/>
+            <a:ext cx="2324219" cy="228612"/>
           </a:xfrm>
           <a:prstGeom prst="rect">
             <a:avLst/>
           </a:prstGeom>
         </p:spPr>
       </p:pic>
+      <p:sp>
+        <p:nvSpPr>
+          <p:cNvPr id="101" name="Textfeld 100"/>
+          <p:cNvSpPr txBox="1"/>
+          <p:nvPr/>
+        </p:nvSpPr>
+        <p:spPr>
+          <a:xfrm>
+            <a:off x="5146883" y="7945702"/>
+            <a:ext cx="1870157" cy="1384995"/>
+          </a:xfrm>
+          <a:prstGeom prst="rect">
+            <a:avLst/>
+          </a:prstGeom>
+          <a:noFill/>
+        </p:spPr>
+        <p:txBody>
+          <a:bodyPr wrap="square" rtlCol="0">
+            <a:spAutoFit/>
+          </a:bodyPr>
+          <a:lstStyle/>
+          <a:p>
+            <a:r>
+              <a:rPr lang="de-DE" sz="1200" dirty="0"/>
+              <a:t>Schalte eine LED in Matrix</a:t>
+            </a:r>
+          </a:p>
+          <a:p>
+            <a:endParaRPr lang="de-DE" sz="1200" dirty="0"/>
+          </a:p>
+          <a:p>
+            <a:r>
+              <a:rPr lang="de-DE" sz="1200" dirty="0"/>
+              <a:t>Ein</a:t>
+            </a:r>
+          </a:p>
+          <a:p>
+            <a:endParaRPr lang="de-DE" sz="1200" dirty="0"/>
+          </a:p>
+          <a:p>
+            <a:r>
+              <a:rPr lang="de-DE" sz="1200" dirty="0"/>
+              <a:t>Aus</a:t>
+            </a:r>
+          </a:p>
+          <a:p>
+            <a:endParaRPr lang="de-DE" sz="1200" dirty="0"/>
+          </a:p>
+          <a:p>
+            <a:r>
+              <a:rPr lang="de-DE" sz="1200" dirty="0"/>
+              <a:t>Entgegengesetzt </a:t>
+            </a:r>
+          </a:p>
+        </p:txBody>
+      </p:sp>
+      <p:sp>
+        <p:nvSpPr>
+          <p:cNvPr id="102" name="Textfeld 101"/>
+          <p:cNvSpPr txBox="1"/>
+          <p:nvPr/>
+        </p:nvSpPr>
+        <p:spPr>
+          <a:xfrm>
+            <a:off x="9412285" y="3362877"/>
+            <a:ext cx="1870157" cy="894732"/>
+          </a:xfrm>
+          <a:prstGeom prst="rect">
+            <a:avLst/>
+          </a:prstGeom>
+          <a:noFill/>
+        </p:spPr>
+        <p:txBody>
+          <a:bodyPr wrap="square" rtlCol="0">
+            <a:spAutoFit/>
+          </a:bodyPr>
+          <a:lstStyle/>
+          <a:p>
+            <a:pPr>
+              <a:lnSpc>
+                <a:spcPct val="150000"/>
+              </a:lnSpc>
+            </a:pPr>
+            <a:r>
+              <a:rPr lang="de-DE" sz="1200" dirty="0"/>
+              <a:t>Wert abrufen</a:t>
+            </a:r>
+          </a:p>
+          <a:p>
+            <a:pPr>
+              <a:lnSpc>
+                <a:spcPct val="150000"/>
+              </a:lnSpc>
+            </a:pPr>
+            <a:r>
+              <a:rPr lang="de-DE" sz="1200" dirty="0"/>
+              <a:t>Wert festlegen</a:t>
+            </a:r>
+          </a:p>
+          <a:p>
+            <a:pPr>
+              <a:lnSpc>
+                <a:spcPct val="150000"/>
+              </a:lnSpc>
+            </a:pPr>
+            <a:r>
+              <a:rPr lang="de-DE" sz="1200" dirty="0"/>
+              <a:t>Wert um X ändern</a:t>
+            </a:r>
+          </a:p>
+        </p:txBody>
+      </p:sp>
       <p:pic>
         <p:nvPicPr>
-          <p:cNvPr id="100" name="Grafik 99"/>
+          <p:cNvPr id="103" name="Grafik 102"/>
           <p:cNvPicPr>
             <a:picLocks noChangeAspect="1"/>
           </p:cNvPicPr>
@@ -5211,8 +5338,8 @@
         </p:blipFill>
         <p:spPr>
           <a:xfrm>
-            <a:off x="6853498" y="4206015"/>
-            <a:ext cx="2324219" cy="228612"/>
+            <a:off x="11130042" y="1554593"/>
+            <a:ext cx="1403422" cy="387370"/>
           </a:xfrm>
           <a:prstGeom prst="rect">
             <a:avLst/>
@@ -5221,13 +5348,13 @@
       </p:pic>
       <p:sp>
         <p:nvSpPr>
-          <p:cNvPr id="101" name="Textfeld 100"/>
+          <p:cNvPr id="93" name="Textfeld 92"/>
           <p:cNvSpPr txBox="1"/>
           <p:nvPr/>
         </p:nvSpPr>
         <p:spPr>
           <a:xfrm>
-            <a:off x="5146883" y="7945702"/>
+            <a:off x="9412285" y="762742"/>
             <a:ext cx="1870157" cy="1384995"/>
           </a:xfrm>
           <a:prstGeom prst="rect">
@@ -5242,50 +5369,47 @@
           <a:lstStyle/>
           <a:p>
             <a:r>
-              <a:rPr lang="de-DE" sz="1200" dirty="0" smtClean="0"/>
-              <a:t>Schalte eine LED in Matrix</a:t>
+              <a:rPr lang="de-DE" sz="1200" dirty="0"/>
+              <a:t>Sensormesswerte abrufen</a:t>
             </a:r>
           </a:p>
           <a:p>
             <a:endParaRPr lang="de-DE" sz="1200" dirty="0"/>
           </a:p>
           <a:p>
-            <a:r>
-              <a:rPr lang="de-DE" sz="1200" dirty="0" smtClean="0"/>
-              <a:t>Ein</a:t>
-            </a:r>
-          </a:p>
-          <a:p>
             <a:endParaRPr lang="de-DE" sz="1200" dirty="0"/>
           </a:p>
           <a:p>
-            <a:r>
-              <a:rPr lang="de-DE" sz="1200" dirty="0" smtClean="0"/>
-              <a:t>Aus</a:t>
-            </a:r>
-          </a:p>
-          <a:p>
             <a:endParaRPr lang="de-DE" sz="1200" dirty="0"/>
           </a:p>
           <a:p>
-            <a:r>
-              <a:rPr lang="de-DE" sz="1200" dirty="0" smtClean="0"/>
-              <a:t>Entgegengesetzt </a:t>
-            </a:r>
             <a:endParaRPr lang="de-DE" sz="1200" dirty="0"/>
           </a:p>
-        </p:txBody>
-      </p:sp>
-      <p:sp>
-        <p:nvSpPr>
-          <p:cNvPr id="102" name="Textfeld 101"/>
+          <a:p>
+            <a:r>
+              <a:rPr lang="de-DE" sz="1200" dirty="0"/>
+              <a:t>Bei Eingaben ausführen</a:t>
+            </a:r>
+            <a:br>
+              <a:rPr lang="de-DE" sz="1200" dirty="0"/>
+            </a:br>
+            <a:r>
+              <a:rPr lang="de-DE" sz="1200" dirty="0"/>
+              <a:t>(Eventhandler)</a:t>
+            </a:r>
+          </a:p>
+        </p:txBody>
+      </p:sp>
+      <p:sp>
+        <p:nvSpPr>
+          <p:cNvPr id="104" name="Textfeld 103"/>
           <p:cNvSpPr txBox="1"/>
           <p:nvPr/>
         </p:nvSpPr>
         <p:spPr>
           <a:xfrm>
-            <a:off x="9412285" y="3362877"/>
-            <a:ext cx="1870157" cy="894732"/>
+            <a:off x="9431027" y="4812392"/>
+            <a:ext cx="1731415" cy="2123658"/>
           </a:xfrm>
           <a:prstGeom prst="rect">
             <a:avLst/>
@@ -5298,83 +5422,41 @@
           </a:bodyPr>
           <a:lstStyle/>
           <a:p>
-            <a:pPr>
-              <a:lnSpc>
-                <a:spcPct val="150000"/>
-              </a:lnSpc>
-            </a:pPr>
-            <a:r>
-              <a:rPr lang="de-DE" sz="1200" dirty="0" smtClean="0"/>
-              <a:t>Wert abrufen</a:t>
-            </a:r>
+            <a:r>
+              <a:rPr lang="de-DE" sz="1200" dirty="0"/>
+              <a:t>Wiederhole alles in diesem Block 4 mal</a:t>
+            </a:r>
+          </a:p>
+          <a:p>
             <a:endParaRPr lang="de-DE" sz="1200" dirty="0"/>
           </a:p>
           <a:p>
-            <a:pPr>
-              <a:lnSpc>
-                <a:spcPct val="150000"/>
-              </a:lnSpc>
-            </a:pPr>
-            <a:r>
-              <a:rPr lang="de-DE" sz="1200" dirty="0" smtClean="0"/>
-              <a:t>Wert festlegen</a:t>
-            </a:r>
+            <a:r>
+              <a:rPr lang="de-DE" sz="1200" dirty="0"/>
+              <a:t>Wiederhole solange bis Index den Wert 4 erreicht (erhöhe in jedem Durchlauf um 1)</a:t>
+            </a:r>
+          </a:p>
+          <a:p>
             <a:endParaRPr lang="de-DE" sz="1200" dirty="0"/>
           </a:p>
           <a:p>
-            <a:pPr>
-              <a:lnSpc>
-                <a:spcPct val="150000"/>
-              </a:lnSpc>
-            </a:pPr>
-            <a:r>
-              <a:rPr lang="de-DE" sz="1200" dirty="0" smtClean="0"/>
-              <a:t>Wert um X ändern</a:t>
-            </a:r>
-            <a:endParaRPr lang="de-DE" sz="1200" dirty="0"/>
-          </a:p>
-        </p:txBody>
-      </p:sp>
-      <p:pic>
-        <p:nvPicPr>
-          <p:cNvPr id="103" name="Grafik 102"/>
-          <p:cNvPicPr>
-            <a:picLocks noChangeAspect="1"/>
-          </p:cNvPicPr>
-          <p:nvPr/>
-        </p:nvPicPr>
-        <p:blipFill>
-          <a:blip r:embed="rId48">
-            <a:extLst>
-              <a:ext uri="{28A0092B-C50C-407E-A947-70E740481C1C}">
-                <a14:useLocalDpi xmlns:a14="http://schemas.microsoft.com/office/drawing/2010/main" val="0"/>
-              </a:ext>
-            </a:extLst>
-          </a:blip>
-          <a:stretch>
-            <a:fillRect/>
-          </a:stretch>
-        </p:blipFill>
-        <p:spPr>
-          <a:xfrm>
-            <a:off x="11130042" y="1554593"/>
-            <a:ext cx="1403422" cy="387370"/>
-          </a:xfrm>
-          <a:prstGeom prst="rect">
-            <a:avLst/>
-          </a:prstGeom>
-        </p:spPr>
-      </p:pic>
-      <p:sp>
-        <p:nvSpPr>
-          <p:cNvPr id="93" name="Textfeld 92"/>
+            <a:r>
+              <a:rPr lang="de-DE" sz="1200" dirty="0"/>
+              <a:t>Wiederhole alles in diesem Block bis Logik nicht mehr „wahr“ ist</a:t>
+            </a:r>
+          </a:p>
+        </p:txBody>
+      </p:sp>
+      <p:sp>
+        <p:nvSpPr>
+          <p:cNvPr id="105" name="Textfeld 104"/>
           <p:cNvSpPr txBox="1"/>
           <p:nvPr/>
         </p:nvSpPr>
         <p:spPr>
           <a:xfrm>
-            <a:off x="9412285" y="762742"/>
-            <a:ext cx="1870157" cy="1384995"/>
+            <a:off x="8882961" y="7313142"/>
+            <a:ext cx="2532845" cy="2031325"/>
           </a:xfrm>
           <a:prstGeom prst="rect">
             <a:avLst/>
@@ -5388,130 +5470,8 @@
           <a:lstStyle/>
           <a:p>
             <a:r>
-              <a:rPr lang="de-DE" sz="1200" dirty="0" smtClean="0"/>
-              <a:t>Sensormesswerte abrufen</a:t>
-            </a:r>
-          </a:p>
-          <a:p>
-            <a:endParaRPr lang="de-DE" sz="1200" dirty="0"/>
-          </a:p>
-          <a:p>
-            <a:endParaRPr lang="de-DE" sz="1200" dirty="0" smtClean="0"/>
-          </a:p>
-          <a:p>
-            <a:endParaRPr lang="de-DE" sz="1200" dirty="0"/>
-          </a:p>
-          <a:p>
-            <a:endParaRPr lang="de-DE" sz="1200" dirty="0" smtClean="0"/>
-          </a:p>
-          <a:p>
-            <a:r>
-              <a:rPr lang="de-DE" sz="1200" dirty="0" smtClean="0"/>
-              <a:t>Bei Eingaben ausführen</a:t>
-            </a:r>
-            <a:br>
-              <a:rPr lang="de-DE" sz="1200" dirty="0" smtClean="0"/>
-            </a:br>
-            <a:r>
-              <a:rPr lang="de-DE" sz="1200" dirty="0" smtClean="0"/>
-              <a:t>(Eventhandler)</a:t>
-            </a:r>
-            <a:endParaRPr lang="de-DE" sz="1200" dirty="0"/>
-          </a:p>
-        </p:txBody>
-      </p:sp>
-      <p:sp>
-        <p:nvSpPr>
-          <p:cNvPr id="104" name="Textfeld 103"/>
-          <p:cNvSpPr txBox="1"/>
-          <p:nvPr/>
-        </p:nvSpPr>
-        <p:spPr>
-          <a:xfrm>
-            <a:off x="9431027" y="4812392"/>
-            <a:ext cx="1731415" cy="2123658"/>
-          </a:xfrm>
-          <a:prstGeom prst="rect">
-            <a:avLst/>
-          </a:prstGeom>
-          <a:noFill/>
-        </p:spPr>
-        <p:txBody>
-          <a:bodyPr wrap="square" rtlCol="0">
-            <a:spAutoFit/>
-          </a:bodyPr>
-          <a:lstStyle/>
-          <a:p>
-            <a:r>
-              <a:rPr lang="de-DE" sz="1200" dirty="0" smtClean="0"/>
-              <a:t>Wiederhole alles in diesem Block 4 mal</a:t>
-            </a:r>
-          </a:p>
-          <a:p>
-            <a:endParaRPr lang="de-DE" sz="1200" dirty="0"/>
-          </a:p>
-          <a:p>
-            <a:r>
-              <a:rPr lang="de-DE" sz="1200" dirty="0" smtClean="0"/>
-              <a:t>Wiederhole solange bis Index den Wert 4 erreicht (erhöhe in jedem Durchlauf um 1)</a:t>
-            </a:r>
-          </a:p>
-          <a:p>
-            <a:endParaRPr lang="de-DE" sz="1200" dirty="0" smtClean="0"/>
-          </a:p>
-          <a:p>
-            <a:r>
-              <a:rPr lang="de-DE" sz="1200" dirty="0" smtClean="0"/>
-              <a:t>Wiederhole alles in diesem Block bis Logik nicht mehr „wahr“ ist</a:t>
-            </a:r>
-            <a:endParaRPr lang="de-DE" sz="1200" dirty="0"/>
-          </a:p>
-        </p:txBody>
-      </p:sp>
-      <p:sp>
-        <p:nvSpPr>
-          <p:cNvPr id="105" name="Textfeld 104"/>
-          <p:cNvSpPr txBox="1"/>
-          <p:nvPr/>
-        </p:nvSpPr>
-        <p:spPr>
-          <a:xfrm>
-            <a:off x="8882961" y="7313142"/>
-            <a:ext cx="2532845" cy="2031325"/>
-          </a:xfrm>
-          <a:prstGeom prst="rect">
-            <a:avLst/>
-          </a:prstGeom>
-          <a:noFill/>
-        </p:spPr>
-        <p:txBody>
-          <a:bodyPr wrap="square" rtlCol="0">
-            <a:spAutoFit/>
-          </a:bodyPr>
-          <a:lstStyle/>
-          <a:p>
-            <a:r>
-              <a:rPr lang="de-DE" sz="1200" dirty="0" smtClean="0"/>
+              <a:rPr lang="de-DE" sz="1200" dirty="0"/>
               <a:t>Wenn Logik-Ausdruck wahr ist, führe „dann“-Zweig (Block) aus. Alternativ führe „ansonsten“-Zweig (Block) aus.</a:t>
-            </a:r>
-          </a:p>
-          <a:p>
-            <a:pPr>
-              <a:lnSpc>
-                <a:spcPct val="150000"/>
-              </a:lnSpc>
-            </a:pPr>
-            <a:endParaRPr lang="de-DE" sz="1200" dirty="0" smtClean="0"/>
-          </a:p>
-          <a:p>
-            <a:pPr>
-              <a:lnSpc>
-                <a:spcPct val="150000"/>
-              </a:lnSpc>
-            </a:pPr>
-            <a:r>
-              <a:rPr lang="de-DE" sz="1200" dirty="0" smtClean="0"/>
-              <a:t>Logik-Ausdruck: Vergleiche 2 Werte</a:t>
             </a:r>
           </a:p>
           <a:p>
@@ -5523,11 +5483,29 @@
             <a:endParaRPr lang="de-DE" sz="1200" dirty="0"/>
           </a:p>
           <a:p>
-            <a:r>
-              <a:rPr lang="de-DE" sz="1200" dirty="0" smtClean="0"/>
+            <a:pPr>
+              <a:lnSpc>
+                <a:spcPct val="150000"/>
+              </a:lnSpc>
+            </a:pPr>
+            <a:r>
+              <a:rPr lang="de-DE" sz="1200" dirty="0"/>
+              <a:t>Logik-Ausdruck: Vergleiche 2 Werte</a:t>
+            </a:r>
+          </a:p>
+          <a:p>
+            <a:pPr>
+              <a:lnSpc>
+                <a:spcPct val="150000"/>
+              </a:lnSpc>
+            </a:pPr>
+            <a:endParaRPr lang="de-DE" sz="1200" dirty="0"/>
+          </a:p>
+          <a:p>
+            <a:r>
+              <a:rPr lang="de-DE" sz="1200" dirty="0"/>
               <a:t>Logik-Ausdruck: Überprüfe ob beide oder einer der beiden Teil-Ausdrücke wahr sind</a:t>
             </a:r>
-            <a:endParaRPr lang="de-DE" sz="1200" dirty="0"/>
           </a:p>
         </p:txBody>
       </p:sp>
@@ -5554,10 +5532,9 @@
           <a:lstStyle/>
           <a:p>
             <a:r>
-              <a:rPr lang="de-DE" sz="1200" dirty="0" smtClean="0"/>
+              <a:rPr lang="de-DE" sz="1200" dirty="0"/>
               <a:t>Motor mit X % der Maximalgeschwindigkeit drehen</a:t>
             </a:r>
-            <a:endParaRPr lang="de-DE" sz="1200" dirty="0"/>
           </a:p>
         </p:txBody>
       </p:sp>
@@ -5584,7 +5561,7 @@
           <a:lstStyle/>
           <a:p>
             <a:r>
-              <a:rPr lang="de-DE" sz="1200" dirty="0" smtClean="0"/>
+              <a:rPr lang="de-DE" sz="1200" dirty="0"/>
               <a:t>Zufällige Zahl zw. 0 und X</a:t>
             </a:r>
           </a:p>
@@ -5593,10 +5570,9 @@
           </a:p>
           <a:p>
             <a:r>
-              <a:rPr lang="de-DE" sz="1200" dirty="0" smtClean="0"/>
+              <a:rPr lang="de-DE" sz="1200" dirty="0"/>
               <a:t>Standardoperationen</a:t>
             </a:r>
-            <a:endParaRPr lang="de-DE" sz="1200" dirty="0"/>
           </a:p>
         </p:txBody>
       </p:sp>
@@ -5623,7 +5599,7 @@
           <a:lstStyle/>
           <a:p>
             <a:r>
-              <a:rPr lang="de-DE" sz="1200" dirty="0" smtClean="0"/>
+              <a:rPr lang="de-DE" sz="1200" dirty="0"/>
               <a:t>Spiele Note</a:t>
             </a:r>
           </a:p>
@@ -5632,7 +5608,7 @@
           </a:p>
           <a:p>
             <a:r>
-              <a:rPr lang="de-DE" sz="1200" dirty="0" smtClean="0"/>
+              <a:rPr lang="de-DE" sz="1200" dirty="0"/>
               <a:t>Setze Geschwindigkeit</a:t>
             </a:r>
           </a:p>
@@ -5641,10 +5617,9 @@
           </a:p>
           <a:p>
             <a:r>
-              <a:rPr lang="de-DE" sz="1200" dirty="0" smtClean="0"/>
+              <a:rPr lang="de-DE" sz="1200" dirty="0"/>
               <a:t>Spiele Frequenz </a:t>
             </a:r>
-            <a:endParaRPr lang="de-DE" sz="1200" dirty="0"/>
           </a:p>
         </p:txBody>
       </p:sp>
@@ -5712,20 +5687,19 @@
           <a:lstStyle/>
           <a:p>
             <a:r>
-              <a:rPr lang="de-DE" sz="900" dirty="0" smtClean="0"/>
+              <a:rPr lang="de-DE" sz="900" dirty="0"/>
               <a:t>Eine Produktion im Rahmen des KISS-MINT-Projektes (</a:t>
             </a:r>
             <a:r>
-              <a:rPr lang="de-DE" sz="900" dirty="0" smtClean="0">
-                <a:hlinkClick r:id="rId49"/>
+              <a:rPr lang="de-DE" sz="900" dirty="0">
+                <a:hlinkClick r:id="rId48"/>
               </a:rPr>
               <a:t>https://www.htw-dresden.de/kiss-mint</a:t>
             </a:r>
             <a:r>
-              <a:rPr lang="de-DE" sz="900" dirty="0" smtClean="0"/>
+              <a:rPr lang="de-DE" sz="900" dirty="0"/>
               <a:t>) an der HTW Dresden, gefördert durch die TÜV-Süd Stiftung. </a:t>
             </a:r>
-            <a:endParaRPr lang="de-DE" sz="900" dirty="0"/>
           </a:p>
         </p:txBody>
       </p:sp>
@@ -5753,43 +5727,51 @@
           <a:p>
             <a:pPr algn="r"/>
             <a:r>
-              <a:rPr lang="de-DE" sz="900" dirty="0" smtClean="0"/>
-              <a:t>Veröffentlicht unter CC </a:t>
-            </a:r>
-            <a:r>
               <a:rPr lang="de-DE" sz="900" dirty="0"/>
-              <a:t>BY SA </a:t>
-            </a:r>
-            <a:r>
-              <a:rPr lang="de-DE" sz="900" dirty="0" smtClean="0"/>
-              <a:t>(</a:t>
-            </a:r>
-            <a:r>
-              <a:rPr lang="de-DE" sz="900" dirty="0" smtClean="0">
-                <a:hlinkClick r:id="rId50"/>
+              <a:t>Veröffentlicht unter CC BY SA (</a:t>
+            </a:r>
+            <a:r>
+              <a:rPr lang="de-DE" sz="900" dirty="0">
+                <a:hlinkClick r:id="rId49"/>
               </a:rPr>
-              <a:t>http</a:t>
-            </a:r>
-            <a:r>
-              <a:rPr lang="de-DE" sz="900" dirty="0">
-                <a:hlinkClick r:id="rId50"/>
-              </a:rPr>
-              <a:t>://creativecommons.org/licenses/by-sa/4.0</a:t>
-            </a:r>
-            <a:r>
-              <a:rPr lang="de-DE" sz="900" dirty="0" smtClean="0">
-                <a:hlinkClick r:id="rId50"/>
-              </a:rPr>
-              <a:t>/</a:t>
-            </a:r>
-            <a:r>
-              <a:rPr lang="de-DE" sz="900" dirty="0" smtClean="0"/>
+              <a:t>http://creativecommons.org/licenses/by-sa/4.0/</a:t>
+            </a:r>
+            <a:r>
+              <a:rPr lang="de-DE" sz="900" dirty="0"/>
               <a:t>)</a:t>
             </a:r>
-            <a:endParaRPr lang="de-DE" sz="900" dirty="0"/>
-          </a:p>
-        </p:txBody>
-      </p:sp>
+          </a:p>
+        </p:txBody>
+      </p:sp>
+      <p:pic>
+        <p:nvPicPr>
+          <p:cNvPr id="3" name="Grafik 2">
+            <a:extLst>
+              <a:ext uri="{FF2B5EF4-FFF2-40B4-BE49-F238E27FC236}">
+                <a16:creationId xmlns:a16="http://schemas.microsoft.com/office/drawing/2014/main" id="{0C805C09-DC21-42D5-A24F-21E9BF5330C7}"/>
+              </a:ext>
+            </a:extLst>
+          </p:cNvPr>
+          <p:cNvPicPr>
+            <a:picLocks noChangeAspect="1"/>
+          </p:cNvPicPr>
+          <p:nvPr/>
+        </p:nvPicPr>
+        <p:blipFill rotWithShape="1">
+          <a:blip r:embed="rId50"/>
+          <a:srcRect l="1895" r="6784"/>
+          <a:stretch/>
+        </p:blipFill>
+        <p:spPr>
+          <a:xfrm>
+            <a:off x="422014" y="5311876"/>
+            <a:ext cx="4398345" cy="3925383"/>
+          </a:xfrm>
+          <a:prstGeom prst="rect">
+            <a:avLst/>
+          </a:prstGeom>
+        </p:spPr>
+      </p:pic>
     </p:spTree>
     <p:extLst>
       <p:ext uri="{BB962C8B-B14F-4D97-AF65-F5344CB8AC3E}">
@@ -5800,13 +5782,6 @@
   <p:clrMapOvr>
     <a:masterClrMapping/>
   </p:clrMapOvr>
-  <p:timing>
-    <p:tnLst>
-      <p:par>
-        <p:cTn id="1" dur="indefinite" restart="never" nodeType="tmRoot"/>
-      </p:par>
-    </p:tnLst>
-  </p:timing>
 </p:sld>
 </file>
 
@@ -5850,7 +5825,7 @@
           <a:lstStyle/>
           <a:p>
             <a:r>
-              <a:rPr lang="de-DE" sz="1200" dirty="0" smtClean="0"/>
+              <a:rPr lang="de-DE" sz="1200" dirty="0"/>
               <a:t>Eine Zeile per USB an den PC schicken</a:t>
             </a:r>
           </a:p>
@@ -5859,7 +5834,7 @@
           </a:p>
           <a:p>
             <a:r>
-              <a:rPr lang="de-DE" sz="1200" dirty="0" smtClean="0"/>
+              <a:rPr lang="de-DE" sz="1200" dirty="0"/>
               <a:t>Eine Zahl per USB an den PC schicken</a:t>
             </a:r>
           </a:p>
@@ -5868,10 +5843,9 @@
           </a:p>
           <a:p>
             <a:r>
-              <a:rPr lang="de-DE" sz="1200" dirty="0" smtClean="0"/>
+              <a:rPr lang="de-DE" sz="1200" dirty="0"/>
               <a:t>Eine Zeichenkette per USB vom PC empfangen</a:t>
             </a:r>
-            <a:endParaRPr lang="de-DE" sz="1200" dirty="0"/>
           </a:p>
         </p:txBody>
       </p:sp>
@@ -5898,14 +5872,13 @@
           <a:lstStyle/>
           <a:p>
             <a:r>
-              <a:rPr lang="de-DE" sz="2800" dirty="0" err="1" smtClean="0"/>
+              <a:rPr lang="de-DE" sz="2800" dirty="0" err="1"/>
               <a:t>Calliope</a:t>
             </a:r>
             <a:r>
-              <a:rPr lang="de-DE" sz="2800" dirty="0" smtClean="0"/>
+              <a:rPr lang="de-DE" sz="2800" dirty="0"/>
               <a:t> programmieren für Fortgeschrittene</a:t>
             </a:r>
-            <a:endParaRPr lang="de-DE" sz="2800" dirty="0"/>
           </a:p>
         </p:txBody>
       </p:sp>
@@ -6097,13 +6070,13 @@
           <a:p>
             <a:pPr lvl="0"/>
             <a:r>
-              <a:rPr lang="de-DE" dirty="0" smtClean="0"/>
+              <a:rPr lang="de-DE" dirty="0"/>
               <a:t>Hinzufügen weiterer Pakete (Am Beispiel des Grove Ultraschallsensor)</a:t>
             </a:r>
           </a:p>
           <a:p>
             <a:pPr lvl="0"/>
-            <a:endParaRPr lang="de-DE" dirty="0" smtClean="0"/>
+            <a:endParaRPr lang="de-DE" dirty="0"/>
           </a:p>
           <a:p>
             <a:pPr marL="228600" lvl="0" indent="-228600">
@@ -6111,7 +6084,7 @@
               <a:buAutoNum type="arabicPeriod"/>
             </a:pPr>
             <a:r>
-              <a:rPr lang="de-DE" dirty="0" smtClean="0"/>
+              <a:rPr lang="de-DE" dirty="0"/>
               <a:t>Öffnen des Fortgeschrittenen-Bereiches</a:t>
             </a:r>
           </a:p>
@@ -6120,7 +6093,7 @@
               <a:buFont typeface="+mj-lt"/>
               <a:buAutoNum type="arabicPeriod"/>
             </a:pPr>
-            <a:endParaRPr lang="de-DE" dirty="0" smtClean="0"/>
+            <a:endParaRPr lang="de-DE" dirty="0"/>
           </a:p>
           <a:p>
             <a:pPr marL="228600" lvl="0" indent="-228600">
@@ -6128,7 +6101,7 @@
               <a:buAutoNum type="arabicPeriod"/>
             </a:pPr>
             <a:r>
-              <a:rPr lang="de-DE" dirty="0" smtClean="0"/>
+              <a:rPr lang="de-DE" dirty="0"/>
               <a:t>Auswählen des Feldes Paket hinzufügen</a:t>
             </a:r>
           </a:p>
@@ -6137,7 +6110,7 @@
               <a:buFont typeface="+mj-lt"/>
               <a:buAutoNum type="arabicPeriod"/>
             </a:pPr>
-            <a:endParaRPr lang="de-DE" dirty="0" smtClean="0"/>
+            <a:endParaRPr lang="de-DE" dirty="0"/>
           </a:p>
           <a:p>
             <a:pPr marL="228600" indent="-228600">
@@ -6145,7 +6118,7 @@
               <a:buAutoNum type="arabicPeriod"/>
             </a:pPr>
             <a:r>
-              <a:rPr lang="de-DE" dirty="0" smtClean="0"/>
+              <a:rPr lang="de-DE" dirty="0"/>
               <a:t>In der Bildschirmmitte werden die Pakete angezeigt, welche dem Editor hinzugefügt werden können</a:t>
             </a:r>
           </a:p>
@@ -6162,7 +6135,7 @@
               <a:buAutoNum type="arabicPeriod"/>
             </a:pPr>
             <a:r>
-              <a:rPr lang="de-DE" dirty="0" smtClean="0"/>
+              <a:rPr lang="de-DE" dirty="0"/>
               <a:t>Auswählen des gesuchten Paktes </a:t>
             </a:r>
           </a:p>
@@ -6179,7 +6152,7 @@
               <a:buAutoNum type="arabicPeriod"/>
             </a:pPr>
             <a:r>
-              <a:rPr lang="de-DE" dirty="0" smtClean="0"/>
+              <a:rPr lang="de-DE" dirty="0"/>
               <a:t>Im Blockbereich sollte eine neue Menü-Option entstehen in dem die benötigten Blöcke zu finden sind</a:t>
             </a:r>
           </a:p>
@@ -6208,13 +6181,13 @@
           <a:lstStyle/>
           <a:p>
             <a:r>
-              <a:rPr lang="de-DE" sz="1200" dirty="0" smtClean="0"/>
+              <a:rPr lang="de-DE" sz="1200" dirty="0"/>
               <a:t>Messen von Eingangs-strömen an Pin</a:t>
             </a:r>
-            <a:endParaRPr lang="de-DE" sz="800" dirty="0" smtClean="0"/>
-          </a:p>
-          <a:p>
-            <a:endParaRPr lang="de-DE" sz="800" dirty="0" smtClean="0"/>
+            <a:endParaRPr lang="de-DE" sz="800" dirty="0"/>
+          </a:p>
+          <a:p>
+            <a:endParaRPr lang="de-DE" sz="800" dirty="0"/>
           </a:p>
           <a:p>
             <a:r>
@@ -6226,7 +6199,7 @@
             <a:endParaRPr lang="de-DE" sz="1200" dirty="0"/>
           </a:p>
           <a:p>
-            <a:endParaRPr lang="de-DE" sz="800" dirty="0" smtClean="0"/>
+            <a:endParaRPr lang="de-DE" sz="800" dirty="0"/>
           </a:p>
           <a:p>
             <a:r>
@@ -6239,13 +6212,8 @@
             </a:r>
             <a:r>
               <a:rPr lang="de-DE" sz="1200" dirty="0"/>
-              <a:t>-motors auf einen </a:t>
-            </a:r>
-            <a:r>
-              <a:rPr lang="de-DE" sz="1200" dirty="0" smtClean="0"/>
-              <a:t>Winkel</a:t>
-            </a:r>
-            <a:endParaRPr lang="de-DE" sz="1200" dirty="0"/>
+              <a:t>-motors auf einen Winkel</a:t>
+            </a:r>
           </a:p>
         </p:txBody>
       </p:sp>
@@ -6272,40 +6240,39 @@
           <a:lstStyle/>
           <a:p>
             <a:r>
-              <a:rPr lang="de-DE" sz="1200" dirty="0" smtClean="0"/>
+              <a:rPr lang="de-DE" sz="1200" dirty="0"/>
               <a:t>Füge einen Wert an einer bestimmen Stelle ein</a:t>
             </a:r>
-            <a:endParaRPr lang="de-DE" sz="800" dirty="0" smtClean="0"/>
-          </a:p>
-          <a:p>
             <a:endParaRPr lang="de-DE" sz="800" dirty="0"/>
           </a:p>
           <a:p>
-            <a:r>
-              <a:rPr lang="de-DE" sz="1200" dirty="0" smtClean="0"/>
+            <a:endParaRPr lang="de-DE" sz="800" dirty="0"/>
+          </a:p>
+          <a:p>
+            <a:r>
+              <a:rPr lang="de-DE" sz="1200" dirty="0"/>
               <a:t>Verändern eines Wertes in der Liste an einer bestimmen Position</a:t>
             </a:r>
-            <a:endParaRPr lang="de-DE" sz="800" dirty="0" smtClean="0"/>
-          </a:p>
-          <a:p>
             <a:endParaRPr lang="de-DE" sz="800" dirty="0"/>
           </a:p>
           <a:p>
-            <a:r>
-              <a:rPr lang="de-DE" sz="1200" dirty="0" smtClean="0"/>
+            <a:endParaRPr lang="de-DE" sz="800" dirty="0"/>
+          </a:p>
+          <a:p>
+            <a:r>
+              <a:rPr lang="de-DE" sz="1200" dirty="0"/>
               <a:t>Rufe den einen bestimmten Wert aus der Liste</a:t>
             </a:r>
-            <a:endParaRPr lang="de-DE" sz="800" dirty="0" smtClean="0"/>
-          </a:p>
-          <a:p>
             <a:endParaRPr lang="de-DE" sz="800" dirty="0"/>
           </a:p>
           <a:p>
-            <a:r>
-              <a:rPr lang="de-DE" sz="1200" dirty="0" smtClean="0"/>
+            <a:endParaRPr lang="de-DE" sz="800" dirty="0"/>
+          </a:p>
+          <a:p>
+            <a:r>
+              <a:rPr lang="de-DE" sz="1200" dirty="0"/>
               <a:t>Entferne einen Wert aus einer Liste</a:t>
             </a:r>
-            <a:endParaRPr lang="de-DE" sz="1200" dirty="0"/>
           </a:p>
         </p:txBody>
       </p:sp>
@@ -6332,20 +6299,16 @@
           <a:lstStyle/>
           <a:p>
             <a:r>
-              <a:rPr lang="de-DE" sz="1200" dirty="0" smtClean="0"/>
-              <a:t>Ein </a:t>
-            </a:r>
-            <a:r>
               <a:rPr lang="de-DE" sz="1200" dirty="0"/>
-              <a:t>Zeichenkette erstellen</a:t>
-            </a:r>
-          </a:p>
-          <a:p>
-            <a:endParaRPr lang="de-DE" sz="1200" dirty="0" smtClean="0"/>
-          </a:p>
-          <a:p>
-            <a:r>
-              <a:rPr lang="de-DE" sz="1200" dirty="0" smtClean="0"/>
+              <a:t>Ein Zeichenkette erstellen</a:t>
+            </a:r>
+          </a:p>
+          <a:p>
+            <a:endParaRPr lang="de-DE" sz="1200" dirty="0"/>
+          </a:p>
+          <a:p>
+            <a:r>
+              <a:rPr lang="de-DE" sz="1200" dirty="0"/>
               <a:t>Zusammenfügen von einzelnen Elementen zu einer Zeichenkette</a:t>
             </a:r>
           </a:p>
@@ -6720,10 +6683,9 @@
           <a:p>
             <a:pPr algn="ctr"/>
             <a:r>
-              <a:rPr lang="de-DE" dirty="0" smtClean="0"/>
+              <a:rPr lang="de-DE" dirty="0"/>
               <a:t>1.</a:t>
             </a:r>
-            <a:endParaRPr lang="de-DE" dirty="0"/>
           </a:p>
         </p:txBody>
       </p:sp>
@@ -6751,10 +6713,9 @@
           <a:p>
             <a:pPr algn="ctr"/>
             <a:r>
-              <a:rPr lang="de-DE" dirty="0" smtClean="0"/>
+              <a:rPr lang="de-DE" dirty="0"/>
               <a:t>2.</a:t>
             </a:r>
-            <a:endParaRPr lang="de-DE" dirty="0"/>
           </a:p>
         </p:txBody>
       </p:sp>
@@ -6783,13 +6744,8 @@
             <a:pPr algn="ctr"/>
             <a:r>
               <a:rPr lang="de-DE" dirty="0"/>
-              <a:t>5</a:t>
-            </a:r>
-            <a:r>
-              <a:rPr lang="de-DE" dirty="0" smtClean="0"/>
-              <a:t>.</a:t>
-            </a:r>
-            <a:endParaRPr lang="de-DE" dirty="0"/>
+              <a:t>5.</a:t>
+            </a:r>
           </a:p>
         </p:txBody>
       </p:sp>
@@ -6818,13 +6774,8 @@
             <a:pPr algn="ctr"/>
             <a:r>
               <a:rPr lang="de-DE" dirty="0"/>
-              <a:t>3</a:t>
-            </a:r>
-            <a:r>
-              <a:rPr lang="de-DE" dirty="0" smtClean="0"/>
-              <a:t>./4.</a:t>
-            </a:r>
-            <a:endParaRPr lang="de-DE" dirty="0"/>
+              <a:t>3./4.</a:t>
+            </a:r>
           </a:p>
         </p:txBody>
       </p:sp>
@@ -7372,7 +7323,7 @@
           <a:lstStyle/>
           <a:p>
             <a:r>
-              <a:rPr lang="de-DE" sz="1200" dirty="0" smtClean="0"/>
+              <a:rPr lang="de-DE" sz="1200" dirty="0"/>
               <a:t>Einhalten von Grenzwerten</a:t>
             </a:r>
           </a:p>
@@ -7385,7 +7336,7 @@
               <a:buChar char="•"/>
             </a:pPr>
             <a:r>
-              <a:rPr lang="de-DE" sz="1200" dirty="0" smtClean="0"/>
+              <a:rPr lang="de-DE" sz="1200" dirty="0"/>
               <a:t>Bei Überschreitung von Grenzwerten (z.B. maximal 100% Motorgeschwindigkeit) kann es zu merkwürdigen Ergebnissen kommen</a:t>
             </a:r>
           </a:p>
@@ -7395,7 +7346,7 @@
               <a:buChar char="•"/>
             </a:pPr>
             <a:r>
-              <a:rPr lang="de-DE" sz="1200" dirty="0" smtClean="0"/>
+              <a:rPr lang="de-DE" sz="1200" dirty="0"/>
               <a:t>Verhindern von nicht definierten Werten bzw. Wertebereichüberschreitungen</a:t>
             </a:r>
           </a:p>
@@ -7408,7 +7359,7 @@
           </a:p>
           <a:p>
             <a:r>
-              <a:rPr lang="de-DE" sz="1200" dirty="0" smtClean="0"/>
+              <a:rPr lang="de-DE" sz="1200" dirty="0"/>
               <a:t>Möglichkeiten:</a:t>
             </a:r>
           </a:p>
@@ -7418,24 +7369,10 @@
               <a:buAutoNum type="arabicPeriod"/>
             </a:pPr>
             <a:r>
-              <a:rPr lang="de-DE" sz="1200" dirty="0" smtClean="0"/>
+              <a:rPr lang="de-DE" sz="1200" dirty="0"/>
               <a:t>Abfragen des aktuellen Wertes und setzen eines neuen Wertes:</a:t>
             </a:r>
             <a:endParaRPr lang="de-DE" sz="1100" dirty="0"/>
-          </a:p>
-          <a:p>
-            <a:pPr marL="228600" indent="-228600">
-              <a:buFont typeface="+mj-lt"/>
-              <a:buAutoNum type="arabicPeriod"/>
-            </a:pPr>
-            <a:endParaRPr lang="de-DE" sz="1100" dirty="0" smtClean="0"/>
-          </a:p>
-          <a:p>
-            <a:pPr marL="228600" indent="-228600">
-              <a:buFont typeface="+mj-lt"/>
-              <a:buAutoNum type="arabicPeriod"/>
-            </a:pPr>
-            <a:endParaRPr lang="de-DE" sz="1100" dirty="0" smtClean="0"/>
           </a:p>
           <a:p>
             <a:pPr marL="228600" indent="-228600">
@@ -7449,7 +7386,7 @@
               <a:buFont typeface="+mj-lt"/>
               <a:buAutoNum type="arabicPeriod"/>
             </a:pPr>
-            <a:endParaRPr lang="de-DE" sz="1100" dirty="0" smtClean="0"/>
+            <a:endParaRPr lang="de-DE" sz="1100" dirty="0"/>
           </a:p>
           <a:p>
             <a:pPr marL="228600" indent="-228600">
@@ -7463,7 +7400,7 @@
               <a:buFont typeface="+mj-lt"/>
               <a:buAutoNum type="arabicPeriod"/>
             </a:pPr>
-            <a:endParaRPr lang="de-DE" sz="1100" dirty="0" smtClean="0"/>
+            <a:endParaRPr lang="de-DE" sz="1100" dirty="0"/>
           </a:p>
           <a:p>
             <a:pPr marL="228600" indent="-228600">
@@ -7477,24 +7414,38 @@
               <a:buFont typeface="+mj-lt"/>
               <a:buAutoNum type="arabicPeriod"/>
             </a:pPr>
-            <a:endParaRPr lang="de-DE" sz="1100" dirty="0" smtClean="0"/>
+            <a:endParaRPr lang="de-DE" sz="1100" dirty="0"/>
           </a:p>
           <a:p>
             <a:pPr marL="228600" indent="-228600">
               <a:buFont typeface="+mj-lt"/>
               <a:buAutoNum type="arabicPeriod"/>
             </a:pPr>
-            <a:r>
-              <a:rPr lang="de-DE" sz="1200" dirty="0" smtClean="0"/>
+            <a:endParaRPr lang="de-DE" sz="1100" dirty="0"/>
+          </a:p>
+          <a:p>
+            <a:pPr marL="228600" indent="-228600">
+              <a:buFont typeface="+mj-lt"/>
+              <a:buAutoNum type="arabicPeriod"/>
+            </a:pPr>
+            <a:endParaRPr lang="de-DE" sz="1100" dirty="0"/>
+          </a:p>
+          <a:p>
+            <a:pPr marL="228600" indent="-228600">
+              <a:buFont typeface="+mj-lt"/>
+              <a:buAutoNum type="arabicPeriod"/>
+            </a:pPr>
+            <a:r>
+              <a:rPr lang="de-DE" sz="1200" dirty="0"/>
               <a:t>Arbeiten mit Maximal- und Minimal-Wertfunktionen (Mathematik </a:t>
             </a:r>
             <a:r>
-              <a:rPr lang="de-DE" sz="1200" dirty="0" smtClean="0">
+              <a:rPr lang="de-DE" sz="1200" dirty="0">
                 <a:sym typeface="Wingdings" panose="05000000000000000000" pitchFamily="2" charset="2"/>
               </a:rPr>
               <a:t> Mehr)</a:t>
             </a:r>
-            <a:endParaRPr lang="de-DE" sz="1200" dirty="0" smtClean="0"/>
+            <a:endParaRPr lang="de-DE" sz="1200" dirty="0"/>
           </a:p>
           <a:p>
             <a:pPr marL="685800" lvl="1" indent="-228600">
@@ -7502,29 +7453,29 @@
               <a:buAutoNum type="arabicPeriod"/>
             </a:pPr>
             <a:r>
-              <a:rPr lang="de-DE" sz="1100" dirty="0" smtClean="0"/>
+              <a:rPr lang="de-DE" sz="1100" dirty="0"/>
               <a:t>Unteren Grenzwert nicht unterschreiten</a:t>
             </a:r>
             <a:br>
-              <a:rPr lang="de-DE" sz="1100" dirty="0" smtClean="0"/>
+              <a:rPr lang="de-DE" sz="1100" dirty="0"/>
             </a:br>
             <a:r>
-              <a:rPr lang="de-DE" sz="1100" dirty="0" smtClean="0"/>
+              <a:rPr lang="de-DE" sz="1100" dirty="0"/>
               <a:t>(</a:t>
             </a:r>
             <a:r>
-              <a:rPr lang="de-DE" sz="1100" dirty="0" err="1" smtClean="0"/>
+              <a:rPr lang="de-DE" sz="1100" dirty="0" err="1"/>
               <a:t>akutellerWert</a:t>
             </a:r>
             <a:r>
-              <a:rPr lang="de-DE" sz="1100" dirty="0" smtClean="0"/>
+              <a:rPr lang="de-DE" sz="1100" dirty="0"/>
               <a:t> = -1; untere Grenze = 0</a:t>
             </a:r>
             <a:br>
-              <a:rPr lang="de-DE" sz="1100" dirty="0" smtClean="0"/>
+              <a:rPr lang="de-DE" sz="1100" dirty="0"/>
             </a:br>
             <a:r>
-              <a:rPr lang="de-DE" sz="1100" dirty="0" smtClean="0"/>
+              <a:rPr lang="de-DE" sz="1100" dirty="0"/>
               <a:t>der maximale Wert der beiden Zahlen ist der untere Grenzwert mit 0, dieser wird von der Maximalwertfunktion zurückgegeben)</a:t>
             </a:r>
           </a:p>
@@ -7540,14 +7491,14 @@
               <a:buFont typeface="+mj-lt"/>
               <a:buAutoNum type="arabicPeriod"/>
             </a:pPr>
-            <a:endParaRPr lang="de-DE" sz="500" dirty="0" smtClean="0"/>
+            <a:endParaRPr lang="de-DE" sz="500" dirty="0"/>
           </a:p>
           <a:p>
             <a:pPr marL="685800" lvl="1" indent="-228600">
               <a:buFont typeface="+mj-lt"/>
               <a:buAutoNum type="arabicPeriod"/>
             </a:pPr>
-            <a:endParaRPr lang="de-DE" sz="1100" dirty="0" smtClean="0"/>
+            <a:endParaRPr lang="de-DE" sz="1100" dirty="0"/>
           </a:p>
           <a:p>
             <a:pPr marL="685800" lvl="1" indent="-228600">
@@ -7555,14 +7506,14 @@
               <a:buAutoNum type="arabicPeriod"/>
             </a:pPr>
             <a:r>
-              <a:rPr lang="de-DE" sz="1100" dirty="0" smtClean="0"/>
+              <a:rPr lang="de-DE" sz="1100" dirty="0"/>
               <a:t>Oberen Grenzwert nicht überschreiten</a:t>
             </a:r>
             <a:br>
-              <a:rPr lang="de-DE" sz="1100" dirty="0" smtClean="0"/>
+              <a:rPr lang="de-DE" sz="1100" dirty="0"/>
             </a:br>
             <a:r>
-              <a:rPr lang="de-DE" sz="1100" dirty="0" smtClean="0"/>
+              <a:rPr lang="de-DE" sz="1100" dirty="0"/>
               <a:t>(analog  Unterer Grenzwert)</a:t>
             </a:r>
           </a:p>
@@ -7771,7 +7722,7 @@
           <a:lstStyle/>
           <a:p>
             <a:r>
-              <a:rPr lang="de-DE" sz="1200" dirty="0" smtClean="0"/>
+              <a:rPr lang="de-DE" sz="1200" dirty="0"/>
               <a:t>Der größere der beiden Werte wird ausgewählt</a:t>
             </a:r>
           </a:p>
@@ -7780,7 +7731,7 @@
           </a:p>
           <a:p>
             <a:r>
-              <a:rPr lang="de-DE" sz="1200" dirty="0" smtClean="0"/>
+              <a:rPr lang="de-DE" sz="1200" dirty="0"/>
               <a:t>Der kleiner der beiden Werte wird ausgewählt</a:t>
             </a:r>
           </a:p>
@@ -7809,20 +7760,19 @@
           <a:lstStyle/>
           <a:p>
             <a:r>
-              <a:rPr lang="de-DE" sz="900" dirty="0" smtClean="0"/>
+              <a:rPr lang="de-DE" sz="900" dirty="0"/>
               <a:t>Eine Produktion im Rahmen des KISS-MINT-Projektes (</a:t>
             </a:r>
             <a:r>
-              <a:rPr lang="de-DE" sz="900" dirty="0" smtClean="0">
+              <a:rPr lang="de-DE" sz="900" dirty="0">
                 <a:hlinkClick r:id="rId28"/>
               </a:rPr>
               <a:t>https://www.htw-dresden.de/kiss-mint</a:t>
             </a:r>
             <a:r>
-              <a:rPr lang="de-DE" sz="900" dirty="0" smtClean="0"/>
+              <a:rPr lang="de-DE" sz="900" dirty="0"/>
               <a:t>) an der HTW Dresden, gefördert durch die TÜV-Süd Stiftung. </a:t>
             </a:r>
-            <a:endParaRPr lang="de-DE" sz="900" dirty="0"/>
           </a:p>
         </p:txBody>
       </p:sp>
@@ -7850,40 +7800,19 @@
           <a:p>
             <a:pPr algn="r"/>
             <a:r>
-              <a:rPr lang="de-DE" sz="900" dirty="0" smtClean="0"/>
-              <a:t>Veröffentlicht unter CC </a:t>
-            </a:r>
-            <a:r>
               <a:rPr lang="de-DE" sz="900" dirty="0"/>
-              <a:t>BY SA </a:t>
-            </a:r>
-            <a:r>
-              <a:rPr lang="de-DE" sz="900" dirty="0" smtClean="0"/>
-              <a:t>(</a:t>
-            </a:r>
-            <a:r>
-              <a:rPr lang="de-DE" sz="900" dirty="0" smtClean="0">
-                <a:hlinkClick r:id="rId29"/>
-              </a:rPr>
-              <a:t>http</a:t>
+              <a:t>Veröffentlicht unter CC BY SA (</a:t>
             </a:r>
             <a:r>
               <a:rPr lang="de-DE" sz="900" dirty="0">
                 <a:hlinkClick r:id="rId29"/>
               </a:rPr>
-              <a:t>://creativecommons.org/licenses/by-sa/4.0</a:t>
-            </a:r>
-            <a:r>
-              <a:rPr lang="de-DE" sz="900" dirty="0" smtClean="0">
-                <a:hlinkClick r:id="rId29"/>
-              </a:rPr>
-              <a:t>/</a:t>
-            </a:r>
-            <a:r>
-              <a:rPr lang="de-DE" sz="900" dirty="0" smtClean="0"/>
+              <a:t>http://creativecommons.org/licenses/by-sa/4.0/</a:t>
+            </a:r>
+            <a:r>
+              <a:rPr lang="de-DE" sz="900" dirty="0"/>
               <a:t>)</a:t>
             </a:r>
-            <a:endParaRPr lang="de-DE" sz="900" dirty="0"/>
           </a:p>
         </p:txBody>
       </p:sp>
@@ -7897,13 +7826,6 @@
   <p:clrMapOvr>
     <a:masterClrMapping/>
   </p:clrMapOvr>
-  <p:timing>
-    <p:tnLst>
-      <p:par>
-        <p:cTn id="1" dur="indefinite" restart="never" nodeType="tmRoot"/>
-      </p:par>
-    </p:tnLst>
-  </p:timing>
 </p:sld>
 </file>
 

--- a/Handouts/CheatSheet.pptx
+++ b/Handouts/CheatSheet.pptx
@@ -244,7 +244,7 @@
           <a:p>
             <a:fld id="{31D5E980-3383-4622-8624-CB42A9705A03}" type="datetimeFigureOut">
               <a:rPr lang="de-DE" smtClean="0"/>
-              <a:t>27.01.2020</a:t>
+              <a:t>22.07.2020</a:t>
             </a:fld>
             <a:endParaRPr lang="de-DE"/>
           </a:p>
@@ -414,7 +414,7 @@
           <a:p>
             <a:fld id="{31D5E980-3383-4622-8624-CB42A9705A03}" type="datetimeFigureOut">
               <a:rPr lang="de-DE" smtClean="0"/>
-              <a:t>27.01.2020</a:t>
+              <a:t>22.07.2020</a:t>
             </a:fld>
             <a:endParaRPr lang="de-DE"/>
           </a:p>
@@ -594,7 +594,7 @@
           <a:p>
             <a:fld id="{31D5E980-3383-4622-8624-CB42A9705A03}" type="datetimeFigureOut">
               <a:rPr lang="de-DE" smtClean="0"/>
-              <a:t>27.01.2020</a:t>
+              <a:t>22.07.2020</a:t>
             </a:fld>
             <a:endParaRPr lang="de-DE"/>
           </a:p>
@@ -764,7 +764,7 @@
           <a:p>
             <a:fld id="{31D5E980-3383-4622-8624-CB42A9705A03}" type="datetimeFigureOut">
               <a:rPr lang="de-DE" smtClean="0"/>
-              <a:t>27.01.2020</a:t>
+              <a:t>22.07.2020</a:t>
             </a:fld>
             <a:endParaRPr lang="de-DE"/>
           </a:p>
@@ -1008,7 +1008,7 @@
           <a:p>
             <a:fld id="{31D5E980-3383-4622-8624-CB42A9705A03}" type="datetimeFigureOut">
               <a:rPr lang="de-DE" smtClean="0"/>
-              <a:t>27.01.2020</a:t>
+              <a:t>22.07.2020</a:t>
             </a:fld>
             <a:endParaRPr lang="de-DE"/>
           </a:p>
@@ -1240,7 +1240,7 @@
           <a:p>
             <a:fld id="{31D5E980-3383-4622-8624-CB42A9705A03}" type="datetimeFigureOut">
               <a:rPr lang="de-DE" smtClean="0"/>
-              <a:t>27.01.2020</a:t>
+              <a:t>22.07.2020</a:t>
             </a:fld>
             <a:endParaRPr lang="de-DE"/>
           </a:p>
@@ -1607,7 +1607,7 @@
           <a:p>
             <a:fld id="{31D5E980-3383-4622-8624-CB42A9705A03}" type="datetimeFigureOut">
               <a:rPr lang="de-DE" smtClean="0"/>
-              <a:t>27.01.2020</a:t>
+              <a:t>22.07.2020</a:t>
             </a:fld>
             <a:endParaRPr lang="de-DE"/>
           </a:p>
@@ -1725,7 +1725,7 @@
           <a:p>
             <a:fld id="{31D5E980-3383-4622-8624-CB42A9705A03}" type="datetimeFigureOut">
               <a:rPr lang="de-DE" smtClean="0"/>
-              <a:t>27.01.2020</a:t>
+              <a:t>22.07.2020</a:t>
             </a:fld>
             <a:endParaRPr lang="de-DE"/>
           </a:p>
@@ -1820,7 +1820,7 @@
           <a:p>
             <a:fld id="{31D5E980-3383-4622-8624-CB42A9705A03}" type="datetimeFigureOut">
               <a:rPr lang="de-DE" smtClean="0"/>
-              <a:t>27.01.2020</a:t>
+              <a:t>22.07.2020</a:t>
             </a:fld>
             <a:endParaRPr lang="de-DE"/>
           </a:p>
@@ -2097,7 +2097,7 @@
           <a:p>
             <a:fld id="{31D5E980-3383-4622-8624-CB42A9705A03}" type="datetimeFigureOut">
               <a:rPr lang="de-DE" smtClean="0"/>
-              <a:t>27.01.2020</a:t>
+              <a:t>22.07.2020</a:t>
             </a:fld>
             <a:endParaRPr lang="de-DE"/>
           </a:p>
@@ -2354,7 +2354,7 @@
           <a:p>
             <a:fld id="{31D5E980-3383-4622-8624-CB42A9705A03}" type="datetimeFigureOut">
               <a:rPr lang="de-DE" smtClean="0"/>
-              <a:t>27.01.2020</a:t>
+              <a:t>22.07.2020</a:t>
             </a:fld>
             <a:endParaRPr lang="de-DE"/>
           </a:p>
@@ -2567,7 +2567,7 @@
           <a:p>
             <a:fld id="{31D5E980-3383-4622-8624-CB42A9705A03}" type="datetimeFigureOut">
               <a:rPr lang="de-DE" smtClean="0"/>
-              <a:t>27.01.2020</a:t>
+              <a:t>22.07.2020</a:t>
             </a:fld>
             <a:endParaRPr lang="de-DE"/>
           </a:p>
@@ -2981,7 +2981,7 @@
         <p:spPr>
           <a:xfrm>
             <a:off x="5151255" y="501990"/>
-            <a:ext cx="1870157" cy="3231654"/>
+            <a:ext cx="1870157" cy="3046988"/>
           </a:xfrm>
           <a:prstGeom prst="rect">
             <a:avLst/>
@@ -3053,7 +3053,7 @@
             </a:br>
             <a:r>
               <a:rPr lang="de-DE" sz="1200" dirty="0"/>
-              <a:t>Zeichenketten oder Nummern in Laufschrift ausgeben</a:t>
+              <a:t>Texte oder Zahlen in Laufschrift ausgeben</a:t>
             </a:r>
           </a:p>
         </p:txBody>
@@ -3091,276 +3091,6 @@
           </a:p>
         </p:txBody>
       </p:sp>
-      <p:pic>
-        <p:nvPicPr>
-          <p:cNvPr id="7" name="Grafik 6"/>
-          <p:cNvPicPr>
-            <a:picLocks noChangeAspect="1"/>
-          </p:cNvPicPr>
-          <p:nvPr/>
-        </p:nvPicPr>
-        <p:blipFill>
-          <a:blip r:embed="rId2">
-            <a:extLst>
-              <a:ext uri="{28A0092B-C50C-407E-A947-70E740481C1C}">
-                <a14:useLocalDpi xmlns:a14="http://schemas.microsoft.com/office/drawing/2010/main" val="0"/>
-              </a:ext>
-            </a:extLst>
-          </a:blip>
-          <a:stretch>
-            <a:fillRect/>
-          </a:stretch>
-        </p:blipFill>
-        <p:spPr>
-          <a:xfrm>
-            <a:off x="10298799" y="265865"/>
-            <a:ext cx="1727289" cy="273064"/>
-          </a:xfrm>
-          <a:prstGeom prst="rect">
-            <a:avLst/>
-          </a:prstGeom>
-        </p:spPr>
-      </p:pic>
-      <p:pic>
-        <p:nvPicPr>
-          <p:cNvPr id="9" name="Grafik 8"/>
-          <p:cNvPicPr>
-            <a:picLocks noChangeAspect="1"/>
-          </p:cNvPicPr>
-          <p:nvPr/>
-        </p:nvPicPr>
-        <p:blipFill>
-          <a:blip r:embed="rId3">
-            <a:extLst>
-              <a:ext uri="{28A0092B-C50C-407E-A947-70E740481C1C}">
-                <a14:useLocalDpi xmlns:a14="http://schemas.microsoft.com/office/drawing/2010/main" val="0"/>
-              </a:ext>
-            </a:extLst>
-          </a:blip>
-          <a:stretch>
-            <a:fillRect/>
-          </a:stretch>
-        </p:blipFill>
-        <p:spPr>
-          <a:xfrm>
-            <a:off x="5725865" y="129333"/>
-            <a:ext cx="1727289" cy="273064"/>
-          </a:xfrm>
-          <a:prstGeom prst="rect">
-            <a:avLst/>
-          </a:prstGeom>
-        </p:spPr>
-      </p:pic>
-      <p:pic>
-        <p:nvPicPr>
-          <p:cNvPr id="10" name="Grafik 9"/>
-          <p:cNvPicPr>
-            <a:picLocks noChangeAspect="1"/>
-          </p:cNvPicPr>
-          <p:nvPr/>
-        </p:nvPicPr>
-        <p:blipFill>
-          <a:blip r:embed="rId4">
-            <a:extLst>
-              <a:ext uri="{28A0092B-C50C-407E-A947-70E740481C1C}">
-                <a14:useLocalDpi xmlns:a14="http://schemas.microsoft.com/office/drawing/2010/main" val="0"/>
-              </a:ext>
-            </a:extLst>
-          </a:blip>
-          <a:stretch>
-            <a:fillRect/>
-          </a:stretch>
-        </p:blipFill>
-        <p:spPr>
-          <a:xfrm>
-            <a:off x="5721493" y="7618052"/>
-            <a:ext cx="1727289" cy="273064"/>
-          </a:xfrm>
-          <a:prstGeom prst="rect">
-            <a:avLst/>
-          </a:prstGeom>
-        </p:spPr>
-      </p:pic>
-      <p:pic>
-        <p:nvPicPr>
-          <p:cNvPr id="11" name="Grafik 10"/>
-          <p:cNvPicPr>
-            <a:picLocks noChangeAspect="1"/>
-          </p:cNvPicPr>
-          <p:nvPr/>
-        </p:nvPicPr>
-        <p:blipFill>
-          <a:blip r:embed="rId5">
-            <a:extLst>
-              <a:ext uri="{28A0092B-C50C-407E-A947-70E740481C1C}">
-                <a14:useLocalDpi xmlns:a14="http://schemas.microsoft.com/office/drawing/2010/main" val="0"/>
-              </a:ext>
-            </a:extLst>
-          </a:blip>
-          <a:stretch>
-            <a:fillRect/>
-          </a:stretch>
-        </p:blipFill>
-        <p:spPr>
-          <a:xfrm>
-            <a:off x="10399427" y="6970778"/>
-            <a:ext cx="1727289" cy="273064"/>
-          </a:xfrm>
-          <a:prstGeom prst="rect">
-            <a:avLst/>
-          </a:prstGeom>
-        </p:spPr>
-      </p:pic>
-      <p:pic>
-        <p:nvPicPr>
-          <p:cNvPr id="12" name="Grafik 11"/>
-          <p:cNvPicPr>
-            <a:picLocks noChangeAspect="1"/>
-          </p:cNvPicPr>
-          <p:nvPr/>
-        </p:nvPicPr>
-        <p:blipFill>
-          <a:blip r:embed="rId6">
-            <a:extLst>
-              <a:ext uri="{28A0092B-C50C-407E-A947-70E740481C1C}">
-                <a14:useLocalDpi xmlns:a14="http://schemas.microsoft.com/office/drawing/2010/main" val="0"/>
-              </a:ext>
-            </a:extLst>
-          </a:blip>
-          <a:stretch>
-            <a:fillRect/>
-          </a:stretch>
-        </p:blipFill>
-        <p:spPr>
-          <a:xfrm>
-            <a:off x="5729759" y="3725002"/>
-            <a:ext cx="1727289" cy="273064"/>
-          </a:xfrm>
-          <a:prstGeom prst="rect">
-            <a:avLst/>
-          </a:prstGeom>
-        </p:spPr>
-      </p:pic>
-      <p:pic>
-        <p:nvPicPr>
-          <p:cNvPr id="13" name="Grafik 12"/>
-          <p:cNvPicPr>
-            <a:picLocks noChangeAspect="1"/>
-          </p:cNvPicPr>
-          <p:nvPr/>
-        </p:nvPicPr>
-        <p:blipFill>
-          <a:blip r:embed="rId7">
-            <a:extLst>
-              <a:ext uri="{28A0092B-C50C-407E-A947-70E740481C1C}">
-                <a14:useLocalDpi xmlns:a14="http://schemas.microsoft.com/office/drawing/2010/main" val="0"/>
-              </a:ext>
-            </a:extLst>
-          </a:blip>
-          <a:stretch>
-            <a:fillRect/>
-          </a:stretch>
-        </p:blipFill>
-        <p:spPr>
-          <a:xfrm>
-            <a:off x="5721492" y="6603321"/>
-            <a:ext cx="1727289" cy="273064"/>
-          </a:xfrm>
-          <a:prstGeom prst="rect">
-            <a:avLst/>
-          </a:prstGeom>
-        </p:spPr>
-      </p:pic>
-      <p:pic>
-        <p:nvPicPr>
-          <p:cNvPr id="14" name="Grafik 13"/>
-          <p:cNvPicPr>
-            <a:picLocks noChangeAspect="1"/>
-          </p:cNvPicPr>
-          <p:nvPr/>
-        </p:nvPicPr>
-        <p:blipFill>
-          <a:blip r:embed="rId8">
-            <a:extLst>
-              <a:ext uri="{28A0092B-C50C-407E-A947-70E740481C1C}">
-                <a14:useLocalDpi xmlns:a14="http://schemas.microsoft.com/office/drawing/2010/main" val="0"/>
-              </a:ext>
-            </a:extLst>
-          </a:blip>
-          <a:stretch>
-            <a:fillRect/>
-          </a:stretch>
-        </p:blipFill>
-        <p:spPr>
-          <a:xfrm>
-            <a:off x="5721492" y="5005632"/>
-            <a:ext cx="1727289" cy="273064"/>
-          </a:xfrm>
-          <a:prstGeom prst="rect">
-            <a:avLst/>
-          </a:prstGeom>
-        </p:spPr>
-      </p:pic>
-      <p:pic>
-        <p:nvPicPr>
-          <p:cNvPr id="15" name="Grafik 14"/>
-          <p:cNvPicPr>
-            <a:picLocks noChangeAspect="1"/>
-          </p:cNvPicPr>
-          <p:nvPr/>
-        </p:nvPicPr>
-        <p:blipFill>
-          <a:blip r:embed="rId9">
-            <a:extLst>
-              <a:ext uri="{28A0092B-C50C-407E-A947-70E740481C1C}">
-                <a14:useLocalDpi xmlns:a14="http://schemas.microsoft.com/office/drawing/2010/main" val="0"/>
-              </a:ext>
-            </a:extLst>
-          </a:blip>
-          <a:stretch>
-            <a:fillRect/>
-          </a:stretch>
-        </p:blipFill>
-        <p:spPr>
-          <a:xfrm>
-            <a:off x="10298798" y="4395973"/>
-            <a:ext cx="1727289" cy="273064"/>
-          </a:xfrm>
-          <a:prstGeom prst="rect">
-            <a:avLst/>
-          </a:prstGeom>
-        </p:spPr>
-      </p:pic>
-      <p:pic>
-        <p:nvPicPr>
-          <p:cNvPr id="16" name="Grafik 15"/>
-          <p:cNvPicPr>
-            <a:picLocks noChangeAspect="1"/>
-          </p:cNvPicPr>
-          <p:nvPr/>
-        </p:nvPicPr>
-        <p:blipFill>
-          <a:blip r:embed="rId10">
-            <a:extLst>
-              <a:ext uri="{28A0092B-C50C-407E-A947-70E740481C1C}">
-                <a14:useLocalDpi xmlns:a14="http://schemas.microsoft.com/office/drawing/2010/main" val="0"/>
-              </a:ext>
-            </a:extLst>
-          </a:blip>
-          <a:stretch>
-            <a:fillRect/>
-          </a:stretch>
-        </p:blipFill>
-        <p:spPr>
-          <a:xfrm>
-            <a:off x="10298799" y="2982363"/>
-            <a:ext cx="1727289" cy="273064"/>
-          </a:xfrm>
-          <a:prstGeom prst="rect">
-            <a:avLst/>
-          </a:prstGeom>
-        </p:spPr>
-      </p:pic>
       <p:sp>
         <p:nvSpPr>
           <p:cNvPr id="18" name="Inhaltsplatzhalter 3"/>
@@ -3560,9 +3290,82 @@
             </a:r>
             <a:r>
               <a:rPr lang="de-DE" b="1" dirty="0"/>
-              <a:t>makecode.calliope.cc</a:t>
-            </a:r>
-            <a:endParaRPr lang="de-DE" dirty="0"/>
+              <a:t>makecode.calliope.cc/</a:t>
+            </a:r>
+            <a:r>
+              <a:rPr lang="de-DE" b="1" dirty="0" err="1"/>
+              <a:t>beta</a:t>
+            </a:r>
+            <a:endParaRPr lang="de-DE" b="1" dirty="0"/>
+          </a:p>
+          <a:p>
+            <a:pPr marL="228600" lvl="0" indent="-228600">
+              <a:spcBef>
+                <a:spcPts val="0"/>
+              </a:spcBef>
+              <a:buFont typeface="+mj-lt"/>
+              <a:buAutoNum type="arabicPeriod"/>
+            </a:pPr>
+            <a:endParaRPr lang="de-DE" b="1" dirty="0"/>
+          </a:p>
+          <a:p>
+            <a:pPr marL="228600" indent="-228600">
+              <a:spcBef>
+                <a:spcPts val="0"/>
+              </a:spcBef>
+              <a:buFont typeface="+mj-lt"/>
+              <a:buAutoNum type="arabicPeriod"/>
+            </a:pPr>
+            <a:r>
+              <a:rPr lang="de-DE" dirty="0"/>
+              <a:t>Wähle nun einen Namen für das Programm, z.B. «</a:t>
+            </a:r>
+            <a:r>
+              <a:rPr lang="de-DE" dirty="0" err="1"/>
+              <a:t>mein_Code</a:t>
+            </a:r>
+            <a:r>
+              <a:rPr lang="de-DE" dirty="0"/>
+              <a:t>».</a:t>
+            </a:r>
+          </a:p>
+          <a:p>
+            <a:pPr marL="228600" indent="-228600">
+              <a:spcBef>
+                <a:spcPts val="0"/>
+              </a:spcBef>
+              <a:buFont typeface="+mj-lt"/>
+              <a:buAutoNum type="arabicPeriod"/>
+            </a:pPr>
+            <a:endParaRPr lang="de-DE" sz="1000" dirty="0"/>
+          </a:p>
+          <a:p>
+            <a:pPr marL="228600" lvl="0" indent="-228600">
+              <a:spcBef>
+                <a:spcPts val="0"/>
+              </a:spcBef>
+              <a:buFont typeface="+mj-lt"/>
+              <a:buAutoNum type="arabicPeriod"/>
+            </a:pPr>
+            <a:r>
+              <a:rPr lang="de-DE" dirty="0"/>
+              <a:t>Die Erstellung des Beispielcodes </a:t>
+            </a:r>
+            <a:br>
+              <a:rPr lang="de-DE" dirty="0"/>
+            </a:br>
+            <a:r>
+              <a:rPr lang="de-DE" dirty="0"/>
+              <a:t>„</a:t>
+            </a:r>
+            <a:r>
+              <a:rPr lang="de-DE" dirty="0" err="1"/>
+              <a:t>Hello</a:t>
+            </a:r>
+            <a:r>
+              <a:rPr lang="de-DE" dirty="0"/>
+              <a:t> World“</a:t>
+            </a:r>
           </a:p>
           <a:p>
             <a:pPr marL="228600" lvl="0" indent="-228600">
@@ -3575,65 +3378,6 @@
             <a:endParaRPr lang="de-DE" sz="1000" dirty="0"/>
           </a:p>
           <a:p>
-            <a:pPr marL="228600" lvl="0" indent="-228600">
-              <a:spcBef>
-                <a:spcPts val="0"/>
-              </a:spcBef>
-              <a:buFont typeface="+mj-lt"/>
-              <a:buAutoNum type="arabicPeriod"/>
-            </a:pPr>
-            <a:r>
-              <a:rPr lang="de-DE" dirty="0"/>
-              <a:t>Die Erstellung des Beispielcodes </a:t>
-            </a:r>
-            <a:br>
-              <a:rPr lang="de-DE" dirty="0"/>
-            </a:br>
-            <a:r>
-              <a:rPr lang="de-DE" dirty="0"/>
-              <a:t>„</a:t>
-            </a:r>
-            <a:r>
-              <a:rPr lang="de-DE" dirty="0" err="1"/>
-              <a:t>Hello</a:t>
-            </a:r>
-            <a:r>
-              <a:rPr lang="de-DE" dirty="0"/>
-              <a:t> World“</a:t>
-            </a:r>
-          </a:p>
-          <a:p>
-            <a:pPr marL="228600" lvl="0" indent="-228600">
-              <a:spcBef>
-                <a:spcPts val="0"/>
-              </a:spcBef>
-              <a:buFont typeface="+mj-lt"/>
-              <a:buAutoNum type="arabicPeriod"/>
-            </a:pPr>
-            <a:endParaRPr lang="de-DE" sz="1000" dirty="0"/>
-          </a:p>
-          <a:p>
-            <a:pPr marL="228600" lvl="0" indent="-228600">
-              <a:spcBef>
-                <a:spcPts val="0"/>
-              </a:spcBef>
-              <a:buFont typeface="+mj-lt"/>
-              <a:buAutoNum type="arabicPeriod"/>
-            </a:pPr>
-            <a:r>
-              <a:rPr lang="de-DE" dirty="0"/>
-              <a:t>Wähle nun einen Namen für das Programm, z.B. «</a:t>
-            </a:r>
-            <a:r>
-              <a:rPr lang="de-DE" dirty="0" err="1"/>
-              <a:t>mein_Code</a:t>
-            </a:r>
-            <a:r>
-              <a:rPr lang="de-DE" dirty="0"/>
-              <a:t>».</a:t>
-            </a:r>
-          </a:p>
-          <a:p>
             <a:pPr marL="228600" indent="-228600">
               <a:spcBef>
                 <a:spcPts val="0"/>
@@ -3799,64 +3543,6 @@
       </p:sp>
       <p:pic>
         <p:nvPicPr>
-          <p:cNvPr id="19" name="Grafik 18"/>
-          <p:cNvPicPr/>
-          <p:nvPr/>
-        </p:nvPicPr>
-        <p:blipFill>
-          <a:blip r:embed="rId11" cstate="print">
-            <a:extLst>
-              <a:ext uri="{28A0092B-C50C-407E-A947-70E740481C1C}">
-                <a14:useLocalDpi xmlns:a14="http://schemas.microsoft.com/office/drawing/2010/main" val="0"/>
-              </a:ext>
-            </a:extLst>
-          </a:blip>
-          <a:stretch>
-            <a:fillRect/>
-          </a:stretch>
-        </p:blipFill>
-        <p:spPr>
-          <a:xfrm>
-            <a:off x="3407281" y="2117817"/>
-            <a:ext cx="1097336" cy="190510"/>
-          </a:xfrm>
-          <a:prstGeom prst="rect">
-            <a:avLst/>
-          </a:prstGeom>
-        </p:spPr>
-      </p:pic>
-      <p:pic>
-        <p:nvPicPr>
-          <p:cNvPr id="20" name="Grafik 19"/>
-          <p:cNvPicPr>
-            <a:picLocks noChangeAspect="1"/>
-          </p:cNvPicPr>
-          <p:nvPr/>
-        </p:nvPicPr>
-        <p:blipFill>
-          <a:blip r:embed="rId12" cstate="print">
-            <a:extLst>
-              <a:ext uri="{28A0092B-C50C-407E-A947-70E740481C1C}">
-                <a14:useLocalDpi xmlns:a14="http://schemas.microsoft.com/office/drawing/2010/main" val="0"/>
-              </a:ext>
-            </a:extLst>
-          </a:blip>
-          <a:stretch>
-            <a:fillRect/>
-          </a:stretch>
-        </p:blipFill>
-        <p:spPr>
-          <a:xfrm>
-            <a:off x="3537203" y="2567531"/>
-            <a:ext cx="1074475" cy="259093"/>
-          </a:xfrm>
-          <a:prstGeom prst="rect">
-            <a:avLst/>
-          </a:prstGeom>
-        </p:spPr>
-      </p:pic>
-      <p:pic>
-        <p:nvPicPr>
           <p:cNvPr id="21" name="Grafik 20"/>
           <p:cNvPicPr>
             <a:picLocks noChangeAspect="1"/>
@@ -3864,7 +3550,7 @@
           <p:nvPr/>
         </p:nvPicPr>
         <p:blipFill rotWithShape="1">
-          <a:blip r:embed="rId13" cstate="print">
+          <a:blip r:embed="rId2" cstate="print">
             <a:extLst>
               <a:ext uri="{28A0092B-C50C-407E-A947-70E740481C1C}">
                 <a14:useLocalDpi xmlns:a14="http://schemas.microsoft.com/office/drawing/2010/main" val="0"/>
@@ -3876,7 +3562,7 @@
         </p:blipFill>
         <p:spPr bwMode="auto">
           <a:xfrm>
-            <a:off x="3344978" y="3064456"/>
+            <a:off x="3324358" y="3343628"/>
             <a:ext cx="1596378" cy="2209914"/>
           </a:xfrm>
           <a:prstGeom prst="rect">
@@ -3900,7 +3586,7 @@
         </p:nvSpPr>
         <p:spPr>
           <a:xfrm>
-            <a:off x="4206297" y="3514269"/>
+            <a:off x="4196205" y="3795879"/>
             <a:ext cx="771304" cy="299452"/>
           </a:xfrm>
           <a:prstGeom prst="ellipse">
@@ -4042,7 +3728,7 @@
         </p:nvSpPr>
         <p:spPr>
           <a:xfrm>
-            <a:off x="3379503" y="4904512"/>
+            <a:off x="3369411" y="5186122"/>
             <a:ext cx="463942" cy="252170"/>
           </a:xfrm>
           <a:prstGeom prst="ellipse">
@@ -4186,7 +3872,7 @@
         </p:nvCxnSpPr>
         <p:spPr>
           <a:xfrm flipH="1">
-            <a:off x="3843445" y="3813721"/>
+            <a:off x="3833353" y="4095331"/>
             <a:ext cx="674639" cy="1216876"/>
           </a:xfrm>
           <a:prstGeom prst="straightConnector1">
@@ -4216,14 +3902,14 @@
       </p:cxnSp>
       <p:pic>
         <p:nvPicPr>
-          <p:cNvPr id="25" name="Grafik 24"/>
+          <p:cNvPr id="67" name="Grafik 66"/>
           <p:cNvPicPr>
             <a:picLocks noChangeAspect="1"/>
           </p:cNvPicPr>
           <p:nvPr/>
         </p:nvPicPr>
         <p:blipFill>
-          <a:blip r:embed="rId14">
+          <a:blip r:embed="rId3">
             <a:extLst>
               <a:ext uri="{28A0092B-C50C-407E-A947-70E740481C1C}">
                 <a14:useLocalDpi xmlns:a14="http://schemas.microsoft.com/office/drawing/2010/main" val="0"/>
@@ -4236,248 +3922,8 @@
         </p:blipFill>
         <p:spPr>
           <a:xfrm>
-            <a:off x="2739637" y="1521586"/>
-            <a:ext cx="1991111" cy="436825"/>
-          </a:xfrm>
-          <a:prstGeom prst="rect">
-            <a:avLst/>
-          </a:prstGeom>
-        </p:spPr>
-      </p:pic>
-      <p:pic>
-        <p:nvPicPr>
-          <p:cNvPr id="63" name="Grafik 62"/>
-          <p:cNvPicPr>
-            <a:picLocks noChangeAspect="1"/>
-          </p:cNvPicPr>
-          <p:nvPr/>
-        </p:nvPicPr>
-        <p:blipFill>
-          <a:blip r:embed="rId15">
-            <a:extLst>
-              <a:ext uri="{28A0092B-C50C-407E-A947-70E740481C1C}">
-                <a14:useLocalDpi xmlns:a14="http://schemas.microsoft.com/office/drawing/2010/main" val="0"/>
-              </a:ext>
-            </a:extLst>
-          </a:blip>
-          <a:stretch>
-            <a:fillRect/>
-          </a:stretch>
-        </p:blipFill>
-        <p:spPr>
-          <a:xfrm>
-            <a:off x="6863737" y="5816432"/>
-            <a:ext cx="2165461" cy="254013"/>
-          </a:xfrm>
-          <a:prstGeom prst="rect">
-            <a:avLst/>
-          </a:prstGeom>
-        </p:spPr>
-      </p:pic>
-      <p:pic>
-        <p:nvPicPr>
-          <p:cNvPr id="64" name="Grafik 63"/>
-          <p:cNvPicPr>
-            <a:picLocks noChangeAspect="1"/>
-          </p:cNvPicPr>
-          <p:nvPr/>
-        </p:nvPicPr>
-        <p:blipFill>
-          <a:blip r:embed="rId16">
-            <a:extLst>
-              <a:ext uri="{28A0092B-C50C-407E-A947-70E740481C1C}">
-                <a14:useLocalDpi xmlns:a14="http://schemas.microsoft.com/office/drawing/2010/main" val="0"/>
-              </a:ext>
-            </a:extLst>
-          </a:blip>
-          <a:stretch>
-            <a:fillRect/>
-          </a:stretch>
-        </p:blipFill>
-        <p:spPr>
-          <a:xfrm>
-            <a:off x="11136392" y="3690938"/>
-            <a:ext cx="1524078" cy="184159"/>
-          </a:xfrm>
-          <a:prstGeom prst="rect">
-            <a:avLst/>
-          </a:prstGeom>
-        </p:spPr>
-      </p:pic>
-      <p:pic>
-        <p:nvPicPr>
-          <p:cNvPr id="65" name="Grafik 64"/>
-          <p:cNvPicPr>
-            <a:picLocks noChangeAspect="1"/>
-          </p:cNvPicPr>
-          <p:nvPr/>
-        </p:nvPicPr>
-        <p:blipFill>
-          <a:blip r:embed="rId17">
-            <a:extLst>
-              <a:ext uri="{28A0092B-C50C-407E-A947-70E740481C1C}">
-                <a14:useLocalDpi xmlns:a14="http://schemas.microsoft.com/office/drawing/2010/main" val="0"/>
-              </a:ext>
-            </a:extLst>
-          </a:blip>
-          <a:stretch>
-            <a:fillRect/>
-          </a:stretch>
-        </p:blipFill>
-        <p:spPr>
-          <a:xfrm>
-            <a:off x="11130041" y="3953102"/>
-            <a:ext cx="1530429" cy="254013"/>
-          </a:xfrm>
-          <a:prstGeom prst="rect">
-            <a:avLst/>
-          </a:prstGeom>
-        </p:spPr>
-      </p:pic>
-      <p:pic>
-        <p:nvPicPr>
-          <p:cNvPr id="66" name="Grafik 65"/>
-          <p:cNvPicPr>
-            <a:picLocks noChangeAspect="1"/>
-          </p:cNvPicPr>
-          <p:nvPr/>
-        </p:nvPicPr>
-        <p:blipFill>
-          <a:blip r:embed="rId18">
-            <a:extLst>
-              <a:ext uri="{28A0092B-C50C-407E-A947-70E740481C1C}">
-                <a14:useLocalDpi xmlns:a14="http://schemas.microsoft.com/office/drawing/2010/main" val="0"/>
-              </a:ext>
-            </a:extLst>
-          </a:blip>
-          <a:stretch>
-            <a:fillRect/>
-          </a:stretch>
-        </p:blipFill>
-        <p:spPr>
-          <a:xfrm>
-            <a:off x="6851355" y="862268"/>
-            <a:ext cx="550928" cy="345795"/>
-          </a:xfrm>
-          <a:prstGeom prst="rect">
-            <a:avLst/>
-          </a:prstGeom>
-        </p:spPr>
-      </p:pic>
-      <p:pic>
-        <p:nvPicPr>
-          <p:cNvPr id="67" name="Grafik 66"/>
-          <p:cNvPicPr>
-            <a:picLocks noChangeAspect="1"/>
-          </p:cNvPicPr>
-          <p:nvPr/>
-        </p:nvPicPr>
-        <p:blipFill>
-          <a:blip r:embed="rId19">
-            <a:extLst>
-              <a:ext uri="{28A0092B-C50C-407E-A947-70E740481C1C}">
-                <a14:useLocalDpi xmlns:a14="http://schemas.microsoft.com/office/drawing/2010/main" val="0"/>
-              </a:ext>
-            </a:extLst>
-          </a:blip>
-          <a:stretch>
-            <a:fillRect/>
-          </a:stretch>
-        </p:blipFill>
-        <p:spPr>
-          <a:xfrm>
             <a:off x="11130042" y="661680"/>
             <a:ext cx="1441524" cy="165108"/>
-          </a:xfrm>
-          <a:prstGeom prst="rect">
-            <a:avLst/>
-          </a:prstGeom>
-        </p:spPr>
-      </p:pic>
-      <p:pic>
-        <p:nvPicPr>
-          <p:cNvPr id="68" name="Grafik 67"/>
-          <p:cNvPicPr>
-            <a:picLocks noChangeAspect="1"/>
-          </p:cNvPicPr>
-          <p:nvPr/>
-        </p:nvPicPr>
-        <p:blipFill>
-          <a:blip r:embed="rId20">
-            <a:extLst>
-              <a:ext uri="{28A0092B-C50C-407E-A947-70E740481C1C}">
-                <a14:useLocalDpi xmlns:a14="http://schemas.microsoft.com/office/drawing/2010/main" val="0"/>
-              </a:ext>
-            </a:extLst>
-          </a:blip>
-          <a:stretch>
-            <a:fillRect/>
-          </a:stretch>
-        </p:blipFill>
-        <p:spPr>
-          <a:xfrm>
-            <a:off x="6851355" y="491095"/>
-            <a:ext cx="640113" cy="348633"/>
-          </a:xfrm>
-          <a:prstGeom prst="rect">
-            <a:avLst/>
-          </a:prstGeom>
-        </p:spPr>
-      </p:pic>
-      <p:pic>
-        <p:nvPicPr>
-          <p:cNvPr id="69" name="Grafik 68"/>
-          <p:cNvPicPr>
-            <a:picLocks noChangeAspect="1"/>
-          </p:cNvPicPr>
-          <p:nvPr/>
-        </p:nvPicPr>
-        <p:blipFill>
-          <a:blip r:embed="rId21">
-            <a:extLst>
-              <a:ext uri="{28A0092B-C50C-407E-A947-70E740481C1C}">
-                <a14:useLocalDpi xmlns:a14="http://schemas.microsoft.com/office/drawing/2010/main" val="0"/>
-              </a:ext>
-            </a:extLst>
-          </a:blip>
-          <a:stretch>
-            <a:fillRect/>
-          </a:stretch>
-        </p:blipFill>
-        <p:spPr>
-          <a:xfrm>
-            <a:off x="11130041" y="5583816"/>
-            <a:ext cx="1441524" cy="476274"/>
-          </a:xfrm>
-          <a:prstGeom prst="rect">
-            <a:avLst/>
-          </a:prstGeom>
-        </p:spPr>
-      </p:pic>
-      <p:pic>
-        <p:nvPicPr>
-          <p:cNvPr id="71" name="Grafik 70"/>
-          <p:cNvPicPr>
-            <a:picLocks noChangeAspect="1"/>
-          </p:cNvPicPr>
-          <p:nvPr/>
-        </p:nvPicPr>
-        <p:blipFill>
-          <a:blip r:embed="rId22">
-            <a:extLst>
-              <a:ext uri="{28A0092B-C50C-407E-A947-70E740481C1C}">
-                <a14:useLocalDpi xmlns:a14="http://schemas.microsoft.com/office/drawing/2010/main" val="0"/>
-              </a:ext>
-            </a:extLst>
-          </a:blip>
-          <a:stretch>
-            <a:fillRect/>
-          </a:stretch>
-        </p:blipFill>
-        <p:spPr>
-          <a:xfrm>
-            <a:off x="6849840" y="6190246"/>
-            <a:ext cx="1911448" cy="260363"/>
           </a:xfrm>
           <a:prstGeom prst="rect">
             <a:avLst/>
@@ -4493,7 +3939,7 @@
           <p:nvPr/>
         </p:nvPicPr>
         <p:blipFill>
-          <a:blip r:embed="rId23">
+          <a:blip r:embed="rId4">
             <a:extLst>
               <a:ext uri="{28A0092B-C50C-407E-A947-70E740481C1C}">
                 <a14:useLocalDpi xmlns:a14="http://schemas.microsoft.com/office/drawing/2010/main" val="0"/>
@@ -4523,7 +3969,7 @@
           <p:nvPr/>
         </p:nvPicPr>
         <p:blipFill>
-          <a:blip r:embed="rId24">
+          <a:blip r:embed="rId5">
             <a:extLst>
               <a:ext uri="{28A0092B-C50C-407E-A947-70E740481C1C}">
                 <a14:useLocalDpi xmlns:a14="http://schemas.microsoft.com/office/drawing/2010/main" val="0"/>
@@ -4538,246 +3984,6 @@
           <a:xfrm>
             <a:off x="11130042" y="1272785"/>
             <a:ext cx="857294" cy="165108"/>
-          </a:xfrm>
-          <a:prstGeom prst="rect">
-            <a:avLst/>
-          </a:prstGeom>
-        </p:spPr>
-      </p:pic>
-      <p:pic>
-        <p:nvPicPr>
-          <p:cNvPr id="74" name="Grafik 73"/>
-          <p:cNvPicPr>
-            <a:picLocks noChangeAspect="1"/>
-          </p:cNvPicPr>
-          <p:nvPr/>
-        </p:nvPicPr>
-        <p:blipFill>
-          <a:blip r:embed="rId25">
-            <a:extLst>
-              <a:ext uri="{28A0092B-C50C-407E-A947-70E740481C1C}">
-                <a14:useLocalDpi xmlns:a14="http://schemas.microsoft.com/office/drawing/2010/main" val="0"/>
-              </a:ext>
-            </a:extLst>
-          </a:blip>
-          <a:stretch>
-            <a:fillRect/>
-          </a:stretch>
-        </p:blipFill>
-        <p:spPr>
-          <a:xfrm>
-            <a:off x="6849840" y="4556986"/>
-            <a:ext cx="901746" cy="228612"/>
-          </a:xfrm>
-          <a:prstGeom prst="rect">
-            <a:avLst/>
-          </a:prstGeom>
-        </p:spPr>
-      </p:pic>
-      <p:pic>
-        <p:nvPicPr>
-          <p:cNvPr id="75" name="Grafik 74"/>
-          <p:cNvPicPr>
-            <a:picLocks noChangeAspect="1"/>
-          </p:cNvPicPr>
-          <p:nvPr/>
-        </p:nvPicPr>
-        <p:blipFill>
-          <a:blip r:embed="rId26">
-            <a:extLst>
-              <a:ext uri="{28A0092B-C50C-407E-A947-70E740481C1C}">
-                <a14:useLocalDpi xmlns:a14="http://schemas.microsoft.com/office/drawing/2010/main" val="0"/>
-              </a:ext>
-            </a:extLst>
-          </a:blip>
-          <a:stretch>
-            <a:fillRect/>
-          </a:stretch>
-        </p:blipFill>
-        <p:spPr>
-          <a:xfrm>
-            <a:off x="6842456" y="7105924"/>
-            <a:ext cx="1225613" cy="254013"/>
-          </a:xfrm>
-          <a:prstGeom prst="rect">
-            <a:avLst/>
-          </a:prstGeom>
-        </p:spPr>
-      </p:pic>
-      <p:pic>
-        <p:nvPicPr>
-          <p:cNvPr id="76" name="Grafik 75"/>
-          <p:cNvPicPr>
-            <a:picLocks noChangeAspect="1"/>
-          </p:cNvPicPr>
-          <p:nvPr/>
-        </p:nvPicPr>
-        <p:blipFill>
-          <a:blip r:embed="rId27">
-            <a:extLst>
-              <a:ext uri="{28A0092B-C50C-407E-A947-70E740481C1C}">
-                <a14:useLocalDpi xmlns:a14="http://schemas.microsoft.com/office/drawing/2010/main" val="0"/>
-              </a:ext>
-            </a:extLst>
-          </a:blip>
-          <a:stretch>
-            <a:fillRect/>
-          </a:stretch>
-        </p:blipFill>
-        <p:spPr>
-          <a:xfrm>
-            <a:off x="6853498" y="1254060"/>
-            <a:ext cx="1154489" cy="228612"/>
-          </a:xfrm>
-          <a:prstGeom prst="rect">
-            <a:avLst/>
-          </a:prstGeom>
-        </p:spPr>
-      </p:pic>
-      <p:pic>
-        <p:nvPicPr>
-          <p:cNvPr id="77" name="Grafik 76"/>
-          <p:cNvPicPr>
-            <a:picLocks noChangeAspect="1"/>
-          </p:cNvPicPr>
-          <p:nvPr/>
-        </p:nvPicPr>
-        <p:blipFill>
-          <a:blip r:embed="rId28">
-            <a:extLst>
-              <a:ext uri="{28A0092B-C50C-407E-A947-70E740481C1C}">
-                <a14:useLocalDpi xmlns:a14="http://schemas.microsoft.com/office/drawing/2010/main" val="0"/>
-              </a:ext>
-            </a:extLst>
-          </a:blip>
-          <a:stretch>
-            <a:fillRect/>
-          </a:stretch>
-        </p:blipFill>
-        <p:spPr>
-          <a:xfrm>
-            <a:off x="11130042" y="3383208"/>
-            <a:ext cx="793791" cy="158758"/>
-          </a:xfrm>
-          <a:prstGeom prst="rect">
-            <a:avLst/>
-          </a:prstGeom>
-        </p:spPr>
-      </p:pic>
-      <p:pic>
-        <p:nvPicPr>
-          <p:cNvPr id="78" name="Grafik 77"/>
-          <p:cNvPicPr>
-            <a:picLocks noChangeAspect="1"/>
-          </p:cNvPicPr>
-          <p:nvPr/>
-        </p:nvPicPr>
-        <p:blipFill>
-          <a:blip r:embed="rId29">
-            <a:extLst>
-              <a:ext uri="{28A0092B-C50C-407E-A947-70E740481C1C}">
-                <a14:useLocalDpi xmlns:a14="http://schemas.microsoft.com/office/drawing/2010/main" val="0"/>
-              </a:ext>
-            </a:extLst>
-          </a:blip>
-          <a:stretch>
-            <a:fillRect/>
-          </a:stretch>
-        </p:blipFill>
-        <p:spPr>
-          <a:xfrm>
-            <a:off x="6846983" y="8686710"/>
-            <a:ext cx="1525983" cy="228612"/>
-          </a:xfrm>
-          <a:prstGeom prst="rect">
-            <a:avLst/>
-          </a:prstGeom>
-        </p:spPr>
-      </p:pic>
-      <p:pic>
-        <p:nvPicPr>
-          <p:cNvPr id="79" name="Grafik 78"/>
-          <p:cNvPicPr>
-            <a:picLocks noChangeAspect="1"/>
-          </p:cNvPicPr>
-          <p:nvPr/>
-        </p:nvPicPr>
-        <p:blipFill>
-          <a:blip r:embed="rId30">
-            <a:extLst>
-              <a:ext uri="{28A0092B-C50C-407E-A947-70E740481C1C}">
-                <a14:useLocalDpi xmlns:a14="http://schemas.microsoft.com/office/drawing/2010/main" val="0"/>
-              </a:ext>
-            </a:extLst>
-          </a:blip>
-          <a:stretch>
-            <a:fillRect/>
-          </a:stretch>
-        </p:blipFill>
-        <p:spPr>
-          <a:xfrm>
-            <a:off x="6821151" y="9089348"/>
-            <a:ext cx="1651720" cy="228612"/>
-          </a:xfrm>
-          <a:prstGeom prst="rect">
-            <a:avLst/>
-          </a:prstGeom>
-        </p:spPr>
-      </p:pic>
-      <p:pic>
-        <p:nvPicPr>
-          <p:cNvPr id="82" name="Grafik 81"/>
-          <p:cNvPicPr>
-            <a:picLocks noChangeAspect="1"/>
-          </p:cNvPicPr>
-          <p:nvPr/>
-        </p:nvPicPr>
-        <p:blipFill>
-          <a:blip r:embed="rId31">
-            <a:extLst>
-              <a:ext uri="{28A0092B-C50C-407E-A947-70E740481C1C}">
-                <a14:useLocalDpi xmlns:a14="http://schemas.microsoft.com/office/drawing/2010/main" val="0"/>
-              </a:ext>
-            </a:extLst>
-          </a:blip>
-          <a:stretch>
-            <a:fillRect/>
-          </a:stretch>
-        </p:blipFill>
-        <p:spPr>
-          <a:xfrm>
-            <a:off x="6851355" y="1604916"/>
-            <a:ext cx="1646005" cy="234327"/>
-          </a:xfrm>
-          <a:prstGeom prst="rect">
-            <a:avLst/>
-          </a:prstGeom>
-        </p:spPr>
-      </p:pic>
-      <p:pic>
-        <p:nvPicPr>
-          <p:cNvPr id="83" name="Grafik 82"/>
-          <p:cNvPicPr>
-            <a:picLocks noChangeAspect="1"/>
-          </p:cNvPicPr>
-          <p:nvPr/>
-        </p:nvPicPr>
-        <p:blipFill>
-          <a:blip r:embed="rId32">
-            <a:extLst>
-              <a:ext uri="{28A0092B-C50C-407E-A947-70E740481C1C}">
-                <a14:useLocalDpi xmlns:a14="http://schemas.microsoft.com/office/drawing/2010/main" val="0"/>
-              </a:ext>
-            </a:extLst>
-          </a:blip>
-          <a:stretch>
-            <a:fillRect/>
-          </a:stretch>
-        </p:blipFill>
-        <p:spPr>
-          <a:xfrm>
-            <a:off x="6859685" y="5472263"/>
-            <a:ext cx="2492419" cy="236002"/>
           </a:xfrm>
           <a:prstGeom prst="rect">
             <a:avLst/>
@@ -4793,7 +3999,7 @@
           <p:nvPr/>
         </p:nvPicPr>
         <p:blipFill>
-          <a:blip r:embed="rId33">
+          <a:blip r:embed="rId6">
             <a:extLst>
               <a:ext uri="{28A0092B-C50C-407E-A947-70E740481C1C}">
                 <a14:useLocalDpi xmlns:a14="http://schemas.microsoft.com/office/drawing/2010/main" val="0"/>
@@ -4808,36 +4014,6 @@
           <a:xfrm>
             <a:off x="11130042" y="1072290"/>
             <a:ext cx="1041454" cy="165108"/>
-          </a:xfrm>
-          <a:prstGeom prst="rect">
-            <a:avLst/>
-          </a:prstGeom>
-        </p:spPr>
-      </p:pic>
-      <p:pic>
-        <p:nvPicPr>
-          <p:cNvPr id="85" name="Grafik 84"/>
-          <p:cNvPicPr>
-            <a:picLocks noChangeAspect="1"/>
-          </p:cNvPicPr>
-          <p:nvPr/>
-        </p:nvPicPr>
-        <p:blipFill>
-          <a:blip r:embed="rId34">
-            <a:extLst>
-              <a:ext uri="{28A0092B-C50C-407E-A947-70E740481C1C}">
-                <a14:useLocalDpi xmlns:a14="http://schemas.microsoft.com/office/drawing/2010/main" val="0"/>
-              </a:ext>
-            </a:extLst>
-          </a:blip>
-          <a:stretch>
-            <a:fillRect/>
-          </a:stretch>
-        </p:blipFill>
-        <p:spPr>
-          <a:xfrm>
-            <a:off x="11415806" y="8070690"/>
-            <a:ext cx="901746" cy="514376"/>
           </a:xfrm>
           <a:prstGeom prst="rect">
             <a:avLst/>
@@ -4853,7 +4029,7 @@
           <p:nvPr/>
         </p:nvPicPr>
         <p:blipFill>
-          <a:blip r:embed="rId35">
+          <a:blip r:embed="rId7">
             <a:extLst>
               <a:ext uri="{28A0092B-C50C-407E-A947-70E740481C1C}">
                 <a14:useLocalDpi xmlns:a14="http://schemas.microsoft.com/office/drawing/2010/main" val="0"/>
@@ -4868,36 +4044,6 @@
           <a:xfrm>
             <a:off x="11413312" y="8676295"/>
             <a:ext cx="857294" cy="501676"/>
-          </a:xfrm>
-          <a:prstGeom prst="rect">
-            <a:avLst/>
-          </a:prstGeom>
-        </p:spPr>
-      </p:pic>
-      <p:pic>
-        <p:nvPicPr>
-          <p:cNvPr id="87" name="Grafik 86"/>
-          <p:cNvPicPr>
-            <a:picLocks noChangeAspect="1"/>
-          </p:cNvPicPr>
-          <p:nvPr/>
-        </p:nvPicPr>
-        <p:blipFill>
-          <a:blip r:embed="rId36">
-            <a:extLst>
-              <a:ext uri="{28A0092B-C50C-407E-A947-70E740481C1C}">
-                <a14:useLocalDpi xmlns:a14="http://schemas.microsoft.com/office/drawing/2010/main" val="0"/>
-              </a:ext>
-            </a:extLst>
-          </a:blip>
-          <a:stretch>
-            <a:fillRect/>
-          </a:stretch>
-        </p:blipFill>
-        <p:spPr>
-          <a:xfrm>
-            <a:off x="11117990" y="6374623"/>
-            <a:ext cx="977950" cy="400071"/>
           </a:xfrm>
           <a:prstGeom prst="rect">
             <a:avLst/>
@@ -4913,7 +4059,7 @@
           <p:nvPr/>
         </p:nvPicPr>
         <p:blipFill>
-          <a:blip r:embed="rId37">
+          <a:blip r:embed="rId8">
             <a:extLst>
               <a:ext uri="{28A0092B-C50C-407E-A947-70E740481C1C}">
                 <a14:useLocalDpi xmlns:a14="http://schemas.microsoft.com/office/drawing/2010/main" val="0"/>
@@ -4928,36 +4074,6 @@
           <a:xfrm>
             <a:off x="11117990" y="4774411"/>
             <a:ext cx="1162110" cy="476274"/>
-          </a:xfrm>
-          <a:prstGeom prst="rect">
-            <a:avLst/>
-          </a:prstGeom>
-        </p:spPr>
-      </p:pic>
-      <p:pic>
-        <p:nvPicPr>
-          <p:cNvPr id="89" name="Grafik 88"/>
-          <p:cNvPicPr>
-            <a:picLocks noChangeAspect="1"/>
-          </p:cNvPicPr>
-          <p:nvPr/>
-        </p:nvPicPr>
-        <p:blipFill>
-          <a:blip r:embed="rId38">
-            <a:extLst>
-              <a:ext uri="{28A0092B-C50C-407E-A947-70E740481C1C}">
-                <a14:useLocalDpi xmlns:a14="http://schemas.microsoft.com/office/drawing/2010/main" val="0"/>
-              </a:ext>
-            </a:extLst>
-          </a:blip>
-          <a:stretch>
-            <a:fillRect/>
-          </a:stretch>
-        </p:blipFill>
-        <p:spPr>
-          <a:xfrm>
-            <a:off x="11415806" y="7380750"/>
-            <a:ext cx="1155759" cy="622332"/>
           </a:xfrm>
           <a:prstGeom prst="rect">
             <a:avLst/>
@@ -4973,7 +4089,7 @@
           <p:nvPr/>
         </p:nvPicPr>
         <p:blipFill>
-          <a:blip r:embed="rId39">
+          <a:blip r:embed="rId9">
             <a:extLst>
               <a:ext uri="{28A0092B-C50C-407E-A947-70E740481C1C}">
                 <a14:useLocalDpi xmlns:a14="http://schemas.microsoft.com/office/drawing/2010/main" val="0"/>
@@ -5003,7 +4119,7 @@
           <p:nvPr/>
         </p:nvPicPr>
         <p:blipFill>
-          <a:blip r:embed="rId40">
+          <a:blip r:embed="rId10">
             <a:extLst>
               <a:ext uri="{28A0092B-C50C-407E-A947-70E740481C1C}">
                 <a14:useLocalDpi xmlns:a14="http://schemas.microsoft.com/office/drawing/2010/main" val="0"/>
@@ -5024,186 +4140,6 @@
           </a:prstGeom>
         </p:spPr>
       </p:pic>
-      <p:pic>
-        <p:nvPicPr>
-          <p:cNvPr id="95" name="Grafik 94"/>
-          <p:cNvPicPr>
-            <a:picLocks noChangeAspect="1"/>
-          </p:cNvPicPr>
-          <p:nvPr/>
-        </p:nvPicPr>
-        <p:blipFill>
-          <a:blip r:embed="rId41">
-            <a:extLst>
-              <a:ext uri="{28A0092B-C50C-407E-A947-70E740481C1C}">
-                <a14:useLocalDpi xmlns:a14="http://schemas.microsoft.com/office/drawing/2010/main" val="0"/>
-              </a:ext>
-            </a:extLst>
-          </a:blip>
-          <a:stretch>
-            <a:fillRect/>
-          </a:stretch>
-        </p:blipFill>
-        <p:spPr>
-          <a:xfrm>
-            <a:off x="6849840" y="8288913"/>
-            <a:ext cx="1274511" cy="228612"/>
-          </a:xfrm>
-          <a:prstGeom prst="rect">
-            <a:avLst/>
-          </a:prstGeom>
-        </p:spPr>
-      </p:pic>
-      <p:pic>
-        <p:nvPicPr>
-          <p:cNvPr id="96" name="Grafik 95"/>
-          <p:cNvPicPr>
-            <a:picLocks noChangeAspect="1"/>
-          </p:cNvPicPr>
-          <p:nvPr/>
-        </p:nvPicPr>
-        <p:blipFill>
-          <a:blip r:embed="rId42">
-            <a:extLst>
-              <a:ext uri="{28A0092B-C50C-407E-A947-70E740481C1C}">
-                <a14:useLocalDpi xmlns:a14="http://schemas.microsoft.com/office/drawing/2010/main" val="0"/>
-              </a:ext>
-            </a:extLst>
-          </a:blip>
-          <a:stretch>
-            <a:fillRect/>
-          </a:stretch>
-        </p:blipFill>
-        <p:spPr>
-          <a:xfrm>
-            <a:off x="6851355" y="1924741"/>
-            <a:ext cx="1135818" cy="1062120"/>
-          </a:xfrm>
-          <a:prstGeom prst="rect">
-            <a:avLst/>
-          </a:prstGeom>
-        </p:spPr>
-      </p:pic>
-      <p:pic>
-        <p:nvPicPr>
-          <p:cNvPr id="97" name="Grafik 96"/>
-          <p:cNvPicPr>
-            <a:picLocks noChangeAspect="1"/>
-          </p:cNvPicPr>
-          <p:nvPr/>
-        </p:nvPicPr>
-        <p:blipFill>
-          <a:blip r:embed="rId43">
-            <a:extLst>
-              <a:ext uri="{28A0092B-C50C-407E-A947-70E740481C1C}">
-                <a14:useLocalDpi xmlns:a14="http://schemas.microsoft.com/office/drawing/2010/main" val="0"/>
-              </a:ext>
-            </a:extLst>
-          </a:blip>
-          <a:stretch>
-            <a:fillRect/>
-          </a:stretch>
-        </p:blipFill>
-        <p:spPr>
-          <a:xfrm>
-            <a:off x="6851355" y="3410368"/>
-            <a:ext cx="1144217" cy="258654"/>
-          </a:xfrm>
-          <a:prstGeom prst="rect">
-            <a:avLst/>
-          </a:prstGeom>
-        </p:spPr>
-      </p:pic>
-      <p:pic>
-        <p:nvPicPr>
-          <p:cNvPr id="98" name="Grafik 97"/>
-          <p:cNvPicPr>
-            <a:picLocks noChangeAspect="1"/>
-          </p:cNvPicPr>
-          <p:nvPr/>
-        </p:nvPicPr>
-        <p:blipFill>
-          <a:blip r:embed="rId44">
-            <a:extLst>
-              <a:ext uri="{28A0092B-C50C-407E-A947-70E740481C1C}">
-                <a14:useLocalDpi xmlns:a14="http://schemas.microsoft.com/office/drawing/2010/main" val="0"/>
-              </a:ext>
-            </a:extLst>
-          </a:blip>
-          <a:stretch>
-            <a:fillRect/>
-          </a:stretch>
-        </p:blipFill>
-        <p:spPr>
-          <a:xfrm>
-            <a:off x="8007987" y="1911989"/>
-            <a:ext cx="1266997" cy="403135"/>
-          </a:xfrm>
-          <a:prstGeom prst="rect">
-            <a:avLst/>
-          </a:prstGeom>
-        </p:spPr>
-      </p:pic>
-      <p:pic>
-        <p:nvPicPr>
-          <p:cNvPr id="99" name="Grafik 98"/>
-          <p:cNvPicPr>
-            <a:picLocks noChangeAspect="1"/>
-          </p:cNvPicPr>
-          <p:nvPr/>
-        </p:nvPicPr>
-        <p:blipFill>
-          <a:blip r:embed="rId45">
-            <a:extLst>
-              <a:ext uri="{28A0092B-C50C-407E-A947-70E740481C1C}">
-                <a14:useLocalDpi xmlns:a14="http://schemas.microsoft.com/office/drawing/2010/main" val="0"/>
-              </a:ext>
-            </a:extLst>
-          </a:blip>
-          <a:stretch>
-            <a:fillRect/>
-          </a:stretch>
-        </p:blipFill>
-        <p:spPr>
-          <a:xfrm>
-            <a:off x="6854419" y="3106905"/>
-            <a:ext cx="1949550" cy="254013"/>
-          </a:xfrm>
-          <a:prstGeom prst="rect">
-            <a:avLst/>
-          </a:prstGeom>
-        </p:spPr>
-      </p:pic>
-      <p:pic>
-        <p:nvPicPr>
-          <p:cNvPr id="100" name="Grafik 99"/>
-          <p:cNvPicPr>
-            <a:picLocks noChangeAspect="1"/>
-          </p:cNvPicPr>
-          <p:nvPr/>
-        </p:nvPicPr>
-        <p:blipFill>
-          <a:blip r:embed="rId46">
-            <a:extLst>
-              <a:ext uri="{28A0092B-C50C-407E-A947-70E740481C1C}">
-                <a14:useLocalDpi xmlns:a14="http://schemas.microsoft.com/office/drawing/2010/main" val="0"/>
-              </a:ext>
-            </a:extLst>
-          </a:blip>
-          <a:stretch>
-            <a:fillRect/>
-          </a:stretch>
-        </p:blipFill>
-        <p:spPr>
-          <a:xfrm>
-            <a:off x="6853498" y="4206015"/>
-            <a:ext cx="2324219" cy="228612"/>
-          </a:xfrm>
-          <a:prstGeom prst="rect">
-            <a:avLst/>
-          </a:prstGeom>
-        </p:spPr>
-      </p:pic>
       <p:sp>
         <p:nvSpPr>
           <p:cNvPr id="101" name="Textfeld 100"/>
@@ -5213,7 +4149,7 @@
         <p:spPr>
           <a:xfrm>
             <a:off x="5146883" y="7945702"/>
-            <a:ext cx="1870157" cy="1384995"/>
+            <a:ext cx="1870157" cy="1200329"/>
           </a:xfrm>
           <a:prstGeom prst="rect">
             <a:avLst/>
@@ -5251,12 +4187,6 @@
           </a:p>
           <a:p>
             <a:endParaRPr lang="de-DE" sz="1200" dirty="0"/>
-          </a:p>
-          <a:p>
-            <a:r>
-              <a:rPr lang="de-DE" sz="1200" dirty="0"/>
-              <a:t>Entgegengesetzt </a:t>
-            </a:r>
           </a:p>
         </p:txBody>
       </p:sp>
@@ -5325,7 +4255,7 @@
           <p:nvPr/>
         </p:nvPicPr>
         <p:blipFill>
-          <a:blip r:embed="rId47">
+          <a:blip r:embed="rId11">
             <a:extLst>
               <a:ext uri="{28A0092B-C50C-407E-A947-70E740481C1C}">
                 <a14:useLocalDpi xmlns:a14="http://schemas.microsoft.com/office/drawing/2010/main" val="0"/>
@@ -5692,7 +4622,7 @@
             </a:r>
             <a:r>
               <a:rPr lang="de-DE" sz="900" dirty="0">
-                <a:hlinkClick r:id="rId48"/>
+                <a:hlinkClick r:id="rId12"/>
               </a:rPr>
               <a:t>https://www.htw-dresden.de/kiss-mint</a:t>
             </a:r>
@@ -5732,7 +4662,7 @@
             </a:r>
             <a:r>
               <a:rPr lang="de-DE" sz="900" dirty="0">
-                <a:hlinkClick r:id="rId49"/>
+                <a:hlinkClick r:id="rId13"/>
               </a:rPr>
               <a:t>http://creativecommons.org/licenses/by-sa/4.0/</a:t>
             </a:r>
@@ -5758,14 +4688,1269 @@
           <p:nvPr/>
         </p:nvPicPr>
         <p:blipFill rotWithShape="1">
-          <a:blip r:embed="rId50"/>
+          <a:blip r:embed="rId14"/>
           <a:srcRect l="1895" r="6784"/>
           <a:stretch/>
         </p:blipFill>
         <p:spPr>
           <a:xfrm>
-            <a:off x="422014" y="5311876"/>
-            <a:ext cx="4398345" cy="3925383"/>
+            <a:off x="551577" y="5594854"/>
+            <a:ext cx="4145475" cy="3699705"/>
+          </a:xfrm>
+          <a:prstGeom prst="rect">
+            <a:avLst/>
+          </a:prstGeom>
+        </p:spPr>
+      </p:pic>
+      <p:pic>
+        <p:nvPicPr>
+          <p:cNvPr id="70" name="Grafik 69">
+            <a:extLst>
+              <a:ext uri="{FF2B5EF4-FFF2-40B4-BE49-F238E27FC236}">
+                <a16:creationId xmlns:a16="http://schemas.microsoft.com/office/drawing/2014/main" id="{DC8E1C43-DC45-4335-AB02-5F57FE728388}"/>
+              </a:ext>
+            </a:extLst>
+          </p:cNvPr>
+          <p:cNvPicPr>
+            <a:picLocks noChangeAspect="1"/>
+          </p:cNvPicPr>
+          <p:nvPr/>
+        </p:nvPicPr>
+        <p:blipFill>
+          <a:blip r:embed="rId15"/>
+          <a:stretch>
+            <a:fillRect/>
+          </a:stretch>
+        </p:blipFill>
+        <p:spPr>
+          <a:xfrm>
+            <a:off x="3418132" y="2842069"/>
+            <a:ext cx="1625677" cy="290300"/>
+          </a:xfrm>
+          <a:prstGeom prst="rect">
+            <a:avLst/>
+          </a:prstGeom>
+        </p:spPr>
+      </p:pic>
+      <p:pic>
+        <p:nvPicPr>
+          <p:cNvPr id="90" name="Grafik 89">
+            <a:extLst>
+              <a:ext uri="{FF2B5EF4-FFF2-40B4-BE49-F238E27FC236}">
+                <a16:creationId xmlns:a16="http://schemas.microsoft.com/office/drawing/2014/main" id="{FE3C46AB-8919-4F62-9619-710D43BFB8FB}"/>
+              </a:ext>
+            </a:extLst>
+          </p:cNvPr>
+          <p:cNvPicPr>
+            <a:picLocks noChangeAspect="1"/>
+          </p:cNvPicPr>
+          <p:nvPr/>
+        </p:nvPicPr>
+        <p:blipFill>
+          <a:blip r:embed="rId16"/>
+          <a:stretch>
+            <a:fillRect/>
+          </a:stretch>
+        </p:blipFill>
+        <p:spPr>
+          <a:xfrm>
+            <a:off x="3474816" y="1212511"/>
+            <a:ext cx="1322880" cy="895400"/>
+          </a:xfrm>
+          <a:prstGeom prst="rect">
+            <a:avLst/>
+          </a:prstGeom>
+          <a:ln>
+            <a:solidFill>
+              <a:schemeClr val="tx1"/>
+            </a:solidFill>
+          </a:ln>
+        </p:spPr>
+      </p:pic>
+      <p:pic>
+        <p:nvPicPr>
+          <p:cNvPr id="91" name="Grafik 90">
+            <a:extLst>
+              <a:ext uri="{FF2B5EF4-FFF2-40B4-BE49-F238E27FC236}">
+                <a16:creationId xmlns:a16="http://schemas.microsoft.com/office/drawing/2014/main" id="{DA332F8F-38E7-4419-8F01-3ED0AA743EEF}"/>
+              </a:ext>
+            </a:extLst>
+          </p:cNvPr>
+          <p:cNvPicPr>
+            <a:picLocks noChangeAspect="1"/>
+          </p:cNvPicPr>
+          <p:nvPr/>
+        </p:nvPicPr>
+        <p:blipFill>
+          <a:blip r:embed="rId17"/>
+          <a:stretch>
+            <a:fillRect/>
+          </a:stretch>
+        </p:blipFill>
+        <p:spPr>
+          <a:xfrm>
+            <a:off x="2508550" y="1970895"/>
+            <a:ext cx="1236382" cy="627800"/>
+          </a:xfrm>
+          <a:prstGeom prst="rect">
+            <a:avLst/>
+          </a:prstGeom>
+        </p:spPr>
+      </p:pic>
+      <p:pic>
+        <p:nvPicPr>
+          <p:cNvPr id="109" name="Grafik 108">
+            <a:extLst>
+              <a:ext uri="{FF2B5EF4-FFF2-40B4-BE49-F238E27FC236}">
+                <a16:creationId xmlns:a16="http://schemas.microsoft.com/office/drawing/2014/main" id="{326B7F64-02E1-4011-AB7E-7DAD5F79D32B}"/>
+              </a:ext>
+            </a:extLst>
+          </p:cNvPr>
+          <p:cNvPicPr>
+            <a:picLocks noChangeAspect="1"/>
+          </p:cNvPicPr>
+          <p:nvPr/>
+        </p:nvPicPr>
+        <p:blipFill>
+          <a:blip r:embed="rId18">
+            <a:extLst>
+              <a:ext uri="{28A0092B-C50C-407E-A947-70E740481C1C}">
+                <a14:useLocalDpi xmlns:a14="http://schemas.microsoft.com/office/drawing/2010/main" val="0"/>
+              </a:ext>
+            </a:extLst>
+          </a:blip>
+          <a:stretch>
+            <a:fillRect/>
+          </a:stretch>
+        </p:blipFill>
+        <p:spPr>
+          <a:xfrm>
+            <a:off x="5581502" y="62677"/>
+            <a:ext cx="1638595" cy="312395"/>
+          </a:xfrm>
+          <a:prstGeom prst="rect">
+            <a:avLst/>
+          </a:prstGeom>
+          <a:ln>
+            <a:solidFill>
+              <a:schemeClr val="bg1">
+                <a:lumMod val="85000"/>
+              </a:schemeClr>
+            </a:solidFill>
+          </a:ln>
+        </p:spPr>
+      </p:pic>
+      <p:pic>
+        <p:nvPicPr>
+          <p:cNvPr id="110" name="Grafik 109">
+            <a:extLst>
+              <a:ext uri="{FF2B5EF4-FFF2-40B4-BE49-F238E27FC236}">
+                <a16:creationId xmlns:a16="http://schemas.microsoft.com/office/drawing/2014/main" id="{EC0C3475-AC93-409D-A69E-D9B33788EE1E}"/>
+              </a:ext>
+            </a:extLst>
+          </p:cNvPr>
+          <p:cNvPicPr>
+            <a:picLocks noChangeAspect="1"/>
+          </p:cNvPicPr>
+          <p:nvPr/>
+        </p:nvPicPr>
+        <p:blipFill>
+          <a:blip r:embed="rId19">
+            <a:extLst>
+              <a:ext uri="{28A0092B-C50C-407E-A947-70E740481C1C}">
+                <a14:useLocalDpi xmlns:a14="http://schemas.microsoft.com/office/drawing/2010/main" val="0"/>
+              </a:ext>
+            </a:extLst>
+          </a:blip>
+          <a:stretch>
+            <a:fillRect/>
+          </a:stretch>
+        </p:blipFill>
+        <p:spPr>
+          <a:xfrm>
+            <a:off x="10348741" y="49702"/>
+            <a:ext cx="1638595" cy="312395"/>
+          </a:xfrm>
+          <a:prstGeom prst="rect">
+            <a:avLst/>
+          </a:prstGeom>
+          <a:ln>
+            <a:solidFill>
+              <a:schemeClr val="bg1">
+                <a:lumMod val="85000"/>
+              </a:schemeClr>
+            </a:solidFill>
+          </a:ln>
+        </p:spPr>
+      </p:pic>
+      <p:pic>
+        <p:nvPicPr>
+          <p:cNvPr id="111" name="Grafik 110">
+            <a:extLst>
+              <a:ext uri="{FF2B5EF4-FFF2-40B4-BE49-F238E27FC236}">
+                <a16:creationId xmlns:a16="http://schemas.microsoft.com/office/drawing/2014/main" id="{6EADC186-0E38-4DFB-A46A-47FF8929D948}"/>
+              </a:ext>
+            </a:extLst>
+          </p:cNvPr>
+          <p:cNvPicPr>
+            <a:picLocks noChangeAspect="1"/>
+          </p:cNvPicPr>
+          <p:nvPr/>
+        </p:nvPicPr>
+        <p:blipFill>
+          <a:blip r:embed="rId20">
+            <a:extLst>
+              <a:ext uri="{28A0092B-C50C-407E-A947-70E740481C1C}">
+                <a14:useLocalDpi xmlns:a14="http://schemas.microsoft.com/office/drawing/2010/main" val="0"/>
+              </a:ext>
+            </a:extLst>
+          </a:blip>
+          <a:stretch>
+            <a:fillRect/>
+          </a:stretch>
+        </p:blipFill>
+        <p:spPr>
+          <a:xfrm>
+            <a:off x="5581501" y="4937343"/>
+            <a:ext cx="1638596" cy="320558"/>
+          </a:xfrm>
+          <a:prstGeom prst="rect">
+            <a:avLst/>
+          </a:prstGeom>
+          <a:ln>
+            <a:solidFill>
+              <a:schemeClr val="bg1">
+                <a:lumMod val="85000"/>
+              </a:schemeClr>
+            </a:solidFill>
+          </a:ln>
+        </p:spPr>
+      </p:pic>
+      <p:pic>
+        <p:nvPicPr>
+          <p:cNvPr id="112" name="Grafik 111">
+            <a:extLst>
+              <a:ext uri="{FF2B5EF4-FFF2-40B4-BE49-F238E27FC236}">
+                <a16:creationId xmlns:a16="http://schemas.microsoft.com/office/drawing/2014/main" id="{CDDA04D5-786F-41ED-8374-7D9A3CBF114D}"/>
+              </a:ext>
+            </a:extLst>
+          </p:cNvPr>
+          <p:cNvPicPr>
+            <a:picLocks noChangeAspect="1"/>
+          </p:cNvPicPr>
+          <p:nvPr/>
+        </p:nvPicPr>
+        <p:blipFill>
+          <a:blip r:embed="rId21">
+            <a:extLst>
+              <a:ext uri="{28A0092B-C50C-407E-A947-70E740481C1C}">
+                <a14:useLocalDpi xmlns:a14="http://schemas.microsoft.com/office/drawing/2010/main" val="0"/>
+              </a:ext>
+            </a:extLst>
+          </a:blip>
+          <a:stretch>
+            <a:fillRect/>
+          </a:stretch>
+        </p:blipFill>
+        <p:spPr>
+          <a:xfrm>
+            <a:off x="5581501" y="7531637"/>
+            <a:ext cx="1638595" cy="320557"/>
+          </a:xfrm>
+          <a:prstGeom prst="rect">
+            <a:avLst/>
+          </a:prstGeom>
+          <a:ln>
+            <a:solidFill>
+              <a:schemeClr val="bg1">
+                <a:lumMod val="85000"/>
+              </a:schemeClr>
+            </a:solidFill>
+          </a:ln>
+        </p:spPr>
+      </p:pic>
+      <p:pic>
+        <p:nvPicPr>
+          <p:cNvPr id="113" name="Grafik 112">
+            <a:extLst>
+              <a:ext uri="{FF2B5EF4-FFF2-40B4-BE49-F238E27FC236}">
+                <a16:creationId xmlns:a16="http://schemas.microsoft.com/office/drawing/2014/main" id="{DC366ACD-7523-43CC-9630-361580BA7758}"/>
+              </a:ext>
+            </a:extLst>
+          </p:cNvPr>
+          <p:cNvPicPr>
+            <a:picLocks noChangeAspect="1"/>
+          </p:cNvPicPr>
+          <p:nvPr/>
+        </p:nvPicPr>
+        <p:blipFill>
+          <a:blip r:embed="rId22">
+            <a:extLst>
+              <a:ext uri="{28A0092B-C50C-407E-A947-70E740481C1C}">
+                <a14:useLocalDpi xmlns:a14="http://schemas.microsoft.com/office/drawing/2010/main" val="0"/>
+              </a:ext>
+            </a:extLst>
+          </a:blip>
+          <a:stretch>
+            <a:fillRect/>
+          </a:stretch>
+        </p:blipFill>
+        <p:spPr>
+          <a:xfrm>
+            <a:off x="10343144" y="4378792"/>
+            <a:ext cx="1638595" cy="321105"/>
+          </a:xfrm>
+          <a:prstGeom prst="rect">
+            <a:avLst/>
+          </a:prstGeom>
+          <a:ln>
+            <a:solidFill>
+              <a:schemeClr val="bg1">
+                <a:lumMod val="85000"/>
+              </a:schemeClr>
+            </a:solidFill>
+          </a:ln>
+        </p:spPr>
+      </p:pic>
+      <p:pic>
+        <p:nvPicPr>
+          <p:cNvPr id="115" name="Grafik 114">
+            <a:extLst>
+              <a:ext uri="{FF2B5EF4-FFF2-40B4-BE49-F238E27FC236}">
+                <a16:creationId xmlns:a16="http://schemas.microsoft.com/office/drawing/2014/main" id="{8567ABDB-9937-40C3-A765-C9C60711C4BB}"/>
+              </a:ext>
+            </a:extLst>
+          </p:cNvPr>
+          <p:cNvPicPr>
+            <a:picLocks noChangeAspect="1"/>
+          </p:cNvPicPr>
+          <p:nvPr/>
+        </p:nvPicPr>
+        <p:blipFill>
+          <a:blip r:embed="rId23">
+            <a:extLst>
+              <a:ext uri="{28A0092B-C50C-407E-A947-70E740481C1C}">
+                <a14:useLocalDpi xmlns:a14="http://schemas.microsoft.com/office/drawing/2010/main" val="0"/>
+              </a:ext>
+            </a:extLst>
+          </a:blip>
+          <a:stretch>
+            <a:fillRect/>
+          </a:stretch>
+        </p:blipFill>
+        <p:spPr>
+          <a:xfrm>
+            <a:off x="10355091" y="6961481"/>
+            <a:ext cx="1638594" cy="320556"/>
+          </a:xfrm>
+          <a:prstGeom prst="rect">
+            <a:avLst/>
+          </a:prstGeom>
+          <a:ln>
+            <a:solidFill>
+              <a:schemeClr val="bg1">
+                <a:lumMod val="85000"/>
+              </a:schemeClr>
+            </a:solidFill>
+          </a:ln>
+        </p:spPr>
+      </p:pic>
+      <p:pic>
+        <p:nvPicPr>
+          <p:cNvPr id="116" name="Grafik 115">
+            <a:extLst>
+              <a:ext uri="{FF2B5EF4-FFF2-40B4-BE49-F238E27FC236}">
+                <a16:creationId xmlns:a16="http://schemas.microsoft.com/office/drawing/2014/main" id="{41367D2A-65BC-4050-9C06-C79EC4515915}"/>
+              </a:ext>
+            </a:extLst>
+          </p:cNvPr>
+          <p:cNvPicPr>
+            <a:picLocks noChangeAspect="1"/>
+          </p:cNvPicPr>
+          <p:nvPr/>
+        </p:nvPicPr>
+        <p:blipFill>
+          <a:blip r:embed="rId24">
+            <a:extLst>
+              <a:ext uri="{28A0092B-C50C-407E-A947-70E740481C1C}">
+                <a14:useLocalDpi xmlns:a14="http://schemas.microsoft.com/office/drawing/2010/main" val="0"/>
+              </a:ext>
+            </a:extLst>
+          </a:blip>
+          <a:stretch>
+            <a:fillRect/>
+          </a:stretch>
+        </p:blipFill>
+        <p:spPr>
+          <a:xfrm>
+            <a:off x="5581503" y="3743192"/>
+            <a:ext cx="1638594" cy="319274"/>
+          </a:xfrm>
+          <a:prstGeom prst="rect">
+            <a:avLst/>
+          </a:prstGeom>
+          <a:ln>
+            <a:solidFill>
+              <a:schemeClr val="bg1">
+                <a:lumMod val="85000"/>
+              </a:schemeClr>
+            </a:solidFill>
+          </a:ln>
+        </p:spPr>
+      </p:pic>
+      <p:pic>
+        <p:nvPicPr>
+          <p:cNvPr id="117" name="Grafik 116">
+            <a:extLst>
+              <a:ext uri="{FF2B5EF4-FFF2-40B4-BE49-F238E27FC236}">
+                <a16:creationId xmlns:a16="http://schemas.microsoft.com/office/drawing/2014/main" id="{7D06BBE3-6C56-4E4D-9372-400533D6C485}"/>
+              </a:ext>
+            </a:extLst>
+          </p:cNvPr>
+          <p:cNvPicPr>
+            <a:picLocks noChangeAspect="1"/>
+          </p:cNvPicPr>
+          <p:nvPr/>
+        </p:nvPicPr>
+        <p:blipFill>
+          <a:blip r:embed="rId25">
+            <a:extLst>
+              <a:ext uri="{28A0092B-C50C-407E-A947-70E740481C1C}">
+                <a14:useLocalDpi xmlns:a14="http://schemas.microsoft.com/office/drawing/2010/main" val="0"/>
+              </a:ext>
+            </a:extLst>
+          </a:blip>
+          <a:stretch>
+            <a:fillRect/>
+          </a:stretch>
+        </p:blipFill>
+        <p:spPr>
+          <a:xfrm>
+            <a:off x="10348742" y="2933070"/>
+            <a:ext cx="1638594" cy="329553"/>
+          </a:xfrm>
+          <a:prstGeom prst="rect">
+            <a:avLst/>
+          </a:prstGeom>
+          <a:ln>
+            <a:solidFill>
+              <a:schemeClr val="bg1">
+                <a:lumMod val="85000"/>
+              </a:schemeClr>
+            </a:solidFill>
+          </a:ln>
+        </p:spPr>
+      </p:pic>
+      <p:pic>
+        <p:nvPicPr>
+          <p:cNvPr id="118" name="Grafik 117">
+            <a:extLst>
+              <a:ext uri="{FF2B5EF4-FFF2-40B4-BE49-F238E27FC236}">
+                <a16:creationId xmlns:a16="http://schemas.microsoft.com/office/drawing/2014/main" id="{DD276522-9A28-46FF-BB4E-3F6F3E67383A}"/>
+              </a:ext>
+            </a:extLst>
+          </p:cNvPr>
+          <p:cNvPicPr>
+            <a:picLocks noChangeAspect="1"/>
+          </p:cNvPicPr>
+          <p:nvPr/>
+        </p:nvPicPr>
+        <p:blipFill>
+          <a:blip r:embed="rId26">
+            <a:extLst>
+              <a:ext uri="{28A0092B-C50C-407E-A947-70E740481C1C}">
+                <a14:useLocalDpi xmlns:a14="http://schemas.microsoft.com/office/drawing/2010/main" val="0"/>
+              </a:ext>
+            </a:extLst>
+          </a:blip>
+          <a:stretch>
+            <a:fillRect/>
+          </a:stretch>
+        </p:blipFill>
+        <p:spPr>
+          <a:xfrm>
+            <a:off x="5581503" y="6585913"/>
+            <a:ext cx="1638594" cy="320557"/>
+          </a:xfrm>
+          <a:prstGeom prst="rect">
+            <a:avLst/>
+          </a:prstGeom>
+          <a:ln>
+            <a:solidFill>
+              <a:schemeClr val="bg1">
+                <a:lumMod val="85000"/>
+              </a:schemeClr>
+            </a:solidFill>
+          </a:ln>
+        </p:spPr>
+      </p:pic>
+      <p:pic>
+        <p:nvPicPr>
+          <p:cNvPr id="119" name="Grafik 118">
+            <a:extLst>
+              <a:ext uri="{FF2B5EF4-FFF2-40B4-BE49-F238E27FC236}">
+                <a16:creationId xmlns:a16="http://schemas.microsoft.com/office/drawing/2014/main" id="{CED649F9-2BA1-4274-93D4-214713CC2984}"/>
+              </a:ext>
+            </a:extLst>
+          </p:cNvPr>
+          <p:cNvPicPr>
+            <a:picLocks noChangeAspect="1"/>
+          </p:cNvPicPr>
+          <p:nvPr/>
+        </p:nvPicPr>
+        <p:blipFill rotWithShape="1">
+          <a:blip r:embed="rId27"/>
+          <a:srcRect t="23143"/>
+          <a:stretch/>
+        </p:blipFill>
+        <p:spPr>
+          <a:xfrm>
+            <a:off x="6865069" y="4135016"/>
+            <a:ext cx="2495245" cy="321398"/>
+          </a:xfrm>
+          <a:prstGeom prst="rect">
+            <a:avLst/>
+          </a:prstGeom>
+        </p:spPr>
+      </p:pic>
+      <p:pic>
+        <p:nvPicPr>
+          <p:cNvPr id="120" name="Grafik 119">
+            <a:extLst>
+              <a:ext uri="{FF2B5EF4-FFF2-40B4-BE49-F238E27FC236}">
+                <a16:creationId xmlns:a16="http://schemas.microsoft.com/office/drawing/2014/main" id="{D2DB345E-8A38-4237-A92A-84E01D15354B}"/>
+              </a:ext>
+            </a:extLst>
+          </p:cNvPr>
+          <p:cNvPicPr>
+            <a:picLocks noChangeAspect="1"/>
+          </p:cNvPicPr>
+          <p:nvPr/>
+        </p:nvPicPr>
+        <p:blipFill>
+          <a:blip r:embed="rId28"/>
+          <a:stretch>
+            <a:fillRect/>
+          </a:stretch>
+        </p:blipFill>
+        <p:spPr>
+          <a:xfrm>
+            <a:off x="6923865" y="4515180"/>
+            <a:ext cx="1084122" cy="343076"/>
+          </a:xfrm>
+          <a:prstGeom prst="rect">
+            <a:avLst/>
+          </a:prstGeom>
+        </p:spPr>
+      </p:pic>
+      <p:pic>
+        <p:nvPicPr>
+          <p:cNvPr id="121" name="Grafik 120">
+            <a:extLst>
+              <a:ext uri="{FF2B5EF4-FFF2-40B4-BE49-F238E27FC236}">
+                <a16:creationId xmlns:a16="http://schemas.microsoft.com/office/drawing/2014/main" id="{2A96BB5E-95B7-4243-A675-0019C7AAAEAB}"/>
+              </a:ext>
+            </a:extLst>
+          </p:cNvPr>
+          <p:cNvPicPr>
+            <a:picLocks noChangeAspect="1"/>
+          </p:cNvPicPr>
+          <p:nvPr/>
+        </p:nvPicPr>
+        <p:blipFill>
+          <a:blip r:embed="rId29"/>
+          <a:stretch>
+            <a:fillRect/>
+          </a:stretch>
+        </p:blipFill>
+        <p:spPr>
+          <a:xfrm>
+            <a:off x="10629935" y="3673338"/>
+            <a:ext cx="1305838" cy="292574"/>
+          </a:xfrm>
+          <a:prstGeom prst="rect">
+            <a:avLst/>
+          </a:prstGeom>
+        </p:spPr>
+      </p:pic>
+      <p:pic>
+        <p:nvPicPr>
+          <p:cNvPr id="122" name="Grafik 121">
+            <a:extLst>
+              <a:ext uri="{FF2B5EF4-FFF2-40B4-BE49-F238E27FC236}">
+                <a16:creationId xmlns:a16="http://schemas.microsoft.com/office/drawing/2014/main" id="{12D7CF80-054F-44FF-8961-5B0670C0DDC1}"/>
+              </a:ext>
+            </a:extLst>
+          </p:cNvPr>
+          <p:cNvPicPr>
+            <a:picLocks noChangeAspect="1"/>
+          </p:cNvPicPr>
+          <p:nvPr/>
+        </p:nvPicPr>
+        <p:blipFill>
+          <a:blip r:embed="rId30"/>
+          <a:stretch>
+            <a:fillRect/>
+          </a:stretch>
+        </p:blipFill>
+        <p:spPr>
+          <a:xfrm>
+            <a:off x="10482485" y="3435582"/>
+            <a:ext cx="850755" cy="218205"/>
+          </a:xfrm>
+          <a:prstGeom prst="rect">
+            <a:avLst/>
+          </a:prstGeom>
+        </p:spPr>
+      </p:pic>
+      <p:pic>
+        <p:nvPicPr>
+          <p:cNvPr id="6" name="Grafik 5">
+            <a:extLst>
+              <a:ext uri="{FF2B5EF4-FFF2-40B4-BE49-F238E27FC236}">
+                <a16:creationId xmlns:a16="http://schemas.microsoft.com/office/drawing/2014/main" id="{7725F15D-43D7-4193-B90A-B25D851256D7}"/>
+              </a:ext>
+            </a:extLst>
+          </p:cNvPr>
+          <p:cNvPicPr>
+            <a:picLocks noChangeAspect="1"/>
+          </p:cNvPicPr>
+          <p:nvPr/>
+        </p:nvPicPr>
+        <p:blipFill>
+          <a:blip r:embed="rId31">
+            <a:extLst>
+              <a:ext uri="{28A0092B-C50C-407E-A947-70E740481C1C}">
+                <a14:useLocalDpi xmlns:a14="http://schemas.microsoft.com/office/drawing/2010/main" val="0"/>
+              </a:ext>
+            </a:extLst>
+          </a:blip>
+          <a:stretch>
+            <a:fillRect/>
+          </a:stretch>
+        </p:blipFill>
+        <p:spPr>
+          <a:xfrm>
+            <a:off x="6710534" y="412941"/>
+            <a:ext cx="758606" cy="492879"/>
+          </a:xfrm>
+          <a:prstGeom prst="rect">
+            <a:avLst/>
+          </a:prstGeom>
+        </p:spPr>
+      </p:pic>
+      <p:pic>
+        <p:nvPicPr>
+          <p:cNvPr id="8" name="Grafik 7">
+            <a:extLst>
+              <a:ext uri="{FF2B5EF4-FFF2-40B4-BE49-F238E27FC236}">
+                <a16:creationId xmlns:a16="http://schemas.microsoft.com/office/drawing/2014/main" id="{21DF82D3-6DDA-4C23-BFB0-7E2805930B5D}"/>
+              </a:ext>
+            </a:extLst>
+          </p:cNvPr>
+          <p:cNvPicPr>
+            <a:picLocks noChangeAspect="1"/>
+          </p:cNvPicPr>
+          <p:nvPr/>
+        </p:nvPicPr>
+        <p:blipFill>
+          <a:blip r:embed="rId32">
+            <a:extLst>
+              <a:ext uri="{28A0092B-C50C-407E-A947-70E740481C1C}">
+                <a14:useLocalDpi xmlns:a14="http://schemas.microsoft.com/office/drawing/2010/main" val="0"/>
+              </a:ext>
+            </a:extLst>
+          </a:blip>
+          <a:stretch>
+            <a:fillRect/>
+          </a:stretch>
+        </p:blipFill>
+        <p:spPr>
+          <a:xfrm>
+            <a:off x="7538617" y="659380"/>
+            <a:ext cx="745286" cy="484225"/>
+          </a:xfrm>
+          <a:prstGeom prst="rect">
+            <a:avLst/>
+          </a:prstGeom>
+        </p:spPr>
+      </p:pic>
+      <p:pic>
+        <p:nvPicPr>
+          <p:cNvPr id="10" name="Grafik 9">
+            <a:extLst>
+              <a:ext uri="{FF2B5EF4-FFF2-40B4-BE49-F238E27FC236}">
+                <a16:creationId xmlns:a16="http://schemas.microsoft.com/office/drawing/2014/main" id="{8DCCD119-767D-4C54-A690-A69AB9105334}"/>
+              </a:ext>
+            </a:extLst>
+          </p:cNvPr>
+          <p:cNvPicPr>
+            <a:picLocks noChangeAspect="1"/>
+          </p:cNvPicPr>
+          <p:nvPr/>
+        </p:nvPicPr>
+        <p:blipFill>
+          <a:blip r:embed="rId33">
+            <a:extLst>
+              <a:ext uri="{28A0092B-C50C-407E-A947-70E740481C1C}">
+                <a14:useLocalDpi xmlns:a14="http://schemas.microsoft.com/office/drawing/2010/main" val="0"/>
+              </a:ext>
+            </a:extLst>
+          </a:blip>
+          <a:stretch>
+            <a:fillRect/>
+          </a:stretch>
+        </p:blipFill>
+        <p:spPr>
+          <a:xfrm>
+            <a:off x="6590804" y="1180683"/>
+            <a:ext cx="1135818" cy="307514"/>
+          </a:xfrm>
+          <a:prstGeom prst="rect">
+            <a:avLst/>
+          </a:prstGeom>
+        </p:spPr>
+      </p:pic>
+      <p:pic>
+        <p:nvPicPr>
+          <p:cNvPr id="12" name="Grafik 11">
+            <a:extLst>
+              <a:ext uri="{FF2B5EF4-FFF2-40B4-BE49-F238E27FC236}">
+                <a16:creationId xmlns:a16="http://schemas.microsoft.com/office/drawing/2014/main" id="{4F5693D8-95B3-4EAF-96B8-F545936EDD85}"/>
+              </a:ext>
+            </a:extLst>
+          </p:cNvPr>
+          <p:cNvPicPr>
+            <a:picLocks noChangeAspect="1"/>
+          </p:cNvPicPr>
+          <p:nvPr/>
+        </p:nvPicPr>
+        <p:blipFill>
+          <a:blip r:embed="rId34">
+            <a:extLst>
+              <a:ext uri="{28A0092B-C50C-407E-A947-70E740481C1C}">
+                <a14:useLocalDpi xmlns:a14="http://schemas.microsoft.com/office/drawing/2010/main" val="0"/>
+              </a:ext>
+            </a:extLst>
+          </a:blip>
+          <a:stretch>
+            <a:fillRect/>
+          </a:stretch>
+        </p:blipFill>
+        <p:spPr>
+          <a:xfrm>
+            <a:off x="6918659" y="1554816"/>
+            <a:ext cx="1522889" cy="320065"/>
+          </a:xfrm>
+          <a:prstGeom prst="rect">
+            <a:avLst/>
+          </a:prstGeom>
+        </p:spPr>
+      </p:pic>
+      <p:pic>
+        <p:nvPicPr>
+          <p:cNvPr id="14" name="Grafik 13">
+            <a:extLst>
+              <a:ext uri="{FF2B5EF4-FFF2-40B4-BE49-F238E27FC236}">
+                <a16:creationId xmlns:a16="http://schemas.microsoft.com/office/drawing/2014/main" id="{9D99BB5C-3AEE-48D1-9B01-A1D3F96768FC}"/>
+              </a:ext>
+            </a:extLst>
+          </p:cNvPr>
+          <p:cNvPicPr>
+            <a:picLocks noChangeAspect="1"/>
+          </p:cNvPicPr>
+          <p:nvPr/>
+        </p:nvPicPr>
+        <p:blipFill>
+          <a:blip r:embed="rId35" cstate="print">
+            <a:extLst>
+              <a:ext uri="{28A0092B-C50C-407E-A947-70E740481C1C}">
+                <a14:useLocalDpi xmlns:a14="http://schemas.microsoft.com/office/drawing/2010/main" val="0"/>
+              </a:ext>
+            </a:extLst>
+          </a:blip>
+          <a:stretch>
+            <a:fillRect/>
+          </a:stretch>
+        </p:blipFill>
+        <p:spPr>
+          <a:xfrm>
+            <a:off x="7104661" y="1991911"/>
+            <a:ext cx="709324" cy="942127"/>
+          </a:xfrm>
+          <a:prstGeom prst="rect">
+            <a:avLst/>
+          </a:prstGeom>
+        </p:spPr>
+      </p:pic>
+      <p:pic>
+        <p:nvPicPr>
+          <p:cNvPr id="16" name="Grafik 15">
+            <a:extLst>
+              <a:ext uri="{FF2B5EF4-FFF2-40B4-BE49-F238E27FC236}">
+                <a16:creationId xmlns:a16="http://schemas.microsoft.com/office/drawing/2014/main" id="{1C5B6DF2-C44A-4E8F-82A4-A1787C1AFBED}"/>
+              </a:ext>
+            </a:extLst>
+          </p:cNvPr>
+          <p:cNvPicPr>
+            <a:picLocks noChangeAspect="1"/>
+          </p:cNvPicPr>
+          <p:nvPr/>
+        </p:nvPicPr>
+        <p:blipFill>
+          <a:blip r:embed="rId36">
+            <a:extLst>
+              <a:ext uri="{28A0092B-C50C-407E-A947-70E740481C1C}">
+                <a14:useLocalDpi xmlns:a14="http://schemas.microsoft.com/office/drawing/2010/main" val="0"/>
+              </a:ext>
+            </a:extLst>
+          </a:blip>
+          <a:stretch>
+            <a:fillRect/>
+          </a:stretch>
+        </p:blipFill>
+        <p:spPr>
+          <a:xfrm>
+            <a:off x="7886791" y="2191397"/>
+            <a:ext cx="1172159" cy="404736"/>
+          </a:xfrm>
+          <a:prstGeom prst="rect">
+            <a:avLst/>
+          </a:prstGeom>
+        </p:spPr>
+      </p:pic>
+      <p:pic>
+        <p:nvPicPr>
+          <p:cNvPr id="19" name="Grafik 18">
+            <a:extLst>
+              <a:ext uri="{FF2B5EF4-FFF2-40B4-BE49-F238E27FC236}">
+                <a16:creationId xmlns:a16="http://schemas.microsoft.com/office/drawing/2014/main" id="{AA14357D-1A26-4884-A732-3D1F62808DBA}"/>
+              </a:ext>
+            </a:extLst>
+          </p:cNvPr>
+          <p:cNvPicPr>
+            <a:picLocks noChangeAspect="1"/>
+          </p:cNvPicPr>
+          <p:nvPr/>
+        </p:nvPicPr>
+        <p:blipFill>
+          <a:blip r:embed="rId37">
+            <a:extLst>
+              <a:ext uri="{28A0092B-C50C-407E-A947-70E740481C1C}">
+                <a14:useLocalDpi xmlns:a14="http://schemas.microsoft.com/office/drawing/2010/main" val="0"/>
+              </a:ext>
+            </a:extLst>
+          </a:blip>
+          <a:stretch>
+            <a:fillRect/>
+          </a:stretch>
+        </p:blipFill>
+        <p:spPr>
+          <a:xfrm>
+            <a:off x="7675009" y="3051068"/>
+            <a:ext cx="1182526" cy="371825"/>
+          </a:xfrm>
+          <a:prstGeom prst="rect">
+            <a:avLst/>
+          </a:prstGeom>
+        </p:spPr>
+      </p:pic>
+      <p:pic>
+        <p:nvPicPr>
+          <p:cNvPr id="25" name="Grafik 24">
+            <a:extLst>
+              <a:ext uri="{FF2B5EF4-FFF2-40B4-BE49-F238E27FC236}">
+                <a16:creationId xmlns:a16="http://schemas.microsoft.com/office/drawing/2014/main" id="{F4034EEE-FD90-4689-A7AB-90235A5734C0}"/>
+              </a:ext>
+            </a:extLst>
+          </p:cNvPr>
+          <p:cNvPicPr>
+            <a:picLocks noChangeAspect="1"/>
+          </p:cNvPicPr>
+          <p:nvPr/>
+        </p:nvPicPr>
+        <p:blipFill>
+          <a:blip r:embed="rId38">
+            <a:extLst>
+              <a:ext uri="{28A0092B-C50C-407E-A947-70E740481C1C}">
+                <a14:useLocalDpi xmlns:a14="http://schemas.microsoft.com/office/drawing/2010/main" val="0"/>
+              </a:ext>
+            </a:extLst>
+          </a:blip>
+          <a:stretch>
+            <a:fillRect/>
+          </a:stretch>
+        </p:blipFill>
+        <p:spPr>
+          <a:xfrm>
+            <a:off x="6576171" y="3279531"/>
+            <a:ext cx="1030863" cy="390386"/>
+          </a:xfrm>
+          <a:prstGeom prst="rect">
+            <a:avLst/>
+          </a:prstGeom>
+        </p:spPr>
+      </p:pic>
+      <p:pic>
+        <p:nvPicPr>
+          <p:cNvPr id="27" name="Grafik 26">
+            <a:extLst>
+              <a:ext uri="{FF2B5EF4-FFF2-40B4-BE49-F238E27FC236}">
+                <a16:creationId xmlns:a16="http://schemas.microsoft.com/office/drawing/2014/main" id="{BBE71B01-DC20-42A5-B063-4075B796FBC0}"/>
+              </a:ext>
+            </a:extLst>
+          </p:cNvPr>
+          <p:cNvPicPr>
+            <a:picLocks noChangeAspect="1"/>
+          </p:cNvPicPr>
+          <p:nvPr/>
+        </p:nvPicPr>
+        <p:blipFill>
+          <a:blip r:embed="rId39">
+            <a:extLst>
+              <a:ext uri="{28A0092B-C50C-407E-A947-70E740481C1C}">
+                <a14:useLocalDpi xmlns:a14="http://schemas.microsoft.com/office/drawing/2010/main" val="0"/>
+              </a:ext>
+            </a:extLst>
+          </a:blip>
+          <a:stretch>
+            <a:fillRect/>
+          </a:stretch>
+        </p:blipFill>
+        <p:spPr>
+          <a:xfrm>
+            <a:off x="6595719" y="5391087"/>
+            <a:ext cx="2287242" cy="327491"/>
+          </a:xfrm>
+          <a:prstGeom prst="rect">
+            <a:avLst/>
+          </a:prstGeom>
+        </p:spPr>
+      </p:pic>
+      <p:pic>
+        <p:nvPicPr>
+          <p:cNvPr id="31" name="Grafik 30">
+            <a:extLst>
+              <a:ext uri="{FF2B5EF4-FFF2-40B4-BE49-F238E27FC236}">
+                <a16:creationId xmlns:a16="http://schemas.microsoft.com/office/drawing/2014/main" id="{4B55B96E-325C-47E9-9541-BE110A723A8A}"/>
+              </a:ext>
+            </a:extLst>
+          </p:cNvPr>
+          <p:cNvPicPr>
+            <a:picLocks noChangeAspect="1"/>
+          </p:cNvPicPr>
+          <p:nvPr/>
+        </p:nvPicPr>
+        <p:blipFill>
+          <a:blip r:embed="rId40">
+            <a:extLst>
+              <a:ext uri="{28A0092B-C50C-407E-A947-70E740481C1C}">
+                <a14:useLocalDpi xmlns:a14="http://schemas.microsoft.com/office/drawing/2010/main" val="0"/>
+              </a:ext>
+            </a:extLst>
+          </a:blip>
+          <a:stretch>
+            <a:fillRect/>
+          </a:stretch>
+        </p:blipFill>
+        <p:spPr>
+          <a:xfrm>
+            <a:off x="7042467" y="5743347"/>
+            <a:ext cx="1911448" cy="369390"/>
+          </a:xfrm>
+          <a:prstGeom prst="rect">
+            <a:avLst/>
+          </a:prstGeom>
+        </p:spPr>
+      </p:pic>
+      <p:pic>
+        <p:nvPicPr>
+          <p:cNvPr id="35" name="Grafik 34">
+            <a:extLst>
+              <a:ext uri="{FF2B5EF4-FFF2-40B4-BE49-F238E27FC236}">
+                <a16:creationId xmlns:a16="http://schemas.microsoft.com/office/drawing/2014/main" id="{001FFC4F-278D-40E5-BF39-52064D4A5C22}"/>
+              </a:ext>
+            </a:extLst>
+          </p:cNvPr>
+          <p:cNvPicPr>
+            <a:picLocks noChangeAspect="1"/>
+          </p:cNvPicPr>
+          <p:nvPr/>
+        </p:nvPicPr>
+        <p:blipFill>
+          <a:blip r:embed="rId41">
+            <a:extLst>
+              <a:ext uri="{28A0092B-C50C-407E-A947-70E740481C1C}">
+                <a14:useLocalDpi xmlns:a14="http://schemas.microsoft.com/office/drawing/2010/main" val="0"/>
+              </a:ext>
+            </a:extLst>
+          </a:blip>
+          <a:stretch>
+            <a:fillRect/>
+          </a:stretch>
+        </p:blipFill>
+        <p:spPr>
+          <a:xfrm>
+            <a:off x="6358700" y="6156571"/>
+            <a:ext cx="1478817" cy="304462"/>
+          </a:xfrm>
+          <a:prstGeom prst="rect">
+            <a:avLst/>
+          </a:prstGeom>
+        </p:spPr>
+      </p:pic>
+      <p:pic>
+        <p:nvPicPr>
+          <p:cNvPr id="37" name="Grafik 36">
+            <a:extLst>
+              <a:ext uri="{FF2B5EF4-FFF2-40B4-BE49-F238E27FC236}">
+                <a16:creationId xmlns:a16="http://schemas.microsoft.com/office/drawing/2014/main" id="{65C882D1-8343-4F67-BF2F-48048D93F467}"/>
+              </a:ext>
+            </a:extLst>
+          </p:cNvPr>
+          <p:cNvPicPr>
+            <a:picLocks noChangeAspect="1"/>
+          </p:cNvPicPr>
+          <p:nvPr/>
+        </p:nvPicPr>
+        <p:blipFill>
+          <a:blip r:embed="rId42">
+            <a:extLst>
+              <a:ext uri="{28A0092B-C50C-407E-A947-70E740481C1C}">
+                <a14:useLocalDpi xmlns:a14="http://schemas.microsoft.com/office/drawing/2010/main" val="0"/>
+              </a:ext>
+            </a:extLst>
+          </a:blip>
+          <a:stretch>
+            <a:fillRect/>
+          </a:stretch>
+        </p:blipFill>
+        <p:spPr>
+          <a:xfrm>
+            <a:off x="6907602" y="7005649"/>
+            <a:ext cx="1478817" cy="364240"/>
+          </a:xfrm>
+          <a:prstGeom prst="rect">
+            <a:avLst/>
+          </a:prstGeom>
+        </p:spPr>
+      </p:pic>
+      <p:pic>
+        <p:nvPicPr>
+          <p:cNvPr id="126" name="Grafik 125">
+            <a:extLst>
+              <a:ext uri="{FF2B5EF4-FFF2-40B4-BE49-F238E27FC236}">
+                <a16:creationId xmlns:a16="http://schemas.microsoft.com/office/drawing/2014/main" id="{A84E50DA-584A-4516-84A8-9996CBD0A7A3}"/>
+              </a:ext>
+            </a:extLst>
+          </p:cNvPr>
+          <p:cNvPicPr>
+            <a:picLocks noChangeAspect="1"/>
+          </p:cNvPicPr>
+          <p:nvPr/>
+        </p:nvPicPr>
+        <p:blipFill>
+          <a:blip r:embed="rId43"/>
+          <a:stretch>
+            <a:fillRect/>
+          </a:stretch>
+        </p:blipFill>
+        <p:spPr>
+          <a:xfrm>
+            <a:off x="11546461" y="7352109"/>
+            <a:ext cx="724145" cy="674449"/>
+          </a:xfrm>
+          <a:prstGeom prst="rect">
+            <a:avLst/>
+          </a:prstGeom>
+        </p:spPr>
+      </p:pic>
+      <p:pic>
+        <p:nvPicPr>
+          <p:cNvPr id="127" name="Grafik 126">
+            <a:extLst>
+              <a:ext uri="{FF2B5EF4-FFF2-40B4-BE49-F238E27FC236}">
+                <a16:creationId xmlns:a16="http://schemas.microsoft.com/office/drawing/2014/main" id="{B83B873C-BF67-4B70-A91D-85DD6C4F22B7}"/>
+              </a:ext>
+            </a:extLst>
+          </p:cNvPr>
+          <p:cNvPicPr>
+            <a:picLocks noChangeAspect="1"/>
+          </p:cNvPicPr>
+          <p:nvPr/>
+        </p:nvPicPr>
+        <p:blipFill>
+          <a:blip r:embed="rId44"/>
+          <a:stretch>
+            <a:fillRect/>
+          </a:stretch>
+        </p:blipFill>
+        <p:spPr>
+          <a:xfrm>
+            <a:off x="11405821" y="8380808"/>
+            <a:ext cx="860682" cy="203268"/>
+          </a:xfrm>
+          <a:prstGeom prst="rect">
+            <a:avLst/>
+          </a:prstGeom>
+        </p:spPr>
+      </p:pic>
+      <p:pic>
+        <p:nvPicPr>
+          <p:cNvPr id="128" name="Grafik 127">
+            <a:extLst>
+              <a:ext uri="{FF2B5EF4-FFF2-40B4-BE49-F238E27FC236}">
+                <a16:creationId xmlns:a16="http://schemas.microsoft.com/office/drawing/2014/main" id="{A55412F6-D0E4-433C-B84A-59C1AE18C201}"/>
+              </a:ext>
+            </a:extLst>
+          </p:cNvPr>
+          <p:cNvPicPr>
+            <a:picLocks noChangeAspect="1"/>
+          </p:cNvPicPr>
+          <p:nvPr/>
+        </p:nvPicPr>
+        <p:blipFill>
+          <a:blip r:embed="rId45"/>
+          <a:stretch>
+            <a:fillRect/>
+          </a:stretch>
+        </p:blipFill>
+        <p:spPr>
+          <a:xfrm>
+            <a:off x="11358813" y="8155560"/>
+            <a:ext cx="921287" cy="224850"/>
+          </a:xfrm>
+          <a:prstGeom prst="rect">
+            <a:avLst/>
+          </a:prstGeom>
+        </p:spPr>
+      </p:pic>
+      <p:pic>
+        <p:nvPicPr>
+          <p:cNvPr id="129" name="Grafik 128">
+            <a:extLst>
+              <a:ext uri="{FF2B5EF4-FFF2-40B4-BE49-F238E27FC236}">
+                <a16:creationId xmlns:a16="http://schemas.microsoft.com/office/drawing/2014/main" id="{14279E87-07BA-4FE4-861E-0869E9AA0F75}"/>
+              </a:ext>
+            </a:extLst>
+          </p:cNvPr>
+          <p:cNvPicPr>
+            <a:picLocks noChangeAspect="1"/>
+          </p:cNvPicPr>
+          <p:nvPr/>
+        </p:nvPicPr>
+        <p:blipFill>
+          <a:blip r:embed="rId46"/>
+          <a:stretch>
+            <a:fillRect/>
+          </a:stretch>
+        </p:blipFill>
+        <p:spPr>
+          <a:xfrm>
+            <a:off x="11099751" y="5474049"/>
+            <a:ext cx="1280363" cy="604689"/>
+          </a:xfrm>
+          <a:prstGeom prst="rect">
+            <a:avLst/>
+          </a:prstGeom>
+        </p:spPr>
+      </p:pic>
+      <p:pic>
+        <p:nvPicPr>
+          <p:cNvPr id="130" name="Grafik 129">
+            <a:extLst>
+              <a:ext uri="{FF2B5EF4-FFF2-40B4-BE49-F238E27FC236}">
+                <a16:creationId xmlns:a16="http://schemas.microsoft.com/office/drawing/2014/main" id="{FF3E52DA-4EE1-47FA-BEAA-6E4566B02634}"/>
+              </a:ext>
+            </a:extLst>
+          </p:cNvPr>
+          <p:cNvPicPr>
+            <a:picLocks noChangeAspect="1"/>
+          </p:cNvPicPr>
+          <p:nvPr/>
+        </p:nvPicPr>
+        <p:blipFill>
+          <a:blip r:embed="rId47"/>
+          <a:stretch>
+            <a:fillRect/>
+          </a:stretch>
+        </p:blipFill>
+        <p:spPr>
+          <a:xfrm>
+            <a:off x="11079287" y="6293386"/>
+            <a:ext cx="829246" cy="518730"/>
+          </a:xfrm>
+          <a:prstGeom prst="rect">
+            <a:avLst/>
+          </a:prstGeom>
+        </p:spPr>
+      </p:pic>
+      <p:pic>
+        <p:nvPicPr>
+          <p:cNvPr id="47" name="Grafik 46">
+            <a:extLst>
+              <a:ext uri="{FF2B5EF4-FFF2-40B4-BE49-F238E27FC236}">
+                <a16:creationId xmlns:a16="http://schemas.microsoft.com/office/drawing/2014/main" id="{6AB00C37-AFD3-407A-8897-5F75D1D40628}"/>
+              </a:ext>
+            </a:extLst>
+          </p:cNvPr>
+          <p:cNvPicPr>
+            <a:picLocks noChangeAspect="1"/>
+          </p:cNvPicPr>
+          <p:nvPr/>
+        </p:nvPicPr>
+        <p:blipFill>
+          <a:blip r:embed="rId48">
+            <a:extLst>
+              <a:ext uri="{28A0092B-C50C-407E-A947-70E740481C1C}">
+                <a14:useLocalDpi xmlns:a14="http://schemas.microsoft.com/office/drawing/2010/main" val="0"/>
+              </a:ext>
+            </a:extLst>
+          </a:blip>
+          <a:stretch>
+            <a:fillRect/>
+          </a:stretch>
+        </p:blipFill>
+        <p:spPr>
+          <a:xfrm>
+            <a:off x="6600962" y="8265782"/>
+            <a:ext cx="1274544" cy="343573"/>
+          </a:xfrm>
+          <a:prstGeom prst="rect">
+            <a:avLst/>
+          </a:prstGeom>
+        </p:spPr>
+      </p:pic>
+      <p:pic>
+        <p:nvPicPr>
+          <p:cNvPr id="49" name="Grafik 48">
+            <a:extLst>
+              <a:ext uri="{FF2B5EF4-FFF2-40B4-BE49-F238E27FC236}">
+                <a16:creationId xmlns:a16="http://schemas.microsoft.com/office/drawing/2014/main" id="{C3380A6F-6A08-4A90-95EF-7D12CB594FAF}"/>
+              </a:ext>
+            </a:extLst>
+          </p:cNvPr>
+          <p:cNvPicPr>
+            <a:picLocks noChangeAspect="1"/>
+          </p:cNvPicPr>
+          <p:nvPr/>
+        </p:nvPicPr>
+        <p:blipFill>
+          <a:blip r:embed="rId49">
+            <a:extLst>
+              <a:ext uri="{28A0092B-C50C-407E-A947-70E740481C1C}">
+                <a14:useLocalDpi xmlns:a14="http://schemas.microsoft.com/office/drawing/2010/main" val="0"/>
+              </a:ext>
+            </a:extLst>
+          </a:blip>
+          <a:stretch>
+            <a:fillRect/>
+          </a:stretch>
+        </p:blipFill>
+        <p:spPr>
+          <a:xfrm>
+            <a:off x="6918659" y="8627432"/>
+            <a:ext cx="1276528" cy="314369"/>
           </a:xfrm>
           <a:prstGeom prst="rect">
             <a:avLst/>
@@ -6102,7 +6287,7 @@
             </a:pPr>
             <a:r>
               <a:rPr lang="de-DE" dirty="0"/>
-              <a:t>Auswählen des Feldes Paket hinzufügen</a:t>
+              <a:t>Auswählen des Feldes Erweiterungen</a:t>
             </a:r>
           </a:p>
           <a:p>
@@ -6192,7 +6377,7 @@
           <a:p>
             <a:r>
               <a:rPr lang="de-DE" sz="1200" dirty="0"/>
-              <a:t>Verteilung von einem Eingangswertes auf einen Ausgangswert.</a:t>
+              <a:t>Verteilung eines Eingangswertes auf einen Ausgangswert</a:t>
             </a:r>
           </a:p>
           <a:p>
@@ -6355,146 +6540,141 @@
           </a:p>
         </p:txBody>
       </p:sp>
-      <p:pic>
-        <p:nvPicPr>
-          <p:cNvPr id="3" name="Grafik 2"/>
-          <p:cNvPicPr>
-            <a:picLocks noChangeAspect="1"/>
-          </p:cNvPicPr>
-          <p:nvPr/>
-        </p:nvPicPr>
-        <p:blipFill>
-          <a:blip r:embed="rId2" cstate="print">
-            <a:extLst>
-              <a:ext uri="{28A0092B-C50C-407E-A947-70E740481C1C}">
-                <a14:useLocalDpi xmlns:a14="http://schemas.microsoft.com/office/drawing/2010/main" val="0"/>
-              </a:ext>
-            </a:extLst>
-          </a:blip>
-          <a:stretch>
-            <a:fillRect/>
-          </a:stretch>
-        </p:blipFill>
-        <p:spPr>
-          <a:xfrm>
-            <a:off x="11081801" y="6489410"/>
-            <a:ext cx="1257328" cy="2750405"/>
-          </a:xfrm>
-          <a:prstGeom prst="rect">
-            <a:avLst/>
-          </a:prstGeom>
-        </p:spPr>
-      </p:pic>
-      <p:pic>
-        <p:nvPicPr>
-          <p:cNvPr id="6" name="Grafik 5"/>
-          <p:cNvPicPr>
-            <a:picLocks noChangeAspect="1"/>
-          </p:cNvPicPr>
-          <p:nvPr/>
-        </p:nvPicPr>
-        <p:blipFill>
-          <a:blip r:embed="rId3" cstate="print">
-            <a:extLst>
-              <a:ext uri="{28A0092B-C50C-407E-A947-70E740481C1C}">
-                <a14:useLocalDpi xmlns:a14="http://schemas.microsoft.com/office/drawing/2010/main" val="0"/>
-              </a:ext>
-            </a:extLst>
-          </a:blip>
-          <a:stretch>
-            <a:fillRect/>
-          </a:stretch>
-        </p:blipFill>
-        <p:spPr>
-          <a:xfrm>
-            <a:off x="7100287" y="6804518"/>
-            <a:ext cx="3657255" cy="1778708"/>
-          </a:xfrm>
-          <a:prstGeom prst="rect">
-            <a:avLst/>
-          </a:prstGeom>
-        </p:spPr>
-      </p:pic>
-      <p:pic>
-        <p:nvPicPr>
-          <p:cNvPr id="8" name="Grafik 7"/>
-          <p:cNvPicPr>
-            <a:picLocks noChangeAspect="1"/>
-          </p:cNvPicPr>
-          <p:nvPr/>
-        </p:nvPicPr>
-        <p:blipFill>
-          <a:blip r:embed="rId4" cstate="print">
-            <a:extLst>
-              <a:ext uri="{28A0092B-C50C-407E-A947-70E740481C1C}">
-                <a14:useLocalDpi xmlns:a14="http://schemas.microsoft.com/office/drawing/2010/main" val="0"/>
-              </a:ext>
-            </a:extLst>
-          </a:blip>
-          <a:stretch>
-            <a:fillRect/>
-          </a:stretch>
-        </p:blipFill>
-        <p:spPr>
-          <a:xfrm>
-            <a:off x="5473997" y="6800409"/>
-            <a:ext cx="1397805" cy="2402478"/>
-          </a:xfrm>
-          <a:prstGeom prst="rect">
-            <a:avLst/>
-          </a:prstGeom>
-        </p:spPr>
-      </p:pic>
-      <p:pic>
-        <p:nvPicPr>
-          <p:cNvPr id="17" name="Grafik 16"/>
-          <p:cNvPicPr>
-            <a:picLocks noChangeAspect="1"/>
-          </p:cNvPicPr>
-          <p:nvPr/>
-        </p:nvPicPr>
-        <p:blipFill>
-          <a:blip r:embed="rId5" cstate="print">
-            <a:extLst>
-              <a:ext uri="{28A0092B-C50C-407E-A947-70E740481C1C}">
-                <a14:useLocalDpi xmlns:a14="http://schemas.microsoft.com/office/drawing/2010/main" val="0"/>
-              </a:ext>
-            </a:extLst>
-          </a:blip>
-          <a:stretch>
-            <a:fillRect/>
-          </a:stretch>
-        </p:blipFill>
-        <p:spPr>
-          <a:xfrm>
-            <a:off x="3980342" y="6341284"/>
-            <a:ext cx="1354179" cy="2909300"/>
-          </a:xfrm>
-          <a:prstGeom prst="rect">
-            <a:avLst/>
-          </a:prstGeom>
-        </p:spPr>
-      </p:pic>
-      <p:sp>
-        <p:nvSpPr>
-          <p:cNvPr id="26" name="Abgerundetes Rechteck 25"/>
+      <p:sp>
+        <p:nvSpPr>
+          <p:cNvPr id="27" name="Textfeld 26"/>
+          <p:cNvSpPr txBox="1"/>
+          <p:nvPr/>
+        </p:nvSpPr>
+        <p:spPr>
+          <a:xfrm>
+            <a:off x="4022781" y="5971747"/>
+            <a:ext cx="1269299" cy="369332"/>
+          </a:xfrm>
+          <a:prstGeom prst="rect">
+            <a:avLst/>
+          </a:prstGeom>
+          <a:noFill/>
+        </p:spPr>
+        <p:txBody>
+          <a:bodyPr wrap="square" rtlCol="0">
+            <a:spAutoFit/>
+          </a:bodyPr>
+          <a:lstStyle/>
+          <a:p>
+            <a:pPr algn="ctr"/>
+            <a:r>
+              <a:rPr lang="de-DE" dirty="0"/>
+              <a:t>1.</a:t>
+            </a:r>
+          </a:p>
+        </p:txBody>
+      </p:sp>
+      <p:sp>
+        <p:nvSpPr>
+          <p:cNvPr id="90" name="Textfeld 89"/>
+          <p:cNvSpPr txBox="1"/>
+          <p:nvPr/>
+        </p:nvSpPr>
+        <p:spPr>
+          <a:xfrm>
+            <a:off x="5515262" y="5969681"/>
+            <a:ext cx="1349461" cy="369332"/>
+          </a:xfrm>
+          <a:prstGeom prst="rect">
+            <a:avLst/>
+          </a:prstGeom>
+          <a:noFill/>
+        </p:spPr>
+        <p:txBody>
+          <a:bodyPr wrap="square" rtlCol="0">
+            <a:spAutoFit/>
+          </a:bodyPr>
+          <a:lstStyle/>
+          <a:p>
+            <a:pPr algn="ctr"/>
+            <a:r>
+              <a:rPr lang="de-DE" dirty="0"/>
+              <a:t>2.</a:t>
+            </a:r>
+          </a:p>
+        </p:txBody>
+      </p:sp>
+      <p:sp>
+        <p:nvSpPr>
+          <p:cNvPr id="91" name="Textfeld 90"/>
+          <p:cNvSpPr txBox="1"/>
+          <p:nvPr/>
+        </p:nvSpPr>
+        <p:spPr>
+          <a:xfrm>
+            <a:off x="11071189" y="5974895"/>
+            <a:ext cx="1281009" cy="369332"/>
+          </a:xfrm>
+          <a:prstGeom prst="rect">
+            <a:avLst/>
+          </a:prstGeom>
+          <a:noFill/>
+        </p:spPr>
+        <p:txBody>
+          <a:bodyPr wrap="square" rtlCol="0">
+            <a:spAutoFit/>
+          </a:bodyPr>
+          <a:lstStyle/>
+          <a:p>
+            <a:pPr algn="ctr"/>
+            <a:r>
+              <a:rPr lang="de-DE" dirty="0"/>
+              <a:t>5.</a:t>
+            </a:r>
+          </a:p>
+        </p:txBody>
+      </p:sp>
+      <p:sp>
+        <p:nvSpPr>
+          <p:cNvPr id="109" name="Textfeld 108"/>
+          <p:cNvSpPr txBox="1"/>
+          <p:nvPr/>
+        </p:nvSpPr>
+        <p:spPr>
+          <a:xfrm>
+            <a:off x="8202378" y="5974895"/>
+            <a:ext cx="1453072" cy="369332"/>
+          </a:xfrm>
+          <a:prstGeom prst="rect">
+            <a:avLst/>
+          </a:prstGeom>
+          <a:noFill/>
+        </p:spPr>
+        <p:txBody>
+          <a:bodyPr wrap="square" rtlCol="0">
+            <a:spAutoFit/>
+          </a:bodyPr>
+          <a:lstStyle/>
+          <a:p>
+            <a:pPr algn="ctr"/>
+            <a:r>
+              <a:rPr lang="de-DE" dirty="0"/>
+              <a:t>3./4.</a:t>
+            </a:r>
+          </a:p>
+        </p:txBody>
+      </p:sp>
+      <p:sp>
+        <p:nvSpPr>
+          <p:cNvPr id="43" name="Rechteck 42"/>
           <p:cNvSpPr/>
           <p:nvPr/>
         </p:nvSpPr>
         <p:spPr>
           <a:xfrm>
-            <a:off x="3985724" y="8962363"/>
-            <a:ext cx="1337821" cy="310640"/>
-          </a:xfrm>
-          <a:prstGeom prst="roundRect">
+            <a:off x="9213448" y="100362"/>
+            <a:ext cx="3379807" cy="5712266"/>
+          </a:xfrm>
+          <a:prstGeom prst="rect">
             <a:avLst/>
           </a:prstGeom>
           <a:noFill/>
-          <a:ln w="28575">
-            <a:solidFill>
-              <a:srgbClr val="FF0000"/>
-            </a:solidFill>
-          </a:ln>
         </p:spPr>
         <p:style>
           <a:lnRef idx="2">
@@ -6523,14 +6703,784 @@
       </p:sp>
       <p:sp>
         <p:nvSpPr>
-          <p:cNvPr id="70" name="Abgerundetes Rechteck 69"/>
+          <p:cNvPr id="32" name="Textfeld 31"/>
+          <p:cNvSpPr txBox="1"/>
+          <p:nvPr/>
+        </p:nvSpPr>
+        <p:spPr>
+          <a:xfrm>
+            <a:off x="9213446" y="117579"/>
+            <a:ext cx="3379807" cy="5401479"/>
+          </a:xfrm>
+          <a:prstGeom prst="rect">
+            <a:avLst/>
+          </a:prstGeom>
+          <a:noFill/>
+        </p:spPr>
+        <p:txBody>
+          <a:bodyPr wrap="square" rtlCol="0">
+            <a:spAutoFit/>
+          </a:bodyPr>
+          <a:lstStyle/>
+          <a:p>
+            <a:r>
+              <a:rPr lang="de-DE" sz="1200" dirty="0"/>
+              <a:t>Einhalten von Grenzwerten</a:t>
+            </a:r>
+          </a:p>
+          <a:p>
+            <a:endParaRPr lang="de-DE" sz="800" dirty="0"/>
+          </a:p>
+          <a:p>
+            <a:pPr marL="171450" indent="-171450">
+              <a:buFont typeface="Arial" panose="020B0604020202020204" pitchFamily="34" charset="0"/>
+              <a:buChar char="•"/>
+            </a:pPr>
+            <a:r>
+              <a:rPr lang="de-DE" sz="1200" dirty="0"/>
+              <a:t>Bei Überschreitung von Grenzwerten (z.B. maximal 100% Motorgeschwindigkeit) kann es zu merkwürdigen Ergebnissen kommen</a:t>
+            </a:r>
+          </a:p>
+          <a:p>
+            <a:pPr marL="171450" indent="-171450">
+              <a:buFont typeface="Arial" panose="020B0604020202020204" pitchFamily="34" charset="0"/>
+              <a:buChar char="•"/>
+            </a:pPr>
+            <a:r>
+              <a:rPr lang="de-DE" sz="1200" dirty="0"/>
+              <a:t>Verhindern von nicht definierten Werten bzw. Wertebereichüberschreitungen</a:t>
+            </a:r>
+          </a:p>
+          <a:p>
+            <a:pPr marL="171450" indent="-171450">
+              <a:buFont typeface="Arial" panose="020B0604020202020204" pitchFamily="34" charset="0"/>
+              <a:buChar char="•"/>
+            </a:pPr>
+            <a:endParaRPr lang="de-DE" sz="800" dirty="0"/>
+          </a:p>
+          <a:p>
+            <a:r>
+              <a:rPr lang="de-DE" sz="1200" dirty="0"/>
+              <a:t>Möglichkeiten:</a:t>
+            </a:r>
+          </a:p>
+          <a:p>
+            <a:pPr marL="228600" indent="-228600">
+              <a:buFont typeface="+mj-lt"/>
+              <a:buAutoNum type="arabicPeriod"/>
+            </a:pPr>
+            <a:r>
+              <a:rPr lang="de-DE" sz="1200" dirty="0"/>
+              <a:t>Abfragen des aktuellen Wertes und setzen eines neuen Wertes:</a:t>
+            </a:r>
+            <a:endParaRPr lang="de-DE" sz="1100" dirty="0"/>
+          </a:p>
+          <a:p>
+            <a:pPr marL="228600" indent="-228600">
+              <a:buFont typeface="+mj-lt"/>
+              <a:buAutoNum type="arabicPeriod"/>
+            </a:pPr>
+            <a:endParaRPr lang="de-DE" sz="1100" dirty="0"/>
+          </a:p>
+          <a:p>
+            <a:pPr marL="228600" indent="-228600">
+              <a:buFont typeface="+mj-lt"/>
+              <a:buAutoNum type="arabicPeriod"/>
+            </a:pPr>
+            <a:endParaRPr lang="de-DE" sz="1100" dirty="0"/>
+          </a:p>
+          <a:p>
+            <a:pPr marL="228600" indent="-228600">
+              <a:buFont typeface="+mj-lt"/>
+              <a:buAutoNum type="arabicPeriod"/>
+            </a:pPr>
+            <a:endParaRPr lang="de-DE" sz="1100" dirty="0"/>
+          </a:p>
+          <a:p>
+            <a:pPr marL="228600" indent="-228600">
+              <a:buFont typeface="+mj-lt"/>
+              <a:buAutoNum type="arabicPeriod"/>
+            </a:pPr>
+            <a:endParaRPr lang="de-DE" sz="1100" dirty="0"/>
+          </a:p>
+          <a:p>
+            <a:pPr marL="228600" indent="-228600">
+              <a:buFont typeface="+mj-lt"/>
+              <a:buAutoNum type="arabicPeriod"/>
+            </a:pPr>
+            <a:endParaRPr lang="de-DE" sz="1100" dirty="0"/>
+          </a:p>
+          <a:p>
+            <a:pPr marL="228600" indent="-228600">
+              <a:buFont typeface="+mj-lt"/>
+              <a:buAutoNum type="arabicPeriod"/>
+            </a:pPr>
+            <a:endParaRPr lang="de-DE" sz="1100" dirty="0"/>
+          </a:p>
+          <a:p>
+            <a:pPr marL="228600" indent="-228600">
+              <a:buFont typeface="+mj-lt"/>
+              <a:buAutoNum type="arabicPeriod"/>
+            </a:pPr>
+            <a:endParaRPr lang="de-DE" sz="1100" dirty="0"/>
+          </a:p>
+          <a:p>
+            <a:pPr marL="228600" indent="-228600">
+              <a:buFont typeface="+mj-lt"/>
+              <a:buAutoNum type="arabicPeriod"/>
+            </a:pPr>
+            <a:endParaRPr lang="de-DE" sz="1100" dirty="0"/>
+          </a:p>
+          <a:p>
+            <a:pPr marL="228600" indent="-228600">
+              <a:buFont typeface="+mj-lt"/>
+              <a:buAutoNum type="arabicPeriod"/>
+            </a:pPr>
+            <a:endParaRPr lang="de-DE" sz="1100" dirty="0"/>
+          </a:p>
+          <a:p>
+            <a:pPr marL="228600" indent="-228600">
+              <a:buFont typeface="+mj-lt"/>
+              <a:buAutoNum type="arabicPeriod"/>
+            </a:pPr>
+            <a:r>
+              <a:rPr lang="de-DE" sz="1200" dirty="0"/>
+              <a:t>Arbeiten mit Maximal- und Minimal-Wertfunktionen (Mathematik </a:t>
+            </a:r>
+            <a:r>
+              <a:rPr lang="de-DE" sz="1200" dirty="0">
+                <a:sym typeface="Wingdings" panose="05000000000000000000" pitchFamily="2" charset="2"/>
+              </a:rPr>
+              <a:t> Mehr)</a:t>
+            </a:r>
+            <a:endParaRPr lang="de-DE" sz="1200" dirty="0"/>
+          </a:p>
+          <a:p>
+            <a:pPr marL="685800" lvl="1" indent="-228600">
+              <a:buFont typeface="+mj-lt"/>
+              <a:buAutoNum type="arabicPeriod"/>
+            </a:pPr>
+            <a:r>
+              <a:rPr lang="de-DE" sz="1100" dirty="0"/>
+              <a:t>Unteren Grenzwert nicht unterschreiten</a:t>
+            </a:r>
+            <a:br>
+              <a:rPr lang="de-DE" sz="1100" dirty="0"/>
+            </a:br>
+            <a:r>
+              <a:rPr lang="de-DE" sz="1100" dirty="0"/>
+              <a:t>(</a:t>
+            </a:r>
+            <a:r>
+              <a:rPr lang="de-DE" sz="1100" dirty="0" err="1"/>
+              <a:t>akutellerWert</a:t>
+            </a:r>
+            <a:r>
+              <a:rPr lang="de-DE" sz="1100" dirty="0"/>
+              <a:t> = -1; untere Grenze = 0</a:t>
+            </a:r>
+            <a:br>
+              <a:rPr lang="de-DE" sz="1100" dirty="0"/>
+            </a:br>
+            <a:r>
+              <a:rPr lang="de-DE" sz="1100" dirty="0"/>
+              <a:t>der maximale Wert der beiden Zahlen ist der untere Grenzwert mit 0, dieser wird von der Maximalwertfunktion zurückgegeben)</a:t>
+            </a:r>
+          </a:p>
+          <a:p>
+            <a:pPr marL="685800" lvl="1" indent="-228600">
+              <a:buFont typeface="+mj-lt"/>
+              <a:buAutoNum type="arabicPeriod"/>
+            </a:pPr>
+            <a:endParaRPr lang="de-DE" sz="500" dirty="0"/>
+          </a:p>
+          <a:p>
+            <a:pPr marL="685800" lvl="1" indent="-228600">
+              <a:buFont typeface="+mj-lt"/>
+              <a:buAutoNum type="arabicPeriod"/>
+            </a:pPr>
+            <a:endParaRPr lang="de-DE" sz="500" dirty="0"/>
+          </a:p>
+          <a:p>
+            <a:pPr marL="685800" lvl="1" indent="-228600">
+              <a:buFont typeface="+mj-lt"/>
+              <a:buAutoNum type="arabicPeriod"/>
+            </a:pPr>
+            <a:endParaRPr lang="de-DE" sz="1100" dirty="0"/>
+          </a:p>
+          <a:p>
+            <a:pPr marL="685800" lvl="1" indent="-228600">
+              <a:buFont typeface="+mj-lt"/>
+              <a:buAutoNum type="arabicPeriod"/>
+            </a:pPr>
+            <a:r>
+              <a:rPr lang="de-DE" sz="1100" dirty="0"/>
+              <a:t>Oberen Grenzwert nicht überschreiten</a:t>
+            </a:r>
+            <a:br>
+              <a:rPr lang="de-DE" sz="1100" dirty="0"/>
+            </a:br>
+            <a:r>
+              <a:rPr lang="de-DE" sz="1100" dirty="0"/>
+              <a:t>(analog  Unterer Grenzwert)</a:t>
+            </a:r>
+          </a:p>
+        </p:txBody>
+      </p:sp>
+      <p:sp>
+        <p:nvSpPr>
+          <p:cNvPr id="45" name="Textfeld 44"/>
+          <p:cNvSpPr txBox="1"/>
+          <p:nvPr/>
+        </p:nvSpPr>
+        <p:spPr>
+          <a:xfrm>
+            <a:off x="4627952" y="4898929"/>
+            <a:ext cx="2392759" cy="1200329"/>
+          </a:xfrm>
+          <a:prstGeom prst="rect">
+            <a:avLst/>
+          </a:prstGeom>
+          <a:noFill/>
+        </p:spPr>
+        <p:txBody>
+          <a:bodyPr wrap="square" rtlCol="0">
+            <a:spAutoFit/>
+          </a:bodyPr>
+          <a:lstStyle/>
+          <a:p>
+            <a:r>
+              <a:rPr lang="de-DE" sz="1200" dirty="0"/>
+              <a:t>Der kleiner der beiden Werte wird ausgewählt</a:t>
+            </a:r>
+          </a:p>
+          <a:p>
+            <a:endParaRPr lang="de-DE" sz="1200" dirty="0"/>
+          </a:p>
+          <a:p>
+            <a:r>
+              <a:rPr lang="de-DE" sz="1200" dirty="0"/>
+              <a:t>Der größere der beiden Werte wird ausgewählt</a:t>
+            </a:r>
+          </a:p>
+          <a:p>
+            <a:endParaRPr lang="de-DE" sz="1200" dirty="0"/>
+          </a:p>
+        </p:txBody>
+      </p:sp>
+      <p:sp>
+        <p:nvSpPr>
+          <p:cNvPr id="4" name="Textfeld 3"/>
+          <p:cNvSpPr txBox="1"/>
+          <p:nvPr/>
+        </p:nvSpPr>
+        <p:spPr>
+          <a:xfrm>
+            <a:off x="137711" y="9355466"/>
+            <a:ext cx="7799017" cy="230832"/>
+          </a:xfrm>
+          <a:prstGeom prst="rect">
+            <a:avLst/>
+          </a:prstGeom>
+          <a:noFill/>
+        </p:spPr>
+        <p:txBody>
+          <a:bodyPr wrap="square" rtlCol="0">
+            <a:spAutoFit/>
+          </a:bodyPr>
+          <a:lstStyle/>
+          <a:p>
+            <a:r>
+              <a:rPr lang="de-DE" sz="900" dirty="0"/>
+              <a:t>Eine Produktion im Rahmen des KISS-MINT-Projektes (</a:t>
+            </a:r>
+            <a:r>
+              <a:rPr lang="de-DE" sz="900" dirty="0">
+                <a:hlinkClick r:id="rId2"/>
+              </a:rPr>
+              <a:t>https://www.htw-dresden.de/kiss-mint</a:t>
+            </a:r>
+            <a:r>
+              <a:rPr lang="de-DE" sz="900" dirty="0"/>
+              <a:t>) an der HTW Dresden, gefördert durch die TÜV-Süd Stiftung. </a:t>
+            </a:r>
+          </a:p>
+        </p:txBody>
+      </p:sp>
+      <p:sp>
+        <p:nvSpPr>
+          <p:cNvPr id="47" name="Textfeld 46"/>
+          <p:cNvSpPr txBox="1"/>
+          <p:nvPr/>
+        </p:nvSpPr>
+        <p:spPr>
+          <a:xfrm>
+            <a:off x="7386643" y="9355068"/>
+            <a:ext cx="5206610" cy="230832"/>
+          </a:xfrm>
+          <a:prstGeom prst="rect">
+            <a:avLst/>
+          </a:prstGeom>
+          <a:noFill/>
+        </p:spPr>
+        <p:txBody>
+          <a:bodyPr wrap="square" rtlCol="0">
+            <a:spAutoFit/>
+          </a:bodyPr>
+          <a:lstStyle/>
+          <a:p>
+            <a:pPr algn="r"/>
+            <a:r>
+              <a:rPr lang="de-DE" sz="900" dirty="0"/>
+              <a:t>Veröffentlicht unter CC BY SA (</a:t>
+            </a:r>
+            <a:r>
+              <a:rPr lang="de-DE" sz="900" dirty="0">
+                <a:hlinkClick r:id="rId3"/>
+              </a:rPr>
+              <a:t>http://creativecommons.org/licenses/by-sa/4.0/</a:t>
+            </a:r>
+            <a:r>
+              <a:rPr lang="de-DE" sz="900" dirty="0"/>
+              <a:t>)</a:t>
+            </a:r>
+          </a:p>
+        </p:txBody>
+      </p:sp>
+      <p:pic>
+        <p:nvPicPr>
+          <p:cNvPr id="48" name="Grafik 47">
+            <a:extLst>
+              <a:ext uri="{FF2B5EF4-FFF2-40B4-BE49-F238E27FC236}">
+                <a16:creationId xmlns:a16="http://schemas.microsoft.com/office/drawing/2014/main" id="{4AA91646-05DB-44FC-B2BC-AA34D1DB6106}"/>
+              </a:ext>
+            </a:extLst>
+          </p:cNvPr>
+          <p:cNvPicPr>
+            <a:picLocks noChangeAspect="1"/>
+          </p:cNvPicPr>
+          <p:nvPr/>
+        </p:nvPicPr>
+        <p:blipFill>
+          <a:blip r:embed="rId4">
+            <a:extLst>
+              <a:ext uri="{28A0092B-C50C-407E-A947-70E740481C1C}">
+                <a14:useLocalDpi xmlns:a14="http://schemas.microsoft.com/office/drawing/2010/main" val="0"/>
+              </a:ext>
+            </a:extLst>
+          </a:blip>
+          <a:stretch>
+            <a:fillRect/>
+          </a:stretch>
+        </p:blipFill>
+        <p:spPr>
+          <a:xfrm>
+            <a:off x="5587266" y="4255322"/>
+            <a:ext cx="1638594" cy="319274"/>
+          </a:xfrm>
+          <a:prstGeom prst="rect">
+            <a:avLst/>
+          </a:prstGeom>
+          <a:ln>
+            <a:solidFill>
+              <a:schemeClr val="bg1">
+                <a:lumMod val="85000"/>
+              </a:schemeClr>
+            </a:solidFill>
+          </a:ln>
+        </p:spPr>
+      </p:pic>
+      <p:pic>
+        <p:nvPicPr>
+          <p:cNvPr id="12" name="Grafik 11">
+            <a:extLst>
+              <a:ext uri="{FF2B5EF4-FFF2-40B4-BE49-F238E27FC236}">
+                <a16:creationId xmlns:a16="http://schemas.microsoft.com/office/drawing/2014/main" id="{DC3CA5C7-7AB0-4CB2-AEAC-11EA5BBF1E55}"/>
+              </a:ext>
+            </a:extLst>
+          </p:cNvPr>
+          <p:cNvPicPr>
+            <a:picLocks noChangeAspect="1"/>
+          </p:cNvPicPr>
+          <p:nvPr/>
+        </p:nvPicPr>
+        <p:blipFill>
+          <a:blip r:embed="rId5">
+            <a:extLst>
+              <a:ext uri="{28A0092B-C50C-407E-A947-70E740481C1C}">
+                <a14:useLocalDpi xmlns:a14="http://schemas.microsoft.com/office/drawing/2010/main" val="0"/>
+              </a:ext>
+            </a:extLst>
+          </a:blip>
+          <a:stretch>
+            <a:fillRect/>
+          </a:stretch>
+        </p:blipFill>
+        <p:spPr>
+          <a:xfrm>
+            <a:off x="1143540" y="3446794"/>
+            <a:ext cx="1638594" cy="323523"/>
+          </a:xfrm>
+          <a:prstGeom prst="rect">
+            <a:avLst/>
+          </a:prstGeom>
+          <a:ln>
+            <a:solidFill>
+              <a:schemeClr val="bg1">
+                <a:lumMod val="85000"/>
+              </a:schemeClr>
+            </a:solidFill>
+          </a:ln>
+        </p:spPr>
+      </p:pic>
+      <p:pic>
+        <p:nvPicPr>
+          <p:cNvPr id="20" name="Grafik 19">
+            <a:extLst>
+              <a:ext uri="{FF2B5EF4-FFF2-40B4-BE49-F238E27FC236}">
+                <a16:creationId xmlns:a16="http://schemas.microsoft.com/office/drawing/2014/main" id="{2D7BC999-E1DC-41E4-BE32-0DA9A5287D2E}"/>
+              </a:ext>
+            </a:extLst>
+          </p:cNvPr>
+          <p:cNvPicPr>
+            <a:picLocks noChangeAspect="1"/>
+          </p:cNvPicPr>
+          <p:nvPr/>
+        </p:nvPicPr>
+        <p:blipFill>
+          <a:blip r:embed="rId6">
+            <a:extLst>
+              <a:ext uri="{28A0092B-C50C-407E-A947-70E740481C1C}">
+                <a14:useLocalDpi xmlns:a14="http://schemas.microsoft.com/office/drawing/2010/main" val="0"/>
+              </a:ext>
+            </a:extLst>
+          </a:blip>
+          <a:stretch>
+            <a:fillRect/>
+          </a:stretch>
+        </p:blipFill>
+        <p:spPr>
+          <a:xfrm>
+            <a:off x="1143540" y="1202114"/>
+            <a:ext cx="1638594" cy="322482"/>
+          </a:xfrm>
+          <a:prstGeom prst="rect">
+            <a:avLst/>
+          </a:prstGeom>
+          <a:ln>
+            <a:solidFill>
+              <a:schemeClr val="bg1">
+                <a:lumMod val="85000"/>
+              </a:schemeClr>
+            </a:solidFill>
+          </a:ln>
+        </p:spPr>
+      </p:pic>
+      <p:pic>
+        <p:nvPicPr>
+          <p:cNvPr id="40" name="Grafik 39">
+            <a:extLst>
+              <a:ext uri="{FF2B5EF4-FFF2-40B4-BE49-F238E27FC236}">
+                <a16:creationId xmlns:a16="http://schemas.microsoft.com/office/drawing/2014/main" id="{3CD7C7E4-E13D-4E70-A981-8E30E428A183}"/>
+              </a:ext>
+            </a:extLst>
+          </p:cNvPr>
+          <p:cNvPicPr>
+            <a:picLocks noChangeAspect="1"/>
+          </p:cNvPicPr>
+          <p:nvPr/>
+        </p:nvPicPr>
+        <p:blipFill>
+          <a:blip r:embed="rId7">
+            <a:extLst>
+              <a:ext uri="{28A0092B-C50C-407E-A947-70E740481C1C}">
+                <a14:useLocalDpi xmlns:a14="http://schemas.microsoft.com/office/drawing/2010/main" val="0"/>
+              </a:ext>
+            </a:extLst>
+          </a:blip>
+          <a:stretch>
+            <a:fillRect/>
+          </a:stretch>
+        </p:blipFill>
+        <p:spPr>
+          <a:xfrm>
+            <a:off x="5587168" y="371719"/>
+            <a:ext cx="1636387" cy="317407"/>
+          </a:xfrm>
+          <a:prstGeom prst="rect">
+            <a:avLst/>
+          </a:prstGeom>
+          <a:ln>
+            <a:solidFill>
+              <a:schemeClr val="bg1">
+                <a:lumMod val="85000"/>
+              </a:schemeClr>
+            </a:solidFill>
+          </a:ln>
+        </p:spPr>
+      </p:pic>
+      <p:pic>
+        <p:nvPicPr>
+          <p:cNvPr id="42" name="Grafik 41">
+            <a:extLst>
+              <a:ext uri="{FF2B5EF4-FFF2-40B4-BE49-F238E27FC236}">
+                <a16:creationId xmlns:a16="http://schemas.microsoft.com/office/drawing/2014/main" id="{DD4F6775-ED01-4545-A242-EBCAF4C15DA1}"/>
+              </a:ext>
+            </a:extLst>
+          </p:cNvPr>
+          <p:cNvPicPr>
+            <a:picLocks noChangeAspect="1"/>
+          </p:cNvPicPr>
+          <p:nvPr/>
+        </p:nvPicPr>
+        <p:blipFill>
+          <a:blip r:embed="rId8">
+            <a:extLst>
+              <a:ext uri="{28A0092B-C50C-407E-A947-70E740481C1C}">
+                <a14:useLocalDpi xmlns:a14="http://schemas.microsoft.com/office/drawing/2010/main" val="0"/>
+              </a:ext>
+            </a:extLst>
+          </a:blip>
+          <a:stretch>
+            <a:fillRect/>
+          </a:stretch>
+        </p:blipFill>
+        <p:spPr>
+          <a:xfrm>
+            <a:off x="5584961" y="2547064"/>
+            <a:ext cx="1638594" cy="319274"/>
+          </a:xfrm>
+          <a:prstGeom prst="rect">
+            <a:avLst/>
+          </a:prstGeom>
+          <a:ln>
+            <a:solidFill>
+              <a:schemeClr val="bg1">
+                <a:lumMod val="85000"/>
+              </a:schemeClr>
+            </a:solidFill>
+          </a:ln>
+        </p:spPr>
+      </p:pic>
+      <p:pic>
+        <p:nvPicPr>
+          <p:cNvPr id="57" name="Grafik 56">
+            <a:extLst>
+              <a:ext uri="{FF2B5EF4-FFF2-40B4-BE49-F238E27FC236}">
+                <a16:creationId xmlns:a16="http://schemas.microsoft.com/office/drawing/2014/main" id="{AD50AA63-E102-47F8-A633-213F82D2F17C}"/>
+              </a:ext>
+            </a:extLst>
+          </p:cNvPr>
+          <p:cNvPicPr>
+            <a:picLocks noChangeAspect="1"/>
+          </p:cNvPicPr>
+          <p:nvPr/>
+        </p:nvPicPr>
+        <p:blipFill>
+          <a:blip r:embed="rId9"/>
+          <a:stretch>
+            <a:fillRect/>
+          </a:stretch>
+        </p:blipFill>
+        <p:spPr>
+          <a:xfrm>
+            <a:off x="6640563" y="3002580"/>
+            <a:ext cx="560021" cy="379091"/>
+          </a:xfrm>
+          <a:prstGeom prst="rect">
+            <a:avLst/>
+          </a:prstGeom>
+        </p:spPr>
+      </p:pic>
+      <p:pic>
+        <p:nvPicPr>
+          <p:cNvPr id="58" name="Grafik 57">
+            <a:extLst>
+              <a:ext uri="{FF2B5EF4-FFF2-40B4-BE49-F238E27FC236}">
+                <a16:creationId xmlns:a16="http://schemas.microsoft.com/office/drawing/2014/main" id="{16533017-D9A8-43F8-A602-FB0AA98FF38F}"/>
+              </a:ext>
+            </a:extLst>
+          </p:cNvPr>
+          <p:cNvPicPr>
+            <a:picLocks noChangeAspect="1"/>
+          </p:cNvPicPr>
+          <p:nvPr/>
+        </p:nvPicPr>
+        <p:blipFill>
+          <a:blip r:embed="rId10"/>
+          <a:stretch>
+            <a:fillRect/>
+          </a:stretch>
+        </p:blipFill>
+        <p:spPr>
+          <a:xfrm>
+            <a:off x="2155270" y="4999685"/>
+            <a:ext cx="1895392" cy="333425"/>
+          </a:xfrm>
+          <a:prstGeom prst="rect">
+            <a:avLst/>
+          </a:prstGeom>
+        </p:spPr>
+      </p:pic>
+      <p:pic>
+        <p:nvPicPr>
+          <p:cNvPr id="49" name="Grafik 48">
+            <a:extLst>
+              <a:ext uri="{FF2B5EF4-FFF2-40B4-BE49-F238E27FC236}">
+                <a16:creationId xmlns:a16="http://schemas.microsoft.com/office/drawing/2014/main" id="{20DAAC71-909D-4180-8E09-320C29FDD8C7}"/>
+              </a:ext>
+            </a:extLst>
+          </p:cNvPr>
+          <p:cNvPicPr>
+            <a:picLocks noChangeAspect="1"/>
+          </p:cNvPicPr>
+          <p:nvPr/>
+        </p:nvPicPr>
+        <p:blipFill>
+          <a:blip r:embed="rId11"/>
+          <a:stretch>
+            <a:fillRect/>
+          </a:stretch>
+        </p:blipFill>
+        <p:spPr>
+          <a:xfrm>
+            <a:off x="6261898" y="1907191"/>
+            <a:ext cx="2084136" cy="558790"/>
+          </a:xfrm>
+          <a:prstGeom prst="rect">
+            <a:avLst/>
+          </a:prstGeom>
+        </p:spPr>
+      </p:pic>
+      <p:pic>
+        <p:nvPicPr>
+          <p:cNvPr id="50" name="Grafik 49">
+            <a:extLst>
+              <a:ext uri="{FF2B5EF4-FFF2-40B4-BE49-F238E27FC236}">
+                <a16:creationId xmlns:a16="http://schemas.microsoft.com/office/drawing/2014/main" id="{CDDE99C4-3FE9-4B42-8E62-36C585A96D2A}"/>
+              </a:ext>
+            </a:extLst>
+          </p:cNvPr>
+          <p:cNvPicPr>
+            <a:picLocks noChangeAspect="1"/>
+          </p:cNvPicPr>
+          <p:nvPr/>
+        </p:nvPicPr>
+        <p:blipFill>
+          <a:blip r:embed="rId12"/>
+          <a:stretch>
+            <a:fillRect/>
+          </a:stretch>
+        </p:blipFill>
+        <p:spPr>
+          <a:xfrm>
+            <a:off x="6562505" y="1397606"/>
+            <a:ext cx="1409478" cy="332335"/>
+          </a:xfrm>
+          <a:prstGeom prst="rect">
+            <a:avLst/>
+          </a:prstGeom>
+        </p:spPr>
+      </p:pic>
+      <p:pic>
+        <p:nvPicPr>
+          <p:cNvPr id="51" name="Grafik 50">
+            <a:extLst>
+              <a:ext uri="{FF2B5EF4-FFF2-40B4-BE49-F238E27FC236}">
+                <a16:creationId xmlns:a16="http://schemas.microsoft.com/office/drawing/2014/main" id="{D5E3AE2F-D85F-419A-A300-021BDD297229}"/>
+              </a:ext>
+            </a:extLst>
+          </p:cNvPr>
+          <p:cNvPicPr>
+            <a:picLocks noChangeAspect="1"/>
+          </p:cNvPicPr>
+          <p:nvPr/>
+        </p:nvPicPr>
+        <p:blipFill>
+          <a:blip r:embed="rId13"/>
+          <a:stretch>
+            <a:fillRect/>
+          </a:stretch>
+        </p:blipFill>
+        <p:spPr>
+          <a:xfrm>
+            <a:off x="6144404" y="802365"/>
+            <a:ext cx="2158302" cy="476597"/>
+          </a:xfrm>
+          <a:prstGeom prst="rect">
+            <a:avLst/>
+          </a:prstGeom>
+        </p:spPr>
+      </p:pic>
+      <p:pic>
+        <p:nvPicPr>
+          <p:cNvPr id="52" name="Grafik 51">
+            <a:extLst>
+              <a:ext uri="{FF2B5EF4-FFF2-40B4-BE49-F238E27FC236}">
+                <a16:creationId xmlns:a16="http://schemas.microsoft.com/office/drawing/2014/main" id="{5F850B36-2563-4B02-8D64-0E26AF9E04A9}"/>
+              </a:ext>
+            </a:extLst>
+          </p:cNvPr>
+          <p:cNvPicPr>
+            <a:picLocks noChangeAspect="1"/>
+          </p:cNvPicPr>
+          <p:nvPr/>
+        </p:nvPicPr>
+        <p:blipFill>
+          <a:blip r:embed="rId14"/>
+          <a:stretch>
+            <a:fillRect/>
+          </a:stretch>
+        </p:blipFill>
+        <p:spPr>
+          <a:xfrm>
+            <a:off x="6409894" y="3760692"/>
+            <a:ext cx="2182821" cy="315296"/>
+          </a:xfrm>
+          <a:prstGeom prst="rect">
+            <a:avLst/>
+          </a:prstGeom>
+        </p:spPr>
+      </p:pic>
+      <p:pic>
+        <p:nvPicPr>
+          <p:cNvPr id="7" name="Grafik 6">
+            <a:extLst>
+              <a:ext uri="{FF2B5EF4-FFF2-40B4-BE49-F238E27FC236}">
+                <a16:creationId xmlns:a16="http://schemas.microsoft.com/office/drawing/2014/main" id="{E38AEB9C-56B1-4F93-B5B1-827E2BD5CD93}"/>
+              </a:ext>
+            </a:extLst>
+          </p:cNvPr>
+          <p:cNvPicPr>
+            <a:picLocks noChangeAspect="1"/>
+          </p:cNvPicPr>
+          <p:nvPr/>
+        </p:nvPicPr>
+        <p:blipFill rotWithShape="1">
+          <a:blip r:embed="rId15"/>
+          <a:srcRect l="10917" t="985" r="10710" b="4636"/>
+          <a:stretch/>
+        </p:blipFill>
+        <p:spPr>
+          <a:xfrm>
+            <a:off x="4003997" y="6268470"/>
+            <a:ext cx="1355757" cy="2934417"/>
+          </a:xfrm>
+          <a:prstGeom prst="rect">
+            <a:avLst/>
+          </a:prstGeom>
+        </p:spPr>
+      </p:pic>
+      <p:sp>
+        <p:nvSpPr>
+          <p:cNvPr id="26" name="Abgerundetes Rechteck 25"/>
           <p:cNvSpPr/>
           <p:nvPr/>
         </p:nvSpPr>
         <p:spPr>
           <a:xfrm>
-            <a:off x="5495817" y="8925268"/>
-            <a:ext cx="1375985" cy="312944"/>
+            <a:off x="3974046" y="8831528"/>
+            <a:ext cx="1337821" cy="310640"/>
           </a:xfrm>
           <a:prstGeom prst="roundRect">
             <a:avLst/>
@@ -6567,16 +7517,45 @@
           </a:p>
         </p:txBody>
       </p:sp>
-      <p:sp>
-        <p:nvSpPr>
-          <p:cNvPr id="80" name="Abgerundetes Rechteck 79"/>
+      <p:pic>
+        <p:nvPicPr>
+          <p:cNvPr id="9" name="Grafik 8">
+            <a:extLst>
+              <a:ext uri="{FF2B5EF4-FFF2-40B4-BE49-F238E27FC236}">
+                <a16:creationId xmlns:a16="http://schemas.microsoft.com/office/drawing/2014/main" id="{872F2FDE-456C-4A9B-923B-34D59357F10C}"/>
+              </a:ext>
+            </a:extLst>
+          </p:cNvPr>
+          <p:cNvPicPr>
+            <a:picLocks noChangeAspect="1"/>
+          </p:cNvPicPr>
+          <p:nvPr/>
+        </p:nvPicPr>
+        <p:blipFill rotWithShape="1">
+          <a:blip r:embed="rId16"/>
+          <a:srcRect l="16832" t="9708" r="14230" b="9708"/>
+          <a:stretch/>
+        </p:blipFill>
+        <p:spPr>
+          <a:xfrm>
+            <a:off x="5430875" y="6263733"/>
+            <a:ext cx="1692569" cy="2890345"/>
+          </a:xfrm>
+          <a:prstGeom prst="rect">
+            <a:avLst/>
+          </a:prstGeom>
+        </p:spPr>
+      </p:pic>
+      <p:sp>
+        <p:nvSpPr>
+          <p:cNvPr id="70" name="Abgerundetes Rechteck 69"/>
           <p:cNvSpPr/>
           <p:nvPr/>
         </p:nvSpPr>
         <p:spPr>
           <a:xfrm>
-            <a:off x="9228444" y="7397098"/>
-            <a:ext cx="981258" cy="1032324"/>
+            <a:off x="5450662" y="8829224"/>
+            <a:ext cx="1502963" cy="312944"/>
           </a:xfrm>
           <a:prstGeom prst="roundRect">
             <a:avLst/>
@@ -6613,16 +7592,46 @@
           </a:p>
         </p:txBody>
       </p:sp>
-      <p:sp>
-        <p:nvSpPr>
-          <p:cNvPr id="81" name="Abgerundetes Rechteck 80"/>
+      <p:pic>
+        <p:nvPicPr>
+          <p:cNvPr id="15" name="Grafik 14">
+            <a:extLst>
+              <a:ext uri="{FF2B5EF4-FFF2-40B4-BE49-F238E27FC236}">
+                <a16:creationId xmlns:a16="http://schemas.microsoft.com/office/drawing/2014/main" id="{5E840481-AF91-494C-811B-D2B93EF7B317}"/>
+              </a:ext>
+            </a:extLst>
+          </p:cNvPr>
+          <p:cNvPicPr>
+            <a:picLocks noChangeAspect="1"/>
+          </p:cNvPicPr>
+          <p:nvPr/>
+        </p:nvPicPr>
+        <p:blipFill>
+          <a:blip r:embed="rId17"/>
+          <a:stretch>
+            <a:fillRect/>
+          </a:stretch>
+        </p:blipFill>
+        <p:spPr>
+          <a:xfrm>
+            <a:off x="7316554" y="6263733"/>
+            <a:ext cx="3605972" cy="2937773"/>
+          </a:xfrm>
+          <a:prstGeom prst="rect">
+            <a:avLst/>
+          </a:prstGeom>
+        </p:spPr>
+      </p:pic>
+      <p:sp>
+        <p:nvSpPr>
+          <p:cNvPr id="80" name="Abgerundetes Rechteck 79"/>
           <p:cNvSpPr/>
           <p:nvPr/>
         </p:nvSpPr>
         <p:spPr>
           <a:xfrm>
-            <a:off x="11083516" y="8711736"/>
-            <a:ext cx="1255613" cy="250627"/>
+            <a:off x="8592715" y="7872072"/>
+            <a:ext cx="1123505" cy="1336538"/>
           </a:xfrm>
           <a:prstGeom prst="roundRect">
             <a:avLst/>
@@ -6659,621 +7668,55 @@
           </a:p>
         </p:txBody>
       </p:sp>
-      <p:sp>
-        <p:nvSpPr>
-          <p:cNvPr id="27" name="Textfeld 26"/>
-          <p:cNvSpPr txBox="1"/>
-          <p:nvPr/>
-        </p:nvSpPr>
-        <p:spPr>
-          <a:xfrm>
-            <a:off x="4022781" y="5971747"/>
-            <a:ext cx="1269299" cy="369332"/>
-          </a:xfrm>
-          <a:prstGeom prst="rect">
-            <a:avLst/>
-          </a:prstGeom>
-          <a:noFill/>
-        </p:spPr>
-        <p:txBody>
-          <a:bodyPr wrap="square" rtlCol="0">
-            <a:spAutoFit/>
-          </a:bodyPr>
-          <a:lstStyle/>
-          <a:p>
-            <a:pPr algn="ctr"/>
-            <a:r>
-              <a:rPr lang="de-DE" dirty="0"/>
-              <a:t>1.</a:t>
-            </a:r>
-          </a:p>
-        </p:txBody>
-      </p:sp>
-      <p:sp>
-        <p:nvSpPr>
-          <p:cNvPr id="90" name="Textfeld 89"/>
-          <p:cNvSpPr txBox="1"/>
-          <p:nvPr/>
-        </p:nvSpPr>
-        <p:spPr>
-          <a:xfrm>
-            <a:off x="5515262" y="5969681"/>
-            <a:ext cx="1349461" cy="369332"/>
-          </a:xfrm>
-          <a:prstGeom prst="rect">
-            <a:avLst/>
-          </a:prstGeom>
-          <a:noFill/>
-        </p:spPr>
-        <p:txBody>
-          <a:bodyPr wrap="square" rtlCol="0">
-            <a:spAutoFit/>
-          </a:bodyPr>
-          <a:lstStyle/>
-          <a:p>
-            <a:pPr algn="ctr"/>
-            <a:r>
-              <a:rPr lang="de-DE" dirty="0"/>
-              <a:t>2.</a:t>
-            </a:r>
-          </a:p>
-        </p:txBody>
-      </p:sp>
-      <p:sp>
-        <p:nvSpPr>
-          <p:cNvPr id="91" name="Textfeld 90"/>
-          <p:cNvSpPr txBox="1"/>
-          <p:nvPr/>
-        </p:nvSpPr>
-        <p:spPr>
-          <a:xfrm>
-            <a:off x="11071189" y="5974895"/>
-            <a:ext cx="1281009" cy="369332"/>
-          </a:xfrm>
-          <a:prstGeom prst="rect">
-            <a:avLst/>
-          </a:prstGeom>
-          <a:noFill/>
-        </p:spPr>
-        <p:txBody>
-          <a:bodyPr wrap="square" rtlCol="0">
-            <a:spAutoFit/>
-          </a:bodyPr>
-          <a:lstStyle/>
-          <a:p>
-            <a:pPr algn="ctr"/>
-            <a:r>
-              <a:rPr lang="de-DE" dirty="0"/>
-              <a:t>5.</a:t>
-            </a:r>
-          </a:p>
-        </p:txBody>
-      </p:sp>
-      <p:sp>
-        <p:nvSpPr>
-          <p:cNvPr id="109" name="Textfeld 108"/>
-          <p:cNvSpPr txBox="1"/>
-          <p:nvPr/>
-        </p:nvSpPr>
-        <p:spPr>
-          <a:xfrm>
-            <a:off x="8202378" y="5974895"/>
-            <a:ext cx="1453072" cy="369332"/>
-          </a:xfrm>
-          <a:prstGeom prst="rect">
-            <a:avLst/>
-          </a:prstGeom>
-          <a:noFill/>
-        </p:spPr>
-        <p:txBody>
-          <a:bodyPr wrap="square" rtlCol="0">
-            <a:spAutoFit/>
-          </a:bodyPr>
-          <a:lstStyle/>
-          <a:p>
-            <a:pPr algn="ctr"/>
-            <a:r>
-              <a:rPr lang="de-DE" dirty="0"/>
-              <a:t>3./4.</a:t>
-            </a:r>
-          </a:p>
-        </p:txBody>
-      </p:sp>
       <p:pic>
         <p:nvPicPr>
-          <p:cNvPr id="28" name="Grafik 27"/>
+          <p:cNvPr id="19" name="Grafik 18">
+            <a:extLst>
+              <a:ext uri="{FF2B5EF4-FFF2-40B4-BE49-F238E27FC236}">
+                <a16:creationId xmlns:a16="http://schemas.microsoft.com/office/drawing/2014/main" id="{84635B8F-AD44-4AA1-9C09-87B235BE8A1E}"/>
+              </a:ext>
+            </a:extLst>
+          </p:cNvPr>
           <p:cNvPicPr>
             <a:picLocks noChangeAspect="1"/>
           </p:cNvPicPr>
           <p:nvPr/>
         </p:nvPicPr>
-        <p:blipFill>
-          <a:blip r:embed="rId6">
-            <a:extLst>
-              <a:ext uri="{28A0092B-C50C-407E-A947-70E740481C1C}">
-                <a14:useLocalDpi xmlns:a14="http://schemas.microsoft.com/office/drawing/2010/main" val="0"/>
-              </a:ext>
-            </a:extLst>
-          </a:blip>
-          <a:stretch>
-            <a:fillRect/>
-          </a:stretch>
+        <p:blipFill rotWithShape="1">
+          <a:blip r:embed="rId18"/>
+          <a:srcRect l="2087" r="3824" b="1648"/>
+          <a:stretch/>
         </p:blipFill>
         <p:spPr>
           <a:xfrm>
-            <a:off x="5603011" y="401374"/>
-            <a:ext cx="1949550" cy="266714"/>
+            <a:off x="10922527" y="6302686"/>
+            <a:ext cx="1368590" cy="2905923"/>
           </a:xfrm>
           <a:prstGeom prst="rect">
             <a:avLst/>
           </a:prstGeom>
         </p:spPr>
       </p:pic>
-      <p:pic>
-        <p:nvPicPr>
-          <p:cNvPr id="29" name="Grafik 28"/>
-          <p:cNvPicPr>
-            <a:picLocks noChangeAspect="1"/>
-          </p:cNvPicPr>
-          <p:nvPr/>
-        </p:nvPicPr>
-        <p:blipFill>
-          <a:blip r:embed="rId7">
-            <a:extLst>
-              <a:ext uri="{28A0092B-C50C-407E-A947-70E740481C1C}">
-                <a14:useLocalDpi xmlns:a14="http://schemas.microsoft.com/office/drawing/2010/main" val="0"/>
-              </a:ext>
-            </a:extLst>
-          </a:blip>
-          <a:stretch>
-            <a:fillRect/>
-          </a:stretch>
-        </p:blipFill>
-        <p:spPr>
-          <a:xfrm>
-            <a:off x="1076034" y="1206664"/>
-            <a:ext cx="1949550" cy="317516"/>
-          </a:xfrm>
-          <a:prstGeom prst="rect">
-            <a:avLst/>
-          </a:prstGeom>
-        </p:spPr>
-      </p:pic>
-      <p:pic>
-        <p:nvPicPr>
-          <p:cNvPr id="30" name="Grafik 29"/>
-          <p:cNvPicPr>
-            <a:picLocks noChangeAspect="1"/>
-          </p:cNvPicPr>
-          <p:nvPr/>
-        </p:nvPicPr>
-        <p:blipFill>
-          <a:blip r:embed="rId8">
-            <a:extLst>
-              <a:ext uri="{28A0092B-C50C-407E-A947-70E740481C1C}">
-                <a14:useLocalDpi xmlns:a14="http://schemas.microsoft.com/office/drawing/2010/main" val="0"/>
-              </a:ext>
-            </a:extLst>
-          </a:blip>
-          <a:stretch>
-            <a:fillRect/>
-          </a:stretch>
-        </p:blipFill>
-        <p:spPr>
-          <a:xfrm>
-            <a:off x="5574708" y="2611025"/>
-            <a:ext cx="1949550" cy="317516"/>
-          </a:xfrm>
-          <a:prstGeom prst="rect">
-            <a:avLst/>
-          </a:prstGeom>
-        </p:spPr>
-      </p:pic>
-      <p:pic>
-        <p:nvPicPr>
-          <p:cNvPr id="31" name="Grafik 30"/>
-          <p:cNvPicPr>
-            <a:picLocks noChangeAspect="1"/>
-          </p:cNvPicPr>
-          <p:nvPr/>
-        </p:nvPicPr>
-        <p:blipFill>
-          <a:blip r:embed="rId9">
-            <a:extLst>
-              <a:ext uri="{28A0092B-C50C-407E-A947-70E740481C1C}">
-                <a14:useLocalDpi xmlns:a14="http://schemas.microsoft.com/office/drawing/2010/main" val="0"/>
-              </a:ext>
-            </a:extLst>
-          </a:blip>
-          <a:stretch>
-            <a:fillRect/>
-          </a:stretch>
-        </p:blipFill>
-        <p:spPr>
-          <a:xfrm>
-            <a:off x="1088797" y="3495211"/>
-            <a:ext cx="1949550" cy="292115"/>
-          </a:xfrm>
-          <a:prstGeom prst="rect">
-            <a:avLst/>
-          </a:prstGeom>
-        </p:spPr>
-      </p:pic>
-      <p:pic>
-        <p:nvPicPr>
-          <p:cNvPr id="9" name="Grafik 8"/>
-          <p:cNvPicPr>
-            <a:picLocks noChangeAspect="1"/>
-          </p:cNvPicPr>
-          <p:nvPr/>
-        </p:nvPicPr>
-        <p:blipFill>
-          <a:blip r:embed="rId10">
-            <a:extLst>
-              <a:ext uri="{28A0092B-C50C-407E-A947-70E740481C1C}">
-                <a14:useLocalDpi xmlns:a14="http://schemas.microsoft.com/office/drawing/2010/main" val="0"/>
-              </a:ext>
-            </a:extLst>
-          </a:blip>
-          <a:stretch>
-            <a:fillRect/>
-          </a:stretch>
-        </p:blipFill>
-        <p:spPr>
-          <a:xfrm>
-            <a:off x="2112862" y="5005091"/>
-            <a:ext cx="2041991" cy="256011"/>
-          </a:xfrm>
-          <a:prstGeom prst="rect">
-            <a:avLst/>
-          </a:prstGeom>
-        </p:spPr>
-      </p:pic>
-      <p:pic>
-        <p:nvPicPr>
-          <p:cNvPr id="10" name="Grafik 9"/>
-          <p:cNvPicPr>
-            <a:picLocks noChangeAspect="1"/>
-          </p:cNvPicPr>
-          <p:nvPr/>
-        </p:nvPicPr>
-        <p:blipFill>
-          <a:blip r:embed="rId11">
-            <a:extLst>
-              <a:ext uri="{28A0092B-C50C-407E-A947-70E740481C1C}">
-                <a14:useLocalDpi xmlns:a14="http://schemas.microsoft.com/office/drawing/2010/main" val="0"/>
-              </a:ext>
-            </a:extLst>
-          </a:blip>
-          <a:stretch>
-            <a:fillRect/>
-          </a:stretch>
-        </p:blipFill>
-        <p:spPr>
-          <a:xfrm>
-            <a:off x="2117712" y="4459551"/>
-            <a:ext cx="2541822" cy="292584"/>
-          </a:xfrm>
-          <a:prstGeom prst="rect">
-            <a:avLst/>
-          </a:prstGeom>
-        </p:spPr>
-      </p:pic>
-      <p:pic>
-        <p:nvPicPr>
-          <p:cNvPr id="11" name="Grafik 10"/>
-          <p:cNvPicPr>
-            <a:picLocks noChangeAspect="1"/>
-          </p:cNvPicPr>
-          <p:nvPr/>
-        </p:nvPicPr>
-        <p:blipFill>
-          <a:blip r:embed="rId12">
-            <a:extLst>
-              <a:ext uri="{28A0092B-C50C-407E-A947-70E740481C1C}">
-                <a14:useLocalDpi xmlns:a14="http://schemas.microsoft.com/office/drawing/2010/main" val="0"/>
-              </a:ext>
-            </a:extLst>
-          </a:blip>
-          <a:stretch>
-            <a:fillRect/>
-          </a:stretch>
-        </p:blipFill>
-        <p:spPr>
-          <a:xfrm>
-            <a:off x="2112861" y="5518718"/>
-            <a:ext cx="2041991" cy="262106"/>
-          </a:xfrm>
-          <a:prstGeom prst="rect">
-            <a:avLst/>
-          </a:prstGeom>
-        </p:spPr>
-      </p:pic>
-      <p:pic>
-        <p:nvPicPr>
-          <p:cNvPr id="13" name="Grafik 12"/>
-          <p:cNvPicPr>
-            <a:picLocks noChangeAspect="1"/>
-          </p:cNvPicPr>
-          <p:nvPr/>
-        </p:nvPicPr>
-        <p:blipFill>
-          <a:blip r:embed="rId13">
-            <a:extLst>
-              <a:ext uri="{28A0092B-C50C-407E-A947-70E740481C1C}">
-                <a14:useLocalDpi xmlns:a14="http://schemas.microsoft.com/office/drawing/2010/main" val="0"/>
-              </a:ext>
-            </a:extLst>
-          </a:blip>
-          <a:stretch>
-            <a:fillRect/>
-          </a:stretch>
-        </p:blipFill>
-        <p:spPr>
-          <a:xfrm>
-            <a:off x="2117712" y="3919416"/>
-            <a:ext cx="2218761" cy="292584"/>
-          </a:xfrm>
-          <a:prstGeom prst="rect">
-            <a:avLst/>
-          </a:prstGeom>
-        </p:spPr>
-      </p:pic>
-      <p:pic>
-        <p:nvPicPr>
-          <p:cNvPr id="14" name="Grafik 13"/>
-          <p:cNvPicPr>
-            <a:picLocks noChangeAspect="1"/>
-          </p:cNvPicPr>
-          <p:nvPr/>
-        </p:nvPicPr>
-        <p:blipFill>
-          <a:blip r:embed="rId14">
-            <a:extLst>
-              <a:ext uri="{28A0092B-C50C-407E-A947-70E740481C1C}">
-                <a14:useLocalDpi xmlns:a14="http://schemas.microsoft.com/office/drawing/2010/main" val="0"/>
-              </a:ext>
-            </a:extLst>
-          </a:blip>
-          <a:stretch>
-            <a:fillRect/>
-          </a:stretch>
-        </p:blipFill>
-        <p:spPr>
-          <a:xfrm>
-            <a:off x="1889587" y="1669344"/>
-            <a:ext cx="2090755" cy="188960"/>
-          </a:xfrm>
-          <a:prstGeom prst="rect">
-            <a:avLst/>
-          </a:prstGeom>
-        </p:spPr>
-      </p:pic>
-      <p:pic>
-        <p:nvPicPr>
-          <p:cNvPr id="16" name="Grafik 15"/>
-          <p:cNvPicPr>
-            <a:picLocks noChangeAspect="1"/>
-          </p:cNvPicPr>
-          <p:nvPr/>
-        </p:nvPicPr>
-        <p:blipFill>
-          <a:blip r:embed="rId15">
-            <a:extLst>
-              <a:ext uri="{28A0092B-C50C-407E-A947-70E740481C1C}">
-                <a14:useLocalDpi xmlns:a14="http://schemas.microsoft.com/office/drawing/2010/main" val="0"/>
-              </a:ext>
-            </a:extLst>
-          </a:blip>
-          <a:stretch>
-            <a:fillRect/>
-          </a:stretch>
-        </p:blipFill>
-        <p:spPr>
-          <a:xfrm>
-            <a:off x="1882886" y="3076068"/>
-            <a:ext cx="2432103" cy="286488"/>
-          </a:xfrm>
-          <a:prstGeom prst="rect">
-            <a:avLst/>
-          </a:prstGeom>
-        </p:spPr>
-      </p:pic>
-      <p:pic>
-        <p:nvPicPr>
-          <p:cNvPr id="19" name="Grafik 18"/>
-          <p:cNvPicPr>
-            <a:picLocks noChangeAspect="1"/>
-          </p:cNvPicPr>
-          <p:nvPr/>
-        </p:nvPicPr>
-        <p:blipFill>
-          <a:blip r:embed="rId16">
-            <a:extLst>
-              <a:ext uri="{28A0092B-C50C-407E-A947-70E740481C1C}">
-                <a14:useLocalDpi xmlns:a14="http://schemas.microsoft.com/office/drawing/2010/main" val="0"/>
-              </a:ext>
-            </a:extLst>
-          </a:blip>
-          <a:stretch>
-            <a:fillRect/>
-          </a:stretch>
-        </p:blipFill>
-        <p:spPr>
-          <a:xfrm>
-            <a:off x="6138557" y="1872501"/>
-            <a:ext cx="2956316" cy="524213"/>
-          </a:xfrm>
-          <a:prstGeom prst="rect">
-            <a:avLst/>
-          </a:prstGeom>
-        </p:spPr>
-      </p:pic>
-      <p:pic>
-        <p:nvPicPr>
-          <p:cNvPr id="21" name="Grafik 20"/>
-          <p:cNvPicPr>
-            <a:picLocks noChangeAspect="1"/>
-          </p:cNvPicPr>
-          <p:nvPr/>
-        </p:nvPicPr>
-        <p:blipFill>
-          <a:blip r:embed="rId17">
-            <a:extLst>
-              <a:ext uri="{28A0092B-C50C-407E-A947-70E740481C1C}">
-                <a14:useLocalDpi xmlns:a14="http://schemas.microsoft.com/office/drawing/2010/main" val="0"/>
-              </a:ext>
-            </a:extLst>
-          </a:blip>
-          <a:stretch>
-            <a:fillRect/>
-          </a:stretch>
-        </p:blipFill>
-        <p:spPr>
-          <a:xfrm>
-            <a:off x="6138557" y="1381825"/>
-            <a:ext cx="1798171" cy="286488"/>
-          </a:xfrm>
-          <a:prstGeom prst="rect">
-            <a:avLst/>
-          </a:prstGeom>
-        </p:spPr>
-      </p:pic>
-      <p:pic>
-        <p:nvPicPr>
-          <p:cNvPr id="22" name="Grafik 21"/>
-          <p:cNvPicPr>
-            <a:picLocks noChangeAspect="1"/>
-          </p:cNvPicPr>
-          <p:nvPr/>
-        </p:nvPicPr>
-        <p:blipFill>
-          <a:blip r:embed="rId18">
-            <a:extLst>
-              <a:ext uri="{28A0092B-C50C-407E-A947-70E740481C1C}">
-                <a14:useLocalDpi xmlns:a14="http://schemas.microsoft.com/office/drawing/2010/main" val="0"/>
-              </a:ext>
-            </a:extLst>
-          </a:blip>
-          <a:stretch>
-            <a:fillRect/>
-          </a:stretch>
-        </p:blipFill>
-        <p:spPr>
-          <a:xfrm>
-            <a:off x="6138557" y="845213"/>
-            <a:ext cx="2169997" cy="292584"/>
-          </a:xfrm>
-          <a:prstGeom prst="rect">
-            <a:avLst/>
-          </a:prstGeom>
-        </p:spPr>
-      </p:pic>
-      <p:pic>
-        <p:nvPicPr>
-          <p:cNvPr id="23" name="Grafik 22"/>
-          <p:cNvPicPr>
-            <a:picLocks noChangeAspect="1"/>
-          </p:cNvPicPr>
-          <p:nvPr/>
-        </p:nvPicPr>
-        <p:blipFill>
-          <a:blip r:embed="rId19">
-            <a:extLst>
-              <a:ext uri="{28A0092B-C50C-407E-A947-70E740481C1C}">
-                <a14:useLocalDpi xmlns:a14="http://schemas.microsoft.com/office/drawing/2010/main" val="0"/>
-              </a:ext>
-            </a:extLst>
-          </a:blip>
-          <a:stretch>
-            <a:fillRect/>
-          </a:stretch>
-        </p:blipFill>
-        <p:spPr>
-          <a:xfrm>
-            <a:off x="6706891" y="3092298"/>
-            <a:ext cx="572977" cy="182865"/>
-          </a:xfrm>
-          <a:prstGeom prst="rect">
-            <a:avLst/>
-          </a:prstGeom>
-        </p:spPr>
-      </p:pic>
-      <p:pic>
-        <p:nvPicPr>
-          <p:cNvPr id="24" name="Grafik 23"/>
-          <p:cNvPicPr>
-            <a:picLocks noChangeAspect="1"/>
-          </p:cNvPicPr>
-          <p:nvPr/>
-        </p:nvPicPr>
-        <p:blipFill>
-          <a:blip r:embed="rId20">
-            <a:extLst>
-              <a:ext uri="{28A0092B-C50C-407E-A947-70E740481C1C}">
-                <a14:useLocalDpi xmlns:a14="http://schemas.microsoft.com/office/drawing/2010/main" val="0"/>
-              </a:ext>
-            </a:extLst>
-          </a:blip>
-          <a:stretch>
-            <a:fillRect/>
-          </a:stretch>
-        </p:blipFill>
-        <p:spPr>
-          <a:xfrm>
-            <a:off x="6706891" y="3447086"/>
-            <a:ext cx="1408060" cy="371825"/>
-          </a:xfrm>
-          <a:prstGeom prst="rect">
-            <a:avLst/>
-          </a:prstGeom>
-        </p:spPr>
-      </p:pic>
-      <p:pic>
-        <p:nvPicPr>
-          <p:cNvPr id="25" name="Grafik 24"/>
-          <p:cNvPicPr>
-            <a:picLocks noChangeAspect="1"/>
-          </p:cNvPicPr>
-          <p:nvPr/>
-        </p:nvPicPr>
-        <p:blipFill>
-          <a:blip r:embed="rId21">
-            <a:extLst>
-              <a:ext uri="{28A0092B-C50C-407E-A947-70E740481C1C}">
-                <a14:useLocalDpi xmlns:a14="http://schemas.microsoft.com/office/drawing/2010/main" val="0"/>
-              </a:ext>
-            </a:extLst>
-          </a:blip>
-          <a:stretch>
-            <a:fillRect/>
-          </a:stretch>
-        </p:blipFill>
-        <p:spPr>
-          <a:xfrm>
-            <a:off x="1882886" y="1997833"/>
-            <a:ext cx="1243481" cy="938706"/>
-          </a:xfrm>
-          <a:prstGeom prst="rect">
-            <a:avLst/>
-          </a:prstGeom>
-        </p:spPr>
-      </p:pic>
-      <p:sp>
-        <p:nvSpPr>
-          <p:cNvPr id="43" name="Rechteck 42"/>
+      <p:sp>
+        <p:nvSpPr>
+          <p:cNvPr id="81" name="Abgerundetes Rechteck 80"/>
           <p:cNvSpPr/>
           <p:nvPr/>
         </p:nvSpPr>
         <p:spPr>
           <a:xfrm>
-            <a:off x="9213448" y="190128"/>
-            <a:ext cx="3379807" cy="5622499"/>
-          </a:xfrm>
-          <a:prstGeom prst="rect">
+            <a:off x="10922527" y="8958942"/>
+            <a:ext cx="1368590" cy="249667"/>
+          </a:xfrm>
+          <a:prstGeom prst="roundRect">
             <a:avLst/>
           </a:prstGeom>
           <a:noFill/>
+          <a:ln w="28575">
+            <a:solidFill>
+              <a:srgbClr val="FF0000"/>
+            </a:solidFill>
+          </a:ln>
         </p:spPr>
         <p:style>
           <a:lnRef idx="2">
@@ -7300,235 +7743,22 @@
           </a:p>
         </p:txBody>
       </p:sp>
-      <p:sp>
-        <p:nvSpPr>
-          <p:cNvPr id="32" name="Textfeld 31"/>
-          <p:cNvSpPr txBox="1"/>
-          <p:nvPr/>
-        </p:nvSpPr>
-        <p:spPr>
-          <a:xfrm>
-            <a:off x="9213448" y="244542"/>
-            <a:ext cx="3379807" cy="5293757"/>
-          </a:xfrm>
-          <a:prstGeom prst="rect">
-            <a:avLst/>
-          </a:prstGeom>
-          <a:noFill/>
-        </p:spPr>
-        <p:txBody>
-          <a:bodyPr wrap="square" rtlCol="0">
-            <a:spAutoFit/>
-          </a:bodyPr>
-          <a:lstStyle/>
-          <a:p>
-            <a:r>
-              <a:rPr lang="de-DE" sz="1200" dirty="0"/>
-              <a:t>Einhalten von Grenzwerten</a:t>
-            </a:r>
-          </a:p>
-          <a:p>
-            <a:endParaRPr lang="de-DE" sz="800" dirty="0"/>
-          </a:p>
-          <a:p>
-            <a:pPr marL="171450" indent="-171450">
-              <a:buFont typeface="Arial" panose="020B0604020202020204" pitchFamily="34" charset="0"/>
-              <a:buChar char="•"/>
-            </a:pPr>
-            <a:r>
-              <a:rPr lang="de-DE" sz="1200" dirty="0"/>
-              <a:t>Bei Überschreitung von Grenzwerten (z.B. maximal 100% Motorgeschwindigkeit) kann es zu merkwürdigen Ergebnissen kommen</a:t>
-            </a:r>
-          </a:p>
-          <a:p>
-            <a:pPr marL="171450" indent="-171450">
-              <a:buFont typeface="Arial" panose="020B0604020202020204" pitchFamily="34" charset="0"/>
-              <a:buChar char="•"/>
-            </a:pPr>
-            <a:r>
-              <a:rPr lang="de-DE" sz="1200" dirty="0"/>
-              <a:t>Verhindern von nicht definierten Werten bzw. Wertebereichüberschreitungen</a:t>
-            </a:r>
-          </a:p>
-          <a:p>
-            <a:pPr marL="171450" indent="-171450">
-              <a:buFont typeface="Arial" panose="020B0604020202020204" pitchFamily="34" charset="0"/>
-              <a:buChar char="•"/>
-            </a:pPr>
-            <a:endParaRPr lang="de-DE" sz="800" dirty="0"/>
-          </a:p>
-          <a:p>
-            <a:r>
-              <a:rPr lang="de-DE" sz="1200" dirty="0"/>
-              <a:t>Möglichkeiten:</a:t>
-            </a:r>
-          </a:p>
-          <a:p>
-            <a:pPr marL="228600" indent="-228600">
-              <a:buFont typeface="+mj-lt"/>
-              <a:buAutoNum type="arabicPeriod"/>
-            </a:pPr>
-            <a:r>
-              <a:rPr lang="de-DE" sz="1200" dirty="0"/>
-              <a:t>Abfragen des aktuellen Wertes und setzen eines neuen Wertes:</a:t>
-            </a:r>
-            <a:endParaRPr lang="de-DE" sz="1100" dirty="0"/>
-          </a:p>
-          <a:p>
-            <a:pPr marL="228600" indent="-228600">
-              <a:buFont typeface="+mj-lt"/>
-              <a:buAutoNum type="arabicPeriod"/>
-            </a:pPr>
-            <a:endParaRPr lang="de-DE" sz="1100" dirty="0"/>
-          </a:p>
-          <a:p>
-            <a:pPr marL="228600" indent="-228600">
-              <a:buFont typeface="+mj-lt"/>
-              <a:buAutoNum type="arabicPeriod"/>
-            </a:pPr>
-            <a:endParaRPr lang="de-DE" sz="1100" dirty="0"/>
-          </a:p>
-          <a:p>
-            <a:pPr marL="228600" indent="-228600">
-              <a:buFont typeface="+mj-lt"/>
-              <a:buAutoNum type="arabicPeriod"/>
-            </a:pPr>
-            <a:endParaRPr lang="de-DE" sz="1100" dirty="0"/>
-          </a:p>
-          <a:p>
-            <a:pPr marL="228600" indent="-228600">
-              <a:buFont typeface="+mj-lt"/>
-              <a:buAutoNum type="arabicPeriod"/>
-            </a:pPr>
-            <a:endParaRPr lang="de-DE" sz="1100" dirty="0"/>
-          </a:p>
-          <a:p>
-            <a:pPr marL="228600" indent="-228600">
-              <a:buFont typeface="+mj-lt"/>
-              <a:buAutoNum type="arabicPeriod"/>
-            </a:pPr>
-            <a:endParaRPr lang="de-DE" sz="1100" dirty="0"/>
-          </a:p>
-          <a:p>
-            <a:pPr marL="228600" indent="-228600">
-              <a:buFont typeface="+mj-lt"/>
-              <a:buAutoNum type="arabicPeriod"/>
-            </a:pPr>
-            <a:endParaRPr lang="de-DE" sz="1100" dirty="0"/>
-          </a:p>
-          <a:p>
-            <a:pPr marL="228600" indent="-228600">
-              <a:buFont typeface="+mj-lt"/>
-              <a:buAutoNum type="arabicPeriod"/>
-            </a:pPr>
-            <a:endParaRPr lang="de-DE" sz="1100" dirty="0"/>
-          </a:p>
-          <a:p>
-            <a:pPr marL="228600" indent="-228600">
-              <a:buFont typeface="+mj-lt"/>
-              <a:buAutoNum type="arabicPeriod"/>
-            </a:pPr>
-            <a:endParaRPr lang="de-DE" sz="1100" dirty="0"/>
-          </a:p>
-          <a:p>
-            <a:pPr marL="228600" indent="-228600">
-              <a:buFont typeface="+mj-lt"/>
-              <a:buAutoNum type="arabicPeriod"/>
-            </a:pPr>
-            <a:r>
-              <a:rPr lang="de-DE" sz="1200" dirty="0"/>
-              <a:t>Arbeiten mit Maximal- und Minimal-Wertfunktionen (Mathematik </a:t>
-            </a:r>
-            <a:r>
-              <a:rPr lang="de-DE" sz="1200" dirty="0">
-                <a:sym typeface="Wingdings" panose="05000000000000000000" pitchFamily="2" charset="2"/>
-              </a:rPr>
-              <a:t> Mehr)</a:t>
-            </a:r>
-            <a:endParaRPr lang="de-DE" sz="1200" dirty="0"/>
-          </a:p>
-          <a:p>
-            <a:pPr marL="685800" lvl="1" indent="-228600">
-              <a:buFont typeface="+mj-lt"/>
-              <a:buAutoNum type="arabicPeriod"/>
-            </a:pPr>
-            <a:r>
-              <a:rPr lang="de-DE" sz="1100" dirty="0"/>
-              <a:t>Unteren Grenzwert nicht unterschreiten</a:t>
-            </a:r>
-            <a:br>
-              <a:rPr lang="de-DE" sz="1100" dirty="0"/>
-            </a:br>
-            <a:r>
-              <a:rPr lang="de-DE" sz="1100" dirty="0"/>
-              <a:t>(</a:t>
-            </a:r>
-            <a:r>
-              <a:rPr lang="de-DE" sz="1100" dirty="0" err="1"/>
-              <a:t>akutellerWert</a:t>
-            </a:r>
-            <a:r>
-              <a:rPr lang="de-DE" sz="1100" dirty="0"/>
-              <a:t> = -1; untere Grenze = 0</a:t>
-            </a:r>
-            <a:br>
-              <a:rPr lang="de-DE" sz="1100" dirty="0"/>
-            </a:br>
-            <a:r>
-              <a:rPr lang="de-DE" sz="1100" dirty="0"/>
-              <a:t>der maximale Wert der beiden Zahlen ist der untere Grenzwert mit 0, dieser wird von der Maximalwertfunktion zurückgegeben)</a:t>
-            </a:r>
-          </a:p>
-          <a:p>
-            <a:pPr marL="685800" lvl="1" indent="-228600">
-              <a:buFont typeface="+mj-lt"/>
-              <a:buAutoNum type="arabicPeriod"/>
-            </a:pPr>
-            <a:endParaRPr lang="de-DE" sz="500" dirty="0"/>
-          </a:p>
-          <a:p>
-            <a:pPr marL="685800" lvl="1" indent="-228600">
-              <a:buFont typeface="+mj-lt"/>
-              <a:buAutoNum type="arabicPeriod"/>
-            </a:pPr>
-            <a:endParaRPr lang="de-DE" sz="500" dirty="0"/>
-          </a:p>
-          <a:p>
-            <a:pPr marL="685800" lvl="1" indent="-228600">
-              <a:buFont typeface="+mj-lt"/>
-              <a:buAutoNum type="arabicPeriod"/>
-            </a:pPr>
-            <a:endParaRPr lang="de-DE" sz="1100" dirty="0"/>
-          </a:p>
-          <a:p>
-            <a:pPr marL="685800" lvl="1" indent="-228600">
-              <a:buFont typeface="+mj-lt"/>
-              <a:buAutoNum type="arabicPeriod"/>
-            </a:pPr>
-            <a:r>
-              <a:rPr lang="de-DE" sz="1100" dirty="0"/>
-              <a:t>Oberen Grenzwert nicht überschreiten</a:t>
-            </a:r>
-            <a:br>
-              <a:rPr lang="de-DE" sz="1100" dirty="0"/>
-            </a:br>
-            <a:r>
-              <a:rPr lang="de-DE" sz="1100" dirty="0"/>
-              <a:t>(analog  Unterer Grenzwert)</a:t>
-            </a:r>
-          </a:p>
-        </p:txBody>
-      </p:sp>
       <p:pic>
         <p:nvPicPr>
-          <p:cNvPr id="33" name="Grafik 32"/>
+          <p:cNvPr id="22" name="Grafik 21">
+            <a:extLst>
+              <a:ext uri="{FF2B5EF4-FFF2-40B4-BE49-F238E27FC236}">
+                <a16:creationId xmlns:a16="http://schemas.microsoft.com/office/drawing/2014/main" id="{A25DC656-CDFA-4710-9E0F-1435F404509A}"/>
+              </a:ext>
+            </a:extLst>
+          </p:cNvPr>
           <p:cNvPicPr>
             <a:picLocks noChangeAspect="1"/>
           </p:cNvPicPr>
           <p:nvPr/>
         </p:nvPicPr>
         <p:blipFill>
-          <a:blip r:embed="rId22">
+          <a:blip r:embed="rId19">
             <a:extLst>
               <a:ext uri="{28A0092B-C50C-407E-A947-70E740481C1C}">
                 <a14:useLocalDpi xmlns:a14="http://schemas.microsoft.com/office/drawing/2010/main" val="0"/>
@@ -7541,8 +7771,8 @@
         </p:blipFill>
         <p:spPr>
           <a:xfrm>
-            <a:off x="9257099" y="2179472"/>
-            <a:ext cx="3336156" cy="1273699"/>
+            <a:off x="7136128" y="5052380"/>
+            <a:ext cx="1895699" cy="603454"/>
           </a:xfrm>
           <a:prstGeom prst="rect">
             <a:avLst/>
@@ -7551,7 +7781,103 @@
       </p:pic>
       <p:pic>
         <p:nvPicPr>
-          <p:cNvPr id="34" name="Grafik 33"/>
+          <p:cNvPr id="3" name="Grafik 2">
+            <a:extLst>
+              <a:ext uri="{FF2B5EF4-FFF2-40B4-BE49-F238E27FC236}">
+                <a16:creationId xmlns:a16="http://schemas.microsoft.com/office/drawing/2014/main" id="{D5BFD933-2C99-4E88-9810-D7D1D81594B8}"/>
+              </a:ext>
+            </a:extLst>
+          </p:cNvPr>
+          <p:cNvPicPr>
+            <a:picLocks noChangeAspect="1"/>
+          </p:cNvPicPr>
+          <p:nvPr/>
+        </p:nvPicPr>
+        <p:blipFill>
+          <a:blip r:embed="rId20"/>
+          <a:stretch>
+            <a:fillRect/>
+          </a:stretch>
+        </p:blipFill>
+        <p:spPr>
+          <a:xfrm>
+            <a:off x="9788426" y="2040988"/>
+            <a:ext cx="2467857" cy="1519129"/>
+          </a:xfrm>
+          <a:prstGeom prst="rect">
+            <a:avLst/>
+          </a:prstGeom>
+        </p:spPr>
+      </p:pic>
+      <p:pic>
+        <p:nvPicPr>
+          <p:cNvPr id="6" name="Grafik 5">
+            <a:extLst>
+              <a:ext uri="{FF2B5EF4-FFF2-40B4-BE49-F238E27FC236}">
+                <a16:creationId xmlns:a16="http://schemas.microsoft.com/office/drawing/2014/main" id="{DB128AE1-8E7B-41DD-BC78-B6D6A51BE6BA}"/>
+              </a:ext>
+            </a:extLst>
+          </p:cNvPr>
+          <p:cNvPicPr>
+            <a:picLocks noChangeAspect="1"/>
+          </p:cNvPicPr>
+          <p:nvPr/>
+        </p:nvPicPr>
+        <p:blipFill>
+          <a:blip r:embed="rId21"/>
+          <a:stretch>
+            <a:fillRect/>
+          </a:stretch>
+        </p:blipFill>
+        <p:spPr>
+          <a:xfrm>
+            <a:off x="9393758" y="4764962"/>
+            <a:ext cx="2900024" cy="287418"/>
+          </a:xfrm>
+          <a:prstGeom prst="rect">
+            <a:avLst/>
+          </a:prstGeom>
+        </p:spPr>
+      </p:pic>
+      <p:pic>
+        <p:nvPicPr>
+          <p:cNvPr id="8" name="Grafik 7">
+            <a:extLst>
+              <a:ext uri="{FF2B5EF4-FFF2-40B4-BE49-F238E27FC236}">
+                <a16:creationId xmlns:a16="http://schemas.microsoft.com/office/drawing/2014/main" id="{4DF22344-38D2-419D-B26C-A42A80493CF8}"/>
+              </a:ext>
+            </a:extLst>
+          </p:cNvPr>
+          <p:cNvPicPr>
+            <a:picLocks noChangeAspect="1"/>
+          </p:cNvPicPr>
+          <p:nvPr/>
+        </p:nvPicPr>
+        <p:blipFill>
+          <a:blip r:embed="rId22"/>
+          <a:stretch>
+            <a:fillRect/>
+          </a:stretch>
+        </p:blipFill>
+        <p:spPr>
+          <a:xfrm>
+            <a:off x="9394051" y="5406176"/>
+            <a:ext cx="2862232" cy="303669"/>
+          </a:xfrm>
+          <a:prstGeom prst="rect">
+            <a:avLst/>
+          </a:prstGeom>
+        </p:spPr>
+      </p:pic>
+      <p:pic>
+        <p:nvPicPr>
+          <p:cNvPr id="21" name="Grafik 20">
+            <a:extLst>
+              <a:ext uri="{FF2B5EF4-FFF2-40B4-BE49-F238E27FC236}">
+                <a16:creationId xmlns:a16="http://schemas.microsoft.com/office/drawing/2014/main" id="{7E3A87F7-3D6D-46B4-A33B-FC22ED6AB2AB}"/>
+              </a:ext>
+            </a:extLst>
+          </p:cNvPr>
           <p:cNvPicPr>
             <a:picLocks noChangeAspect="1"/>
           </p:cNvPicPr>
@@ -7571,8 +7897,8 @@
         </p:blipFill>
         <p:spPr>
           <a:xfrm>
-            <a:off x="9496742" y="5492853"/>
-            <a:ext cx="2989607" cy="243471"/>
+            <a:off x="1924726" y="1964507"/>
+            <a:ext cx="1380161" cy="960112"/>
           </a:xfrm>
           <a:prstGeom prst="rect">
             <a:avLst/>
@@ -7581,7 +7907,13 @@
       </p:pic>
       <p:pic>
         <p:nvPicPr>
-          <p:cNvPr id="35" name="Grafik 34"/>
+          <p:cNvPr id="24" name="Grafik 23">
+            <a:extLst>
+              <a:ext uri="{FF2B5EF4-FFF2-40B4-BE49-F238E27FC236}">
+                <a16:creationId xmlns:a16="http://schemas.microsoft.com/office/drawing/2014/main" id="{594351C0-1335-46EF-815A-70EF4964A418}"/>
+              </a:ext>
+            </a:extLst>
+          </p:cNvPr>
           <p:cNvPicPr>
             <a:picLocks noChangeAspect="1"/>
           </p:cNvPicPr>
@@ -7601,8 +7933,8 @@
         </p:blipFill>
         <p:spPr>
           <a:xfrm>
-            <a:off x="9485914" y="4767684"/>
-            <a:ext cx="3000435" cy="235109"/>
+            <a:off x="1901988" y="3028269"/>
+            <a:ext cx="2218761" cy="314858"/>
           </a:xfrm>
           <a:prstGeom prst="rect">
             <a:avLst/>
@@ -7611,7 +7943,13 @@
       </p:pic>
       <p:pic>
         <p:nvPicPr>
-          <p:cNvPr id="36" name="Grafik 35"/>
+          <p:cNvPr id="29" name="Grafik 28">
+            <a:extLst>
+              <a:ext uri="{FF2B5EF4-FFF2-40B4-BE49-F238E27FC236}">
+                <a16:creationId xmlns:a16="http://schemas.microsoft.com/office/drawing/2014/main" id="{65FCA21E-8B27-4828-B41D-3855D883FA0D}"/>
+              </a:ext>
+            </a:extLst>
+          </p:cNvPr>
           <p:cNvPicPr>
             <a:picLocks noChangeAspect="1"/>
           </p:cNvPicPr>
@@ -7631,8 +7969,8 @@
         </p:blipFill>
         <p:spPr>
           <a:xfrm>
-            <a:off x="5515326" y="4230160"/>
-            <a:ext cx="1871317" cy="548595"/>
+            <a:off x="1728262" y="1616559"/>
+            <a:ext cx="1834744" cy="274297"/>
           </a:xfrm>
           <a:prstGeom prst="rect">
             <a:avLst/>
@@ -7641,7 +7979,13 @@
       </p:pic>
       <p:pic>
         <p:nvPicPr>
-          <p:cNvPr id="37" name="Grafik 36"/>
+          <p:cNvPr id="16" name="Grafik 15">
+            <a:extLst>
+              <a:ext uri="{FF2B5EF4-FFF2-40B4-BE49-F238E27FC236}">
+                <a16:creationId xmlns:a16="http://schemas.microsoft.com/office/drawing/2014/main" id="{0AA019F5-35C3-4312-8F59-D130C2419476}"/>
+              </a:ext>
+            </a:extLst>
+          </p:cNvPr>
           <p:cNvPicPr>
             <a:picLocks noChangeAspect="1"/>
           </p:cNvPicPr>
@@ -7661,8 +8005,8 @@
         </p:blipFill>
         <p:spPr>
           <a:xfrm>
-            <a:off x="7066150" y="4931676"/>
-            <a:ext cx="1816458" cy="262106"/>
+            <a:off x="1942839" y="5527477"/>
+            <a:ext cx="2048087" cy="329157"/>
           </a:xfrm>
           <a:prstGeom prst="rect">
             <a:avLst/>
@@ -7671,7 +8015,13 @@
       </p:pic>
       <p:pic>
         <p:nvPicPr>
-          <p:cNvPr id="38" name="Grafik 37"/>
+          <p:cNvPr id="23" name="Grafik 22">
+            <a:extLst>
+              <a:ext uri="{FF2B5EF4-FFF2-40B4-BE49-F238E27FC236}">
+                <a16:creationId xmlns:a16="http://schemas.microsoft.com/office/drawing/2014/main" id="{463D0FCA-5636-470A-A749-46DD3803E04F}"/>
+              </a:ext>
+            </a:extLst>
+          </p:cNvPr>
           <p:cNvPicPr>
             <a:picLocks noChangeAspect="1"/>
           </p:cNvPicPr>
@@ -7691,131 +8041,50 @@
         </p:blipFill>
         <p:spPr>
           <a:xfrm>
-            <a:off x="7077804" y="5325487"/>
-            <a:ext cx="1816458" cy="256011"/>
+            <a:off x="2002950" y="3873984"/>
+            <a:ext cx="2229899" cy="311493"/>
           </a:xfrm>
           <a:prstGeom prst="rect">
             <a:avLst/>
           </a:prstGeom>
         </p:spPr>
       </p:pic>
-      <p:sp>
-        <p:nvSpPr>
-          <p:cNvPr id="45" name="Textfeld 44"/>
-          <p:cNvSpPr txBox="1"/>
-          <p:nvPr/>
-        </p:nvSpPr>
-        <p:spPr>
-          <a:xfrm>
-            <a:off x="4627952" y="4898929"/>
-            <a:ext cx="2392759" cy="1015663"/>
-          </a:xfrm>
-          <a:prstGeom prst="rect">
-            <a:avLst/>
-          </a:prstGeom>
-          <a:noFill/>
-        </p:spPr>
-        <p:txBody>
-          <a:bodyPr wrap="square" rtlCol="0">
-            <a:spAutoFit/>
-          </a:bodyPr>
-          <a:lstStyle/>
-          <a:p>
-            <a:r>
-              <a:rPr lang="de-DE" sz="1200" dirty="0"/>
-              <a:t>Der größere der beiden Werte wird ausgewählt</a:t>
-            </a:r>
-          </a:p>
-          <a:p>
-            <a:endParaRPr lang="de-DE" sz="1200" dirty="0"/>
-          </a:p>
-          <a:p>
-            <a:r>
-              <a:rPr lang="de-DE" sz="1200" dirty="0"/>
-              <a:t>Der kleiner der beiden Werte wird ausgewählt</a:t>
-            </a:r>
-          </a:p>
-        </p:txBody>
-      </p:sp>
-      <p:sp>
-        <p:nvSpPr>
-          <p:cNvPr id="4" name="Textfeld 3"/>
-          <p:cNvSpPr txBox="1"/>
-          <p:nvPr/>
-        </p:nvSpPr>
-        <p:spPr>
-          <a:xfrm>
-            <a:off x="137711" y="9355466"/>
-            <a:ext cx="7799017" cy="230832"/>
-          </a:xfrm>
-          <a:prstGeom prst="rect">
-            <a:avLst/>
-          </a:prstGeom>
-          <a:noFill/>
-        </p:spPr>
-        <p:txBody>
-          <a:bodyPr wrap="square" rtlCol="0">
-            <a:spAutoFit/>
-          </a:bodyPr>
-          <a:lstStyle/>
-          <a:p>
-            <a:r>
-              <a:rPr lang="de-DE" sz="900" dirty="0"/>
-              <a:t>Eine Produktion im Rahmen des KISS-MINT-Projektes (</a:t>
-            </a:r>
-            <a:r>
-              <a:rPr lang="de-DE" sz="900" dirty="0">
-                <a:hlinkClick r:id="rId28"/>
-              </a:rPr>
-              <a:t>https://www.htw-dresden.de/kiss-mint</a:t>
-            </a:r>
-            <a:r>
-              <a:rPr lang="de-DE" sz="900" dirty="0"/>
-              <a:t>) an der HTW Dresden, gefördert durch die TÜV-Süd Stiftung. </a:t>
-            </a:r>
-          </a:p>
-        </p:txBody>
-      </p:sp>
-      <p:sp>
-        <p:nvSpPr>
-          <p:cNvPr id="47" name="Textfeld 46"/>
-          <p:cNvSpPr txBox="1"/>
-          <p:nvPr/>
-        </p:nvSpPr>
-        <p:spPr>
-          <a:xfrm>
-            <a:off x="7386643" y="9355068"/>
-            <a:ext cx="5206610" cy="230832"/>
-          </a:xfrm>
-          <a:prstGeom prst="rect">
-            <a:avLst/>
-          </a:prstGeom>
-          <a:noFill/>
-        </p:spPr>
-        <p:txBody>
-          <a:bodyPr wrap="square" rtlCol="0">
-            <a:spAutoFit/>
-          </a:bodyPr>
-          <a:lstStyle/>
-          <a:p>
-            <a:pPr algn="r"/>
-            <a:r>
-              <a:rPr lang="de-DE" sz="900" dirty="0"/>
-              <a:t>Veröffentlicht unter CC BY SA (</a:t>
-            </a:r>
-            <a:r>
-              <a:rPr lang="de-DE" sz="900" dirty="0">
-                <a:hlinkClick r:id="rId29"/>
-              </a:rPr>
-              <a:t>http://creativecommons.org/licenses/by-sa/4.0/</a:t>
-            </a:r>
-            <a:r>
-              <a:rPr lang="de-DE" sz="900" dirty="0"/>
-              <a:t>)</a:t>
-            </a:r>
-          </a:p>
-        </p:txBody>
-      </p:sp>
+      <p:pic>
+        <p:nvPicPr>
+          <p:cNvPr id="31" name="Grafik 30">
+            <a:extLst>
+              <a:ext uri="{FF2B5EF4-FFF2-40B4-BE49-F238E27FC236}">
+                <a16:creationId xmlns:a16="http://schemas.microsoft.com/office/drawing/2014/main" id="{04C5EC2B-7E95-42AB-A8B6-94F4C14D907B}"/>
+              </a:ext>
+            </a:extLst>
+          </p:cNvPr>
+          <p:cNvPicPr>
+            <a:picLocks noChangeAspect="1"/>
+          </p:cNvPicPr>
+          <p:nvPr/>
+        </p:nvPicPr>
+        <p:blipFill>
+          <a:blip r:embed="rId28">
+            <a:extLst>
+              <a:ext uri="{28A0092B-C50C-407E-A947-70E740481C1C}">
+                <a14:useLocalDpi xmlns:a14="http://schemas.microsoft.com/office/drawing/2010/main" val="0"/>
+              </a:ext>
+            </a:extLst>
+          </a:blip>
+          <a:stretch>
+            <a:fillRect/>
+          </a:stretch>
+        </p:blipFill>
+        <p:spPr>
+          <a:xfrm>
+            <a:off x="2006539" y="4476370"/>
+            <a:ext cx="2291744" cy="288760"/>
+          </a:xfrm>
+          <a:prstGeom prst="rect">
+            <a:avLst/>
+          </a:prstGeom>
+        </p:spPr>
+      </p:pic>
     </p:spTree>
     <p:extLst>
       <p:ext uri="{BB962C8B-B14F-4D97-AF65-F5344CB8AC3E}">
